--- a/content/docs/theory-analysis/flink-on-kubernetes/images/images.pptx
+++ b/content/docs/theory-analysis/flink-on-kubernetes/images/images.pptx
@@ -5,14 +5,15 @@
     <p:sldMasterId id="2147483648" r:id="rId1"/>
   </p:sldMasterIdLst>
   <p:notesMasterIdLst>
-    <p:notesMasterId r:id="rId7"/>
+    <p:notesMasterId r:id="rId8"/>
   </p:notesMasterIdLst>
   <p:sldIdLst>
     <p:sldId id="370" r:id="rId2"/>
     <p:sldId id="369" r:id="rId3"/>
     <p:sldId id="362" r:id="rId4"/>
-    <p:sldId id="368" r:id="rId5"/>
-    <p:sldId id="367" r:id="rId6"/>
+    <p:sldId id="371" r:id="rId5"/>
+    <p:sldId id="368" r:id="rId6"/>
+    <p:sldId id="367" r:id="rId7"/>
   </p:sldIdLst>
   <p:sldSz cx="9144000" cy="5143500" type="screen16x9"/>
   <p:notesSz cx="6858000" cy="9144000"/>
@@ -217,7 +218,7 @@
           <a:p>
             <a:fld id="{6CD5550B-26C4-49A9-A5BA-636EF7BE6CE9}" type="datetimeFigureOut">
               <a:rPr lang="ko-KR" altLang="en-US" smtClean="0"/>
-              <a:t>2025. 1. 19.</a:t>
+              <a:t>2025. 1. 20.</a:t>
             </a:fld>
             <a:endParaRPr lang="ko-KR" altLang="en-US"/>
           </a:p>
@@ -663,7 +664,7 @@
           <a:p>
             <a:fld id="{FB30EDBD-1C2D-4C1E-B459-B60219FAB484}" type="datetimeFigureOut">
               <a:rPr lang="ko-KR" altLang="en-US" smtClean="0"/>
-              <a:t>2025. 1. 19.</a:t>
+              <a:t>2025. 1. 20.</a:t>
             </a:fld>
             <a:endParaRPr lang="ko-KR" altLang="en-US"/>
           </a:p>
@@ -826,7 +827,7 @@
           <a:p>
             <a:fld id="{FB30EDBD-1C2D-4C1E-B459-B60219FAB484}" type="datetimeFigureOut">
               <a:rPr lang="ko-KR" altLang="en-US" smtClean="0"/>
-              <a:t>2025. 1. 19.</a:t>
+              <a:t>2025. 1. 20.</a:t>
             </a:fld>
             <a:endParaRPr lang="ko-KR" altLang="en-US"/>
           </a:p>
@@ -999,7 +1000,7 @@
           <a:p>
             <a:fld id="{FB30EDBD-1C2D-4C1E-B459-B60219FAB484}" type="datetimeFigureOut">
               <a:rPr lang="ko-KR" altLang="en-US" smtClean="0"/>
-              <a:t>2025. 1. 19.</a:t>
+              <a:t>2025. 1. 20.</a:t>
             </a:fld>
             <a:endParaRPr lang="ko-KR" altLang="en-US"/>
           </a:p>
@@ -1162,7 +1163,7 @@
           <a:p>
             <a:fld id="{FB30EDBD-1C2D-4C1E-B459-B60219FAB484}" type="datetimeFigureOut">
               <a:rPr lang="ko-KR" altLang="en-US" smtClean="0"/>
-              <a:t>2025. 1. 19.</a:t>
+              <a:t>2025. 1. 20.</a:t>
             </a:fld>
             <a:endParaRPr lang="ko-KR" altLang="en-US"/>
           </a:p>
@@ -1402,7 +1403,7 @@
           <a:p>
             <a:fld id="{FB30EDBD-1C2D-4C1E-B459-B60219FAB484}" type="datetimeFigureOut">
               <a:rPr lang="ko-KR" altLang="en-US" smtClean="0"/>
-              <a:t>2025. 1. 19.</a:t>
+              <a:t>2025. 1. 20.</a:t>
             </a:fld>
             <a:endParaRPr lang="ko-KR" altLang="en-US"/>
           </a:p>
@@ -1682,7 +1683,7 @@
           <a:p>
             <a:fld id="{FB30EDBD-1C2D-4C1E-B459-B60219FAB484}" type="datetimeFigureOut">
               <a:rPr lang="ko-KR" altLang="en-US" smtClean="0"/>
-              <a:t>2025. 1. 19.</a:t>
+              <a:t>2025. 1. 20.</a:t>
             </a:fld>
             <a:endParaRPr lang="ko-KR" altLang="en-US"/>
           </a:p>
@@ -2096,7 +2097,7 @@
           <a:p>
             <a:fld id="{FB30EDBD-1C2D-4C1E-B459-B60219FAB484}" type="datetimeFigureOut">
               <a:rPr lang="ko-KR" altLang="en-US" smtClean="0"/>
-              <a:t>2025. 1. 19.</a:t>
+              <a:t>2025. 1. 20.</a:t>
             </a:fld>
             <a:endParaRPr lang="ko-KR" altLang="en-US"/>
           </a:p>
@@ -2208,7 +2209,7 @@
           <a:p>
             <a:fld id="{FB30EDBD-1C2D-4C1E-B459-B60219FAB484}" type="datetimeFigureOut">
               <a:rPr lang="ko-KR" altLang="en-US" smtClean="0"/>
-              <a:t>2025. 1. 19.</a:t>
+              <a:t>2025. 1. 20.</a:t>
             </a:fld>
             <a:endParaRPr lang="ko-KR" altLang="en-US"/>
           </a:p>
@@ -2298,7 +2299,7 @@
           <a:p>
             <a:fld id="{FB30EDBD-1C2D-4C1E-B459-B60219FAB484}" type="datetimeFigureOut">
               <a:rPr lang="ko-KR" altLang="en-US" smtClean="0"/>
-              <a:t>2025. 1. 19.</a:t>
+              <a:t>2025. 1. 20.</a:t>
             </a:fld>
             <a:endParaRPr lang="ko-KR" altLang="en-US"/>
           </a:p>
@@ -2568,7 +2569,7 @@
           <a:p>
             <a:fld id="{FB30EDBD-1C2D-4C1E-B459-B60219FAB484}" type="datetimeFigureOut">
               <a:rPr lang="ko-KR" altLang="en-US" smtClean="0"/>
-              <a:t>2025. 1. 19.</a:t>
+              <a:t>2025. 1. 20.</a:t>
             </a:fld>
             <a:endParaRPr lang="ko-KR" altLang="en-US"/>
           </a:p>
@@ -2815,7 +2816,7 @@
           <a:p>
             <a:fld id="{FB30EDBD-1C2D-4C1E-B459-B60219FAB484}" type="datetimeFigureOut">
               <a:rPr lang="ko-KR" altLang="en-US" smtClean="0"/>
-              <a:t>2025. 1. 19.</a:t>
+              <a:t>2025. 1. 20.</a:t>
             </a:fld>
             <a:endParaRPr lang="ko-KR" altLang="en-US"/>
           </a:p>
@@ -3021,7 +3022,7 @@
           <a:p>
             <a:fld id="{FB30EDBD-1C2D-4C1E-B459-B60219FAB484}" type="datetimeFigureOut">
               <a:rPr lang="ko-KR" altLang="en-US" smtClean="0"/>
-              <a:t>2025. 1. 19.</a:t>
+              <a:t>2025. 1. 20.</a:t>
             </a:fld>
             <a:endParaRPr lang="ko-KR" altLang="en-US"/>
           </a:p>
@@ -3435,7 +3436,7 @@
         </p:nvSpPr>
         <p:spPr>
           <a:xfrm>
-            <a:off x="1286178" y="2432878"/>
+            <a:off x="7260373" y="2051799"/>
             <a:ext cx="1368152" cy="788666"/>
           </a:xfrm>
           <a:prstGeom prst="roundRect">
@@ -3500,8 +3501,8 @@
         </p:nvSpPr>
         <p:spPr>
           <a:xfrm>
-            <a:off x="2086950" y="1286184"/>
-            <a:ext cx="1297692" cy="709502"/>
+            <a:off x="1957163" y="3189210"/>
+            <a:ext cx="1297692" cy="562124"/>
           </a:xfrm>
           <a:prstGeom prst="roundRect">
             <a:avLst>
@@ -3531,25 +3532,17 @@
             <a:pPr algn="ctr"/>
             <a:r>
               <a:rPr lang="en-US" altLang="ko-KR" sz="1000" b="1"/>
-              <a:t>Flink Deployment</a:t>
-            </a:r>
-          </a:p>
-          <a:p>
-            <a:pPr algn="ctr"/>
-            <a:r>
-              <a:rPr lang="en-US" altLang="ko-KR" sz="1000" b="1"/>
-              <a:t>CR A</a:t>
-            </a:r>
-            <a:endParaRPr lang="ko-KR" altLang="en-US" sz="1000" b="1"/>
-          </a:p>
-        </p:txBody>
-      </p:sp>
-      <p:sp>
-        <p:nvSpPr>
-          <p:cNvPr id="39" name="사각형: 둥근 모서리 6">
-            <a:extLst>
-              <a:ext uri="{FF2B5EF4-FFF2-40B4-BE49-F238E27FC236}">
-                <a16:creationId xmlns:a16="http://schemas.microsoft.com/office/drawing/2014/main" id="{A7A76A56-E692-794E-8020-A7D16C488D9D}"/>
+              <a:t>FlinkDeployment</a:t>
+            </a:r>
+          </a:p>
+        </p:txBody>
+      </p:sp>
+      <p:sp>
+        <p:nvSpPr>
+          <p:cNvPr id="43" name="사각형: 둥근 모서리 6">
+            <a:extLst>
+              <a:ext uri="{FF2B5EF4-FFF2-40B4-BE49-F238E27FC236}">
+                <a16:creationId xmlns:a16="http://schemas.microsoft.com/office/drawing/2014/main" id="{7C8DFDAC-F574-874D-883D-63B115D5CD3C}"/>
               </a:ext>
             </a:extLst>
           </p:cNvPr>
@@ -3558,8 +3551,8 @@
         </p:nvSpPr>
         <p:spPr>
           <a:xfrm>
-            <a:off x="2086950" y="3658737"/>
-            <a:ext cx="1297692" cy="709502"/>
+            <a:off x="3830145" y="3756726"/>
+            <a:ext cx="1297692" cy="576064"/>
           </a:xfrm>
           <a:prstGeom prst="roundRect">
             <a:avLst>
@@ -3588,26 +3581,26 @@
           <a:p>
             <a:pPr algn="ctr"/>
             <a:r>
-              <a:rPr lang="en-US" altLang="ko-KR" sz="1000" b="1"/>
-              <a:t>Flink Deployment</a:t>
-            </a:r>
-          </a:p>
-          <a:p>
-            <a:pPr algn="ctr"/>
-            <a:r>
-              <a:rPr lang="en-US" altLang="ko-KR" sz="1000" b="1"/>
-              <a:t>CR B</a:t>
-            </a:r>
-            <a:endParaRPr lang="ko-KR" altLang="en-US" sz="1000" b="1"/>
-          </a:p>
-        </p:txBody>
-      </p:sp>
-      <p:sp>
-        <p:nvSpPr>
-          <p:cNvPr id="43" name="사각형: 둥근 모서리 6">
-            <a:extLst>
-              <a:ext uri="{FF2B5EF4-FFF2-40B4-BE49-F238E27FC236}">
-                <a16:creationId xmlns:a16="http://schemas.microsoft.com/office/drawing/2014/main" id="{7C8DFDAC-F574-874D-883D-63B115D5CD3C}"/>
+              <a:rPr lang="en-US" altLang="ko-KR" sz="1000"/>
+              <a:t>Flink JobManager</a:t>
+            </a:r>
+          </a:p>
+          <a:p>
+            <a:pPr algn="ctr"/>
+            <a:r>
+              <a:rPr lang="en-US" altLang="ko-KR" sz="1000"/>
+              <a:t>Pod</a:t>
+            </a:r>
+            <a:endParaRPr lang="ko-KR" altLang="en-US" sz="1000"/>
+          </a:p>
+        </p:txBody>
+      </p:sp>
+      <p:sp>
+        <p:nvSpPr>
+          <p:cNvPr id="47" name="사각형: 둥근 모서리 6">
+            <a:extLst>
+              <a:ext uri="{FF2B5EF4-FFF2-40B4-BE49-F238E27FC236}">
+                <a16:creationId xmlns:a16="http://schemas.microsoft.com/office/drawing/2014/main" id="{00248746-D06A-F74A-8C12-41C451D126EE}"/>
               </a:ext>
             </a:extLst>
           </p:cNvPr>
@@ -3616,7 +3609,7 @@
         </p:nvSpPr>
         <p:spPr>
           <a:xfrm>
-            <a:off x="3959932" y="1927389"/>
+            <a:off x="5450325" y="3396553"/>
             <a:ext cx="1297692" cy="576064"/>
           </a:xfrm>
           <a:prstGeom prst="roundRect">
@@ -3647,7 +3640,14 @@
             <a:pPr algn="ctr"/>
             <a:r>
               <a:rPr lang="en-US" altLang="ko-KR" sz="1000"/>
-              <a:t>Flink JobManager</a:t>
+              <a:t>Flink</a:t>
+            </a:r>
+          </a:p>
+          <a:p>
+            <a:pPr algn="ctr"/>
+            <a:r>
+              <a:rPr lang="en-US" altLang="ko-KR" sz="1000"/>
+              <a:t>TaskManager B</a:t>
             </a:r>
           </a:p>
           <a:p>
@@ -3662,10 +3662,10 @@
       </p:sp>
       <p:sp>
         <p:nvSpPr>
-          <p:cNvPr id="47" name="사각형: 둥근 모서리 6">
-            <a:extLst>
-              <a:ext uri="{FF2B5EF4-FFF2-40B4-BE49-F238E27FC236}">
-                <a16:creationId xmlns:a16="http://schemas.microsoft.com/office/drawing/2014/main" id="{00248746-D06A-F74A-8C12-41C451D126EE}"/>
+          <p:cNvPr id="48" name="사각형: 둥근 모서리 6">
+            <a:extLst>
+              <a:ext uri="{FF2B5EF4-FFF2-40B4-BE49-F238E27FC236}">
+                <a16:creationId xmlns:a16="http://schemas.microsoft.com/office/drawing/2014/main" id="{1DC26FEC-E20B-BB4F-BC4E-255CF6C59C36}"/>
               </a:ext>
             </a:extLst>
           </p:cNvPr>
@@ -3674,7 +3674,7 @@
         </p:nvSpPr>
         <p:spPr>
           <a:xfrm>
-            <a:off x="5580112" y="1567216"/>
+            <a:off x="5450325" y="2607887"/>
             <a:ext cx="1297692" cy="576064"/>
           </a:xfrm>
           <a:prstGeom prst="roundRect">
@@ -3712,7 +3712,7 @@
             <a:pPr algn="ctr"/>
             <a:r>
               <a:rPr lang="en-US" altLang="ko-KR" sz="1000"/>
-              <a:t>TaskManager B</a:t>
+              <a:t>TaskManager A</a:t>
             </a:r>
           </a:p>
           <a:p>
@@ -3727,10 +3727,10 @@
       </p:sp>
       <p:sp>
         <p:nvSpPr>
-          <p:cNvPr id="48" name="사각형: 둥근 모서리 6">
-            <a:extLst>
-              <a:ext uri="{FF2B5EF4-FFF2-40B4-BE49-F238E27FC236}">
-                <a16:creationId xmlns:a16="http://schemas.microsoft.com/office/drawing/2014/main" id="{1DC26FEC-E20B-BB4F-BC4E-255CF6C59C36}"/>
+          <p:cNvPr id="51" name="사각형: 둥근 모서리 6">
+            <a:extLst>
+              <a:ext uri="{FF2B5EF4-FFF2-40B4-BE49-F238E27FC236}">
+                <a16:creationId xmlns:a16="http://schemas.microsoft.com/office/drawing/2014/main" id="{6B17914B-11FF-0B49-B155-D3717A91BA9C}"/>
               </a:ext>
             </a:extLst>
           </p:cNvPr>
@@ -3739,72 +3739,7 @@
         </p:nvSpPr>
         <p:spPr>
           <a:xfrm>
-            <a:off x="5580112" y="778550"/>
-            <a:ext cx="1297692" cy="576064"/>
-          </a:xfrm>
-          <a:prstGeom prst="roundRect">
-            <a:avLst>
-              <a:gd name="adj" fmla="val 8348"/>
-            </a:avLst>
-          </a:prstGeom>
-          <a:ln w="12700"/>
-        </p:spPr>
-        <p:style>
-          <a:lnRef idx="2">
-            <a:schemeClr val="dk1"/>
-          </a:lnRef>
-          <a:fillRef idx="1">
-            <a:schemeClr val="lt1"/>
-          </a:fillRef>
-          <a:effectRef idx="0">
-            <a:schemeClr val="dk1"/>
-          </a:effectRef>
-          <a:fontRef idx="minor">
-            <a:schemeClr val="dk1"/>
-          </a:fontRef>
-        </p:style>
-        <p:txBody>
-          <a:bodyPr rtlCol="0" anchor="ctr"/>
-          <a:lstStyle/>
-          <a:p>
-            <a:pPr algn="ctr"/>
-            <a:r>
-              <a:rPr lang="en-US" altLang="ko-KR" sz="1000"/>
-              <a:t>Flink</a:t>
-            </a:r>
-          </a:p>
-          <a:p>
-            <a:pPr algn="ctr"/>
-            <a:r>
-              <a:rPr lang="en-US" altLang="ko-KR" sz="1000"/>
-              <a:t>TaskManager A</a:t>
-            </a:r>
-          </a:p>
-          <a:p>
-            <a:pPr algn="ctr"/>
-            <a:r>
-              <a:rPr lang="en-US" altLang="ko-KR" sz="1000"/>
-              <a:t>Pod</a:t>
-            </a:r>
-            <a:endParaRPr lang="ko-KR" altLang="en-US" sz="1000"/>
-          </a:p>
-        </p:txBody>
-      </p:sp>
-      <p:sp>
-        <p:nvSpPr>
-          <p:cNvPr id="51" name="사각형: 둥근 모서리 6">
-            <a:extLst>
-              <a:ext uri="{FF2B5EF4-FFF2-40B4-BE49-F238E27FC236}">
-                <a16:creationId xmlns:a16="http://schemas.microsoft.com/office/drawing/2014/main" id="{6B17914B-11FF-0B49-B155-D3717A91BA9C}"/>
-              </a:ext>
-            </a:extLst>
-          </p:cNvPr>
-          <p:cNvSpPr/>
-          <p:nvPr/>
-        </p:nvSpPr>
-        <p:spPr>
-          <a:xfrm>
-            <a:off x="3851920" y="668827"/>
+            <a:off x="3722133" y="2498164"/>
             <a:ext cx="3137272" cy="1944216"/>
           </a:xfrm>
           <a:prstGeom prst="roundRect">
@@ -3837,7 +3772,7 @@
           <a:p>
             <a:r>
               <a:rPr lang="en-US" altLang="ko-KR" sz="1000" b="1"/>
-              <a:t>Flink Cluster A</a:t>
+              <a:t>Flink Cluster</a:t>
             </a:r>
             <a:endParaRPr lang="ko-KR" altLang="en-US" sz="1000" b="1"/>
           </a:p>
@@ -3845,10 +3780,10 @@
       </p:sp>
       <p:sp>
         <p:nvSpPr>
-          <p:cNvPr id="52" name="사각형: 둥근 모서리 6">
-            <a:extLst>
-              <a:ext uri="{FF2B5EF4-FFF2-40B4-BE49-F238E27FC236}">
-                <a16:creationId xmlns:a16="http://schemas.microsoft.com/office/drawing/2014/main" id="{D1EE85DB-C768-9040-83A7-06946F92CEDD}"/>
+          <p:cNvPr id="5" name="Oval 4">
+            <a:extLst>
+              <a:ext uri="{FF2B5EF4-FFF2-40B4-BE49-F238E27FC236}">
+                <a16:creationId xmlns:a16="http://schemas.microsoft.com/office/drawing/2014/main" id="{5B2E8AFF-4626-2B48-A390-8AEDA105F734}"/>
               </a:ext>
             </a:extLst>
           </p:cNvPr>
@@ -3856,249 +3791,8 @@
           <p:nvPr/>
         </p:nvSpPr>
         <p:spPr>
-          <a:xfrm>
-            <a:off x="3959932" y="4299942"/>
-            <a:ext cx="1297692" cy="576064"/>
-          </a:xfrm>
-          <a:prstGeom prst="roundRect">
-            <a:avLst>
-              <a:gd name="adj" fmla="val 8348"/>
-            </a:avLst>
-          </a:prstGeom>
-          <a:ln w="12700"/>
-        </p:spPr>
-        <p:style>
-          <a:lnRef idx="2">
-            <a:schemeClr val="dk1"/>
-          </a:lnRef>
-          <a:fillRef idx="1">
-            <a:schemeClr val="lt1"/>
-          </a:fillRef>
-          <a:effectRef idx="0">
-            <a:schemeClr val="dk1"/>
-          </a:effectRef>
-          <a:fontRef idx="minor">
-            <a:schemeClr val="dk1"/>
-          </a:fontRef>
-        </p:style>
-        <p:txBody>
-          <a:bodyPr rtlCol="0" anchor="ctr"/>
-          <a:lstStyle/>
-          <a:p>
-            <a:pPr algn="ctr"/>
-            <a:r>
-              <a:rPr lang="en-US" altLang="ko-KR" sz="1000"/>
-              <a:t>Flink JobManager</a:t>
-            </a:r>
-          </a:p>
-          <a:p>
-            <a:pPr algn="ctr"/>
-            <a:r>
-              <a:rPr lang="en-US" altLang="ko-KR" sz="1000"/>
-              <a:t>Pod</a:t>
-            </a:r>
-            <a:endParaRPr lang="ko-KR" altLang="en-US" sz="1000"/>
-          </a:p>
-        </p:txBody>
-      </p:sp>
-      <p:sp>
-        <p:nvSpPr>
-          <p:cNvPr id="54" name="사각형: 둥근 모서리 6">
-            <a:extLst>
-              <a:ext uri="{FF2B5EF4-FFF2-40B4-BE49-F238E27FC236}">
-                <a16:creationId xmlns:a16="http://schemas.microsoft.com/office/drawing/2014/main" id="{AB402692-D931-F145-9395-FD8477989A9A}"/>
-              </a:ext>
-            </a:extLst>
-          </p:cNvPr>
-          <p:cNvSpPr/>
-          <p:nvPr/>
-        </p:nvSpPr>
-        <p:spPr>
-          <a:xfrm>
-            <a:off x="5580112" y="3939769"/>
-            <a:ext cx="1297692" cy="576064"/>
-          </a:xfrm>
-          <a:prstGeom prst="roundRect">
-            <a:avLst>
-              <a:gd name="adj" fmla="val 8348"/>
-            </a:avLst>
-          </a:prstGeom>
-          <a:ln w="12700"/>
-        </p:spPr>
-        <p:style>
-          <a:lnRef idx="2">
-            <a:schemeClr val="dk1"/>
-          </a:lnRef>
-          <a:fillRef idx="1">
-            <a:schemeClr val="lt1"/>
-          </a:fillRef>
-          <a:effectRef idx="0">
-            <a:schemeClr val="dk1"/>
-          </a:effectRef>
-          <a:fontRef idx="minor">
-            <a:schemeClr val="dk1"/>
-          </a:fontRef>
-        </p:style>
-        <p:txBody>
-          <a:bodyPr rtlCol="0" anchor="ctr"/>
-          <a:lstStyle/>
-          <a:p>
-            <a:pPr algn="ctr"/>
-            <a:r>
-              <a:rPr lang="en-US" altLang="ko-KR" sz="1000"/>
-              <a:t>Flink</a:t>
-            </a:r>
-          </a:p>
-          <a:p>
-            <a:pPr algn="ctr"/>
-            <a:r>
-              <a:rPr lang="en-US" altLang="ko-KR" sz="1000"/>
-              <a:t>TaskManager B</a:t>
-            </a:r>
-          </a:p>
-          <a:p>
-            <a:pPr algn="ctr"/>
-            <a:r>
-              <a:rPr lang="en-US" altLang="ko-KR" sz="1000"/>
-              <a:t>Pod</a:t>
-            </a:r>
-            <a:endParaRPr lang="ko-KR" altLang="en-US" sz="1000"/>
-          </a:p>
-        </p:txBody>
-      </p:sp>
-      <p:sp>
-        <p:nvSpPr>
-          <p:cNvPr id="55" name="사각형: 둥근 모서리 6">
-            <a:extLst>
-              <a:ext uri="{FF2B5EF4-FFF2-40B4-BE49-F238E27FC236}">
-                <a16:creationId xmlns:a16="http://schemas.microsoft.com/office/drawing/2014/main" id="{EF73DC61-932A-0C49-983D-580156F26039}"/>
-              </a:ext>
-            </a:extLst>
-          </p:cNvPr>
-          <p:cNvSpPr/>
-          <p:nvPr/>
-        </p:nvSpPr>
-        <p:spPr>
-          <a:xfrm>
-            <a:off x="5580112" y="3151103"/>
-            <a:ext cx="1297692" cy="576064"/>
-          </a:xfrm>
-          <a:prstGeom prst="roundRect">
-            <a:avLst>
-              <a:gd name="adj" fmla="val 8348"/>
-            </a:avLst>
-          </a:prstGeom>
-          <a:ln w="12700"/>
-        </p:spPr>
-        <p:style>
-          <a:lnRef idx="2">
-            <a:schemeClr val="dk1"/>
-          </a:lnRef>
-          <a:fillRef idx="1">
-            <a:schemeClr val="lt1"/>
-          </a:fillRef>
-          <a:effectRef idx="0">
-            <a:schemeClr val="dk1"/>
-          </a:effectRef>
-          <a:fontRef idx="minor">
-            <a:schemeClr val="dk1"/>
-          </a:fontRef>
-        </p:style>
-        <p:txBody>
-          <a:bodyPr rtlCol="0" anchor="ctr"/>
-          <a:lstStyle/>
-          <a:p>
-            <a:pPr algn="ctr"/>
-            <a:r>
-              <a:rPr lang="en-US" altLang="ko-KR" sz="1000"/>
-              <a:t>Flink</a:t>
-            </a:r>
-          </a:p>
-          <a:p>
-            <a:pPr algn="ctr"/>
-            <a:r>
-              <a:rPr lang="en-US" altLang="ko-KR" sz="1000"/>
-              <a:t>TaskManager A</a:t>
-            </a:r>
-          </a:p>
-          <a:p>
-            <a:pPr algn="ctr"/>
-            <a:r>
-              <a:rPr lang="en-US" altLang="ko-KR" sz="1000"/>
-              <a:t>Pod</a:t>
-            </a:r>
-            <a:endParaRPr lang="ko-KR" altLang="en-US" sz="1000"/>
-          </a:p>
-        </p:txBody>
-      </p:sp>
-      <p:sp>
-        <p:nvSpPr>
-          <p:cNvPr id="58" name="사각형: 둥근 모서리 6">
-            <a:extLst>
-              <a:ext uri="{FF2B5EF4-FFF2-40B4-BE49-F238E27FC236}">
-                <a16:creationId xmlns:a16="http://schemas.microsoft.com/office/drawing/2014/main" id="{60AE0417-EB6C-A14F-BCF3-799EA6984B2F}"/>
-              </a:ext>
-            </a:extLst>
-          </p:cNvPr>
-          <p:cNvSpPr/>
-          <p:nvPr/>
-        </p:nvSpPr>
-        <p:spPr>
-          <a:xfrm>
-            <a:off x="3851920" y="3041380"/>
-            <a:ext cx="3137272" cy="1944216"/>
-          </a:xfrm>
-          <a:prstGeom prst="roundRect">
-            <a:avLst>
-              <a:gd name="adj" fmla="val 5246"/>
-            </a:avLst>
-          </a:prstGeom>
-          <a:noFill/>
-          <a:ln w="12700">
-            <a:prstDash val="dash"/>
-          </a:ln>
-        </p:spPr>
-        <p:style>
-          <a:lnRef idx="2">
-            <a:schemeClr val="dk1"/>
-          </a:lnRef>
-          <a:fillRef idx="1">
-            <a:schemeClr val="lt1"/>
-          </a:fillRef>
-          <a:effectRef idx="0">
-            <a:schemeClr val="dk1"/>
-          </a:effectRef>
-          <a:fontRef idx="minor">
-            <a:schemeClr val="dk1"/>
-          </a:fontRef>
-        </p:style>
-        <p:txBody>
-          <a:bodyPr rtlCol="0" anchor="t"/>
-          <a:lstStyle/>
-          <a:p>
-            <a:r>
-              <a:rPr lang="en-US" altLang="ko-KR" sz="1000" b="1"/>
-              <a:t>Flink Cluster B</a:t>
-            </a:r>
-            <a:endParaRPr lang="ko-KR" altLang="en-US" sz="1000" b="1"/>
-          </a:p>
-        </p:txBody>
-      </p:sp>
-      <p:sp>
-        <p:nvSpPr>
-          <p:cNvPr id="5" name="Oval 4">
-            <a:extLst>
-              <a:ext uri="{FF2B5EF4-FFF2-40B4-BE49-F238E27FC236}">
-                <a16:creationId xmlns:a16="http://schemas.microsoft.com/office/drawing/2014/main" id="{5B2E8AFF-4626-2B48-A390-8AEDA105F734}"/>
-              </a:ext>
-            </a:extLst>
-          </p:cNvPr>
-          <p:cNvSpPr/>
-          <p:nvPr/>
-        </p:nvSpPr>
-        <p:spPr>
           <a:xfrm flipH="1" flipV="1">
-            <a:off x="6228184" y="2222031"/>
+            <a:off x="6098397" y="4051368"/>
             <a:ext cx="70935" cy="70935"/>
           </a:xfrm>
           <a:prstGeom prst="ellipse">
@@ -4150,7 +3844,7 @@
         </p:nvSpPr>
         <p:spPr>
           <a:xfrm flipH="1" flipV="1">
-            <a:off x="6228184" y="2347625"/>
+            <a:off x="6098397" y="4176962"/>
             <a:ext cx="70935" cy="70935"/>
           </a:xfrm>
           <a:prstGeom prst="ellipse">
@@ -4202,7 +3896,7 @@
         </p:nvSpPr>
         <p:spPr>
           <a:xfrm flipH="1" flipV="1">
-            <a:off x="6228184" y="2470100"/>
+            <a:off x="6098397" y="4299437"/>
             <a:ext cx="70935" cy="70935"/>
           </a:xfrm>
           <a:prstGeom prst="ellipse">
@@ -4242,10 +3936,10 @@
       </p:sp>
       <p:sp>
         <p:nvSpPr>
-          <p:cNvPr id="64" name="Oval 63">
-            <a:extLst>
-              <a:ext uri="{FF2B5EF4-FFF2-40B4-BE49-F238E27FC236}">
-                <a16:creationId xmlns:a16="http://schemas.microsoft.com/office/drawing/2014/main" id="{5DA1CE40-2055-8A4F-9C3C-BE09D786CEFE}"/>
+          <p:cNvPr id="81" name="사각형: 둥근 모서리 6">
+            <a:extLst>
+              <a:ext uri="{FF2B5EF4-FFF2-40B4-BE49-F238E27FC236}">
+                <a16:creationId xmlns:a16="http://schemas.microsoft.com/office/drawing/2014/main" id="{6A3043C8-96F2-B149-BDD9-70FCEBDDC97D}"/>
               </a:ext>
             </a:extLst>
           </p:cNvPr>
@@ -4253,34 +3947,29 @@
           <p:nvPr/>
         </p:nvSpPr>
         <p:spPr>
-          <a:xfrm flipH="1" flipV="1">
-            <a:off x="6228184" y="4591212"/>
-            <a:ext cx="70935" cy="70935"/>
-          </a:xfrm>
-          <a:prstGeom prst="ellipse">
-            <a:avLst/>
-          </a:prstGeom>
-          <a:solidFill>
-            <a:schemeClr val="tx1"/>
-          </a:solidFill>
-          <a:ln>
-            <a:noFill/>
-          </a:ln>
+          <a:xfrm>
+            <a:off x="3830145" y="2894208"/>
+            <a:ext cx="1297692" cy="576064"/>
+          </a:xfrm>
+          <a:prstGeom prst="roundRect">
+            <a:avLst>
+              <a:gd name="adj" fmla="val 8348"/>
+            </a:avLst>
+          </a:prstGeom>
+          <a:ln w="12700"/>
         </p:spPr>
         <p:style>
           <a:lnRef idx="2">
-            <a:schemeClr val="accent1">
-              <a:shade val="50000"/>
-            </a:schemeClr>
+            <a:schemeClr val="dk1"/>
           </a:lnRef>
           <a:fillRef idx="1">
-            <a:schemeClr val="accent1"/>
-          </a:fillRef>
-          <a:effectRef idx="0">
-            <a:schemeClr val="accent1"/>
-          </a:effectRef>
-          <a:fontRef idx="minor">
             <a:schemeClr val="lt1"/>
+          </a:fillRef>
+          <a:effectRef idx="0">
+            <a:schemeClr val="dk1"/>
+          </a:effectRef>
+          <a:fontRef idx="minor">
+            <a:schemeClr val="dk1"/>
           </a:fontRef>
         </p:style>
         <p:txBody>
@@ -4288,16 +3977,27 @@
           <a:lstStyle/>
           <a:p>
             <a:pPr algn="ctr"/>
-            <a:endParaRPr lang="en-KR" sz="1400"/>
-          </a:p>
-        </p:txBody>
-      </p:sp>
-      <p:sp>
-        <p:nvSpPr>
-          <p:cNvPr id="65" name="Oval 64">
-            <a:extLst>
-              <a:ext uri="{FF2B5EF4-FFF2-40B4-BE49-F238E27FC236}">
-                <a16:creationId xmlns:a16="http://schemas.microsoft.com/office/drawing/2014/main" id="{D116E352-D6C9-D24C-97D0-FA8C05DC6E41}"/>
+            <a:r>
+              <a:rPr lang="en-US" altLang="ko-KR" sz="1000"/>
+              <a:t>Flink JobManager</a:t>
+            </a:r>
+          </a:p>
+          <a:p>
+            <a:pPr algn="ctr"/>
+            <a:r>
+              <a:rPr lang="en-US" altLang="ko-KR" sz="1000"/>
+              <a:t>Ingress</a:t>
+            </a:r>
+            <a:endParaRPr lang="ko-KR" altLang="en-US" sz="1000"/>
+          </a:p>
+        </p:txBody>
+      </p:sp>
+      <p:sp>
+        <p:nvSpPr>
+          <p:cNvPr id="95" name="사각형: 둥근 모서리 6">
+            <a:extLst>
+              <a:ext uri="{FF2B5EF4-FFF2-40B4-BE49-F238E27FC236}">
+                <a16:creationId xmlns:a16="http://schemas.microsoft.com/office/drawing/2014/main" id="{E68558E9-C12C-2B40-9CAF-938AB62D3E83}"/>
               </a:ext>
             </a:extLst>
           </p:cNvPr>
@@ -4305,34 +4005,29 @@
           <p:nvPr/>
         </p:nvSpPr>
         <p:spPr>
-          <a:xfrm flipH="1" flipV="1">
-            <a:off x="6228184" y="4716806"/>
-            <a:ext cx="70935" cy="70935"/>
-          </a:xfrm>
-          <a:prstGeom prst="ellipse">
-            <a:avLst/>
-          </a:prstGeom>
-          <a:solidFill>
-            <a:schemeClr val="tx1"/>
-          </a:solidFill>
-          <a:ln>
-            <a:noFill/>
-          </a:ln>
+          <a:xfrm>
+            <a:off x="1957163" y="2124412"/>
+            <a:ext cx="1297692" cy="576064"/>
+          </a:xfrm>
+          <a:prstGeom prst="roundRect">
+            <a:avLst>
+              <a:gd name="adj" fmla="val 8348"/>
+            </a:avLst>
+          </a:prstGeom>
+          <a:ln w="12700"/>
         </p:spPr>
         <p:style>
           <a:lnRef idx="2">
-            <a:schemeClr val="accent1">
-              <a:shade val="50000"/>
-            </a:schemeClr>
+            <a:schemeClr val="dk1"/>
           </a:lnRef>
           <a:fillRef idx="1">
-            <a:schemeClr val="accent1"/>
-          </a:fillRef>
-          <a:effectRef idx="0">
-            <a:schemeClr val="accent1"/>
-          </a:effectRef>
-          <a:fontRef idx="minor">
             <a:schemeClr val="lt1"/>
+          </a:fillRef>
+          <a:effectRef idx="0">
+            <a:schemeClr val="dk1"/>
+          </a:effectRef>
+          <a:fontRef idx="minor">
+            <a:schemeClr val="dk1"/>
           </a:fontRef>
         </p:style>
         <p:txBody>
@@ -4340,16 +4035,27 @@
           <a:lstStyle/>
           <a:p>
             <a:pPr algn="ctr"/>
-            <a:endParaRPr lang="en-KR" sz="1400"/>
-          </a:p>
-        </p:txBody>
-      </p:sp>
-      <p:sp>
-        <p:nvSpPr>
-          <p:cNvPr id="66" name="Oval 65">
-            <a:extLst>
-              <a:ext uri="{FF2B5EF4-FFF2-40B4-BE49-F238E27FC236}">
-                <a16:creationId xmlns:a16="http://schemas.microsoft.com/office/drawing/2014/main" id="{D94CF14D-A9FA-4C4A-9BF6-951BDB7B99D0}"/>
+            <a:r>
+              <a:rPr lang="en-US" altLang="ko-KR" sz="1000"/>
+              <a:t>Ingress Nginx</a:t>
+            </a:r>
+          </a:p>
+          <a:p>
+            <a:pPr algn="ctr"/>
+            <a:r>
+              <a:rPr lang="en-US" altLang="ko-KR" sz="1000"/>
+              <a:t>Pod</a:t>
+            </a:r>
+            <a:endParaRPr lang="ko-KR" altLang="en-US" sz="1000"/>
+          </a:p>
+        </p:txBody>
+      </p:sp>
+      <p:sp>
+        <p:nvSpPr>
+          <p:cNvPr id="96" name="사각형: 둥근 모서리 6">
+            <a:extLst>
+              <a:ext uri="{FF2B5EF4-FFF2-40B4-BE49-F238E27FC236}">
+                <a16:creationId xmlns:a16="http://schemas.microsoft.com/office/drawing/2014/main" id="{9A86344E-A57E-CD4A-BF69-549F4299F250}"/>
               </a:ext>
             </a:extLst>
           </p:cNvPr>
@@ -4357,34 +4063,29 @@
           <p:nvPr/>
         </p:nvSpPr>
         <p:spPr>
-          <a:xfrm flipH="1" flipV="1">
-            <a:off x="6228184" y="4839281"/>
-            <a:ext cx="70935" cy="70935"/>
-          </a:xfrm>
-          <a:prstGeom prst="ellipse">
-            <a:avLst/>
-          </a:prstGeom>
-          <a:solidFill>
-            <a:schemeClr val="tx1"/>
-          </a:solidFill>
-          <a:ln>
-            <a:noFill/>
-          </a:ln>
+          <a:xfrm>
+            <a:off x="5429093" y="1817630"/>
+            <a:ext cx="1318924" cy="576064"/>
+          </a:xfrm>
+          <a:prstGeom prst="roundRect">
+            <a:avLst>
+              <a:gd name="adj" fmla="val 8348"/>
+            </a:avLst>
+          </a:prstGeom>
+          <a:ln w="12700"/>
         </p:spPr>
         <p:style>
           <a:lnRef idx="2">
-            <a:schemeClr val="accent1">
-              <a:shade val="50000"/>
-            </a:schemeClr>
+            <a:schemeClr val="dk1"/>
           </a:lnRef>
           <a:fillRef idx="1">
-            <a:schemeClr val="accent1"/>
-          </a:fillRef>
-          <a:effectRef idx="0">
-            <a:schemeClr val="accent1"/>
-          </a:effectRef>
-          <a:fontRef idx="minor">
             <a:schemeClr val="lt1"/>
+          </a:fillRef>
+          <a:effectRef idx="0">
+            <a:schemeClr val="dk1"/>
+          </a:effectRef>
+          <a:fontRef idx="minor">
+            <a:schemeClr val="dk1"/>
           </a:fontRef>
         </p:style>
         <p:txBody>
@@ -4392,32 +4093,41 @@
           <a:lstStyle/>
           <a:p>
             <a:pPr algn="ctr"/>
-            <a:endParaRPr lang="en-KR" sz="1400"/>
+            <a:r>
+              <a:rPr lang="en-US" altLang="ko-KR" sz="1000"/>
+              <a:t>Checkpoints</a:t>
+            </a:r>
+          </a:p>
+          <a:p>
+            <a:pPr algn="ctr"/>
+            <a:r>
+              <a:rPr lang="en-US" altLang="ko-KR" sz="1000"/>
+              <a:t>(Amazon S3)</a:t>
+            </a:r>
           </a:p>
         </p:txBody>
       </p:sp>
       <p:cxnSp>
         <p:nvCxnSpPr>
-          <p:cNvPr id="69" name="Straight Arrow Connector 68">
-            <a:extLst>
-              <a:ext uri="{FF2B5EF4-FFF2-40B4-BE49-F238E27FC236}">
-                <a16:creationId xmlns:a16="http://schemas.microsoft.com/office/drawing/2014/main" id="{15DEFDE2-FF77-764F-8319-D224B0AB9112}"/>
+          <p:cNvPr id="90" name="Elbow Connector 89">
+            <a:extLst>
+              <a:ext uri="{FF2B5EF4-FFF2-40B4-BE49-F238E27FC236}">
+                <a16:creationId xmlns:a16="http://schemas.microsoft.com/office/drawing/2014/main" id="{2421C055-C3D6-E847-986D-0A025ED8FD86}"/>
               </a:ext>
             </a:extLst>
           </p:cNvPr>
           <p:cNvCxnSpPr>
-            <a:cxnSpLocks/>
-            <a:stCxn id="38" idx="3"/>
-            <a:endCxn id="51" idx="1"/>
+            <a:stCxn id="43" idx="3"/>
+            <a:endCxn id="48" idx="1"/>
           </p:cNvCxnSpPr>
           <p:nvPr/>
         </p:nvCxnSpPr>
         <p:spPr>
-          <a:xfrm>
-            <a:off x="3384642" y="1640935"/>
-            <a:ext cx="467278" cy="0"/>
-          </a:xfrm>
-          <a:prstGeom prst="straightConnector1">
+          <a:xfrm flipV="1">
+            <a:off x="5127837" y="2895919"/>
+            <a:ext cx="322488" cy="1148839"/>
+          </a:xfrm>
+          <a:prstGeom prst="bentConnector3">
             <a:avLst/>
           </a:prstGeom>
           <a:ln w="12700">
@@ -4444,27 +4154,29 @@
       </p:cxnSp>
       <p:cxnSp>
         <p:nvCxnSpPr>
-          <p:cNvPr id="74" name="Straight Arrow Connector 73">
-            <a:extLst>
-              <a:ext uri="{FF2B5EF4-FFF2-40B4-BE49-F238E27FC236}">
-                <a16:creationId xmlns:a16="http://schemas.microsoft.com/office/drawing/2014/main" id="{877D60E3-127F-6349-8B6F-31452E465CA8}"/>
+          <p:cNvPr id="101" name="Elbow Connector 100">
+            <a:extLst>
+              <a:ext uri="{FF2B5EF4-FFF2-40B4-BE49-F238E27FC236}">
+                <a16:creationId xmlns:a16="http://schemas.microsoft.com/office/drawing/2014/main" id="{3AA120AA-F055-9042-95D2-E23FDD3428E5}"/>
               </a:ext>
             </a:extLst>
           </p:cNvPr>
           <p:cNvCxnSpPr>
             <a:cxnSpLocks/>
-            <a:stCxn id="39" idx="3"/>
-            <a:endCxn id="58" idx="1"/>
+            <a:stCxn id="43" idx="3"/>
+            <a:endCxn id="47" idx="1"/>
           </p:cNvCxnSpPr>
           <p:nvPr/>
         </p:nvCxnSpPr>
         <p:spPr>
-          <a:xfrm>
-            <a:off x="3384642" y="4013488"/>
-            <a:ext cx="467278" cy="0"/>
-          </a:xfrm>
-          <a:prstGeom prst="straightConnector1">
-            <a:avLst/>
+          <a:xfrm flipV="1">
+            <a:off x="5127837" y="3684585"/>
+            <a:ext cx="322488" cy="360173"/>
+          </a:xfrm>
+          <a:prstGeom prst="bentConnector3">
+            <a:avLst>
+              <a:gd name="adj1" fmla="val 50000"/>
+            </a:avLst>
           </a:prstGeom>
           <a:ln w="12700">
             <a:solidFill>
@@ -4488,426 +4200,6 @@
           </a:fontRef>
         </p:style>
       </p:cxnSp>
-      <p:sp>
-        <p:nvSpPr>
-          <p:cNvPr id="81" name="사각형: 둥근 모서리 6">
-            <a:extLst>
-              <a:ext uri="{FF2B5EF4-FFF2-40B4-BE49-F238E27FC236}">
-                <a16:creationId xmlns:a16="http://schemas.microsoft.com/office/drawing/2014/main" id="{6A3043C8-96F2-B149-BDD9-70FCEBDDC97D}"/>
-              </a:ext>
-            </a:extLst>
-          </p:cNvPr>
-          <p:cNvSpPr/>
-          <p:nvPr/>
-        </p:nvSpPr>
-        <p:spPr>
-          <a:xfrm>
-            <a:off x="3959932" y="1064871"/>
-            <a:ext cx="1297692" cy="576064"/>
-          </a:xfrm>
-          <a:prstGeom prst="roundRect">
-            <a:avLst>
-              <a:gd name="adj" fmla="val 8348"/>
-            </a:avLst>
-          </a:prstGeom>
-          <a:ln w="12700"/>
-        </p:spPr>
-        <p:style>
-          <a:lnRef idx="2">
-            <a:schemeClr val="dk1"/>
-          </a:lnRef>
-          <a:fillRef idx="1">
-            <a:schemeClr val="lt1"/>
-          </a:fillRef>
-          <a:effectRef idx="0">
-            <a:schemeClr val="dk1"/>
-          </a:effectRef>
-          <a:fontRef idx="minor">
-            <a:schemeClr val="dk1"/>
-          </a:fontRef>
-        </p:style>
-        <p:txBody>
-          <a:bodyPr rtlCol="0" anchor="ctr"/>
-          <a:lstStyle/>
-          <a:p>
-            <a:pPr algn="ctr"/>
-            <a:r>
-              <a:rPr lang="en-US" altLang="ko-KR" sz="1000"/>
-              <a:t>JobManager</a:t>
-            </a:r>
-          </a:p>
-          <a:p>
-            <a:pPr algn="ctr"/>
-            <a:r>
-              <a:rPr lang="en-US" altLang="ko-KR" sz="1000"/>
-              <a:t>Ingress</a:t>
-            </a:r>
-            <a:endParaRPr lang="ko-KR" altLang="en-US" sz="1000"/>
-          </a:p>
-        </p:txBody>
-      </p:sp>
-      <p:sp>
-        <p:nvSpPr>
-          <p:cNvPr id="94" name="사각형: 둥근 모서리 6">
-            <a:extLst>
-              <a:ext uri="{FF2B5EF4-FFF2-40B4-BE49-F238E27FC236}">
-                <a16:creationId xmlns:a16="http://schemas.microsoft.com/office/drawing/2014/main" id="{F43D5C21-0BFD-7247-B7A6-0EDC3EBD1385}"/>
-              </a:ext>
-            </a:extLst>
-          </p:cNvPr>
-          <p:cNvSpPr/>
-          <p:nvPr/>
-        </p:nvSpPr>
-        <p:spPr>
-          <a:xfrm>
-            <a:off x="3959932" y="3439135"/>
-            <a:ext cx="1297692" cy="576064"/>
-          </a:xfrm>
-          <a:prstGeom prst="roundRect">
-            <a:avLst>
-              <a:gd name="adj" fmla="val 8348"/>
-            </a:avLst>
-          </a:prstGeom>
-          <a:ln w="12700"/>
-        </p:spPr>
-        <p:style>
-          <a:lnRef idx="2">
-            <a:schemeClr val="dk1"/>
-          </a:lnRef>
-          <a:fillRef idx="1">
-            <a:schemeClr val="lt1"/>
-          </a:fillRef>
-          <a:effectRef idx="0">
-            <a:schemeClr val="dk1"/>
-          </a:effectRef>
-          <a:fontRef idx="minor">
-            <a:schemeClr val="dk1"/>
-          </a:fontRef>
-        </p:style>
-        <p:txBody>
-          <a:bodyPr rtlCol="0" anchor="ctr"/>
-          <a:lstStyle/>
-          <a:p>
-            <a:pPr algn="ctr"/>
-            <a:r>
-              <a:rPr lang="en-US" altLang="ko-KR" sz="1000"/>
-              <a:t>JobManager</a:t>
-            </a:r>
-          </a:p>
-          <a:p>
-            <a:pPr algn="ctr"/>
-            <a:r>
-              <a:rPr lang="en-US" altLang="ko-KR" sz="1000"/>
-              <a:t>Ingress</a:t>
-            </a:r>
-            <a:endParaRPr lang="ko-KR" altLang="en-US" sz="1000"/>
-          </a:p>
-        </p:txBody>
-      </p:sp>
-      <p:sp>
-        <p:nvSpPr>
-          <p:cNvPr id="95" name="사각형: 둥근 모서리 6">
-            <a:extLst>
-              <a:ext uri="{FF2B5EF4-FFF2-40B4-BE49-F238E27FC236}">
-                <a16:creationId xmlns:a16="http://schemas.microsoft.com/office/drawing/2014/main" id="{E68558E9-C12C-2B40-9CAF-938AB62D3E83}"/>
-              </a:ext>
-            </a:extLst>
-          </p:cNvPr>
-          <p:cNvSpPr/>
-          <p:nvPr/>
-        </p:nvSpPr>
-        <p:spPr>
-          <a:xfrm>
-            <a:off x="2086950" y="295075"/>
-            <a:ext cx="1297692" cy="576064"/>
-          </a:xfrm>
-          <a:prstGeom prst="roundRect">
-            <a:avLst>
-              <a:gd name="adj" fmla="val 8348"/>
-            </a:avLst>
-          </a:prstGeom>
-          <a:ln w="12700"/>
-        </p:spPr>
-        <p:style>
-          <a:lnRef idx="2">
-            <a:schemeClr val="dk1"/>
-          </a:lnRef>
-          <a:fillRef idx="1">
-            <a:schemeClr val="lt1"/>
-          </a:fillRef>
-          <a:effectRef idx="0">
-            <a:schemeClr val="dk1"/>
-          </a:effectRef>
-          <a:fontRef idx="minor">
-            <a:schemeClr val="dk1"/>
-          </a:fontRef>
-        </p:style>
-        <p:txBody>
-          <a:bodyPr rtlCol="0" anchor="ctr"/>
-          <a:lstStyle/>
-          <a:p>
-            <a:pPr algn="ctr"/>
-            <a:r>
-              <a:rPr lang="en-US" altLang="ko-KR" sz="1000"/>
-              <a:t>Ingress Nginx</a:t>
-            </a:r>
-          </a:p>
-          <a:p>
-            <a:pPr algn="ctr"/>
-            <a:r>
-              <a:rPr lang="en-US" altLang="ko-KR" sz="1000"/>
-              <a:t>Pod</a:t>
-            </a:r>
-            <a:endParaRPr lang="ko-KR" altLang="en-US" sz="1000"/>
-          </a:p>
-        </p:txBody>
-      </p:sp>
-      <p:sp>
-        <p:nvSpPr>
-          <p:cNvPr id="96" name="사각형: 둥근 모서리 6">
-            <a:extLst>
-              <a:ext uri="{FF2B5EF4-FFF2-40B4-BE49-F238E27FC236}">
-                <a16:creationId xmlns:a16="http://schemas.microsoft.com/office/drawing/2014/main" id="{9A86344E-A57E-CD4A-BF69-549F4299F250}"/>
-              </a:ext>
-            </a:extLst>
-          </p:cNvPr>
-          <p:cNvSpPr/>
-          <p:nvPr/>
-        </p:nvSpPr>
-        <p:spPr>
-          <a:xfrm>
-            <a:off x="7390160" y="670538"/>
-            <a:ext cx="1430312" cy="576064"/>
-          </a:xfrm>
-          <a:prstGeom prst="roundRect">
-            <a:avLst>
-              <a:gd name="adj" fmla="val 8348"/>
-            </a:avLst>
-          </a:prstGeom>
-          <a:ln w="12700"/>
-        </p:spPr>
-        <p:style>
-          <a:lnRef idx="2">
-            <a:schemeClr val="dk1"/>
-          </a:lnRef>
-          <a:fillRef idx="1">
-            <a:schemeClr val="lt1"/>
-          </a:fillRef>
-          <a:effectRef idx="0">
-            <a:schemeClr val="dk1"/>
-          </a:effectRef>
-          <a:fontRef idx="minor">
-            <a:schemeClr val="dk1"/>
-          </a:fontRef>
-        </p:style>
-        <p:txBody>
-          <a:bodyPr rtlCol="0" anchor="ctr"/>
-          <a:lstStyle/>
-          <a:p>
-            <a:pPr algn="ctr"/>
-            <a:r>
-              <a:rPr lang="en-US" altLang="ko-KR" sz="1000"/>
-              <a:t>Checkpoints</a:t>
-            </a:r>
-          </a:p>
-          <a:p>
-            <a:pPr algn="ctr"/>
-            <a:r>
-              <a:rPr lang="en-US" altLang="ko-KR" sz="1000"/>
-              <a:t>(Amazon S3)</a:t>
-            </a:r>
-          </a:p>
-        </p:txBody>
-      </p:sp>
-      <p:cxnSp>
-        <p:nvCxnSpPr>
-          <p:cNvPr id="90" name="Elbow Connector 89">
-            <a:extLst>
-              <a:ext uri="{FF2B5EF4-FFF2-40B4-BE49-F238E27FC236}">
-                <a16:creationId xmlns:a16="http://schemas.microsoft.com/office/drawing/2014/main" id="{2421C055-C3D6-E847-986D-0A025ED8FD86}"/>
-              </a:ext>
-            </a:extLst>
-          </p:cNvPr>
-          <p:cNvCxnSpPr>
-            <a:stCxn id="43" idx="3"/>
-            <a:endCxn id="48" idx="1"/>
-          </p:cNvCxnSpPr>
-          <p:nvPr/>
-        </p:nvCxnSpPr>
-        <p:spPr>
-          <a:xfrm flipV="1">
-            <a:off x="5257624" y="1066582"/>
-            <a:ext cx="322488" cy="1148839"/>
-          </a:xfrm>
-          <a:prstGeom prst="bentConnector3">
-            <a:avLst/>
-          </a:prstGeom>
-          <a:ln w="12700">
-            <a:solidFill>
-              <a:schemeClr val="tx2"/>
-            </a:solidFill>
-            <a:tailEnd type="triangle"/>
-          </a:ln>
-        </p:spPr>
-        <p:style>
-          <a:lnRef idx="1">
-            <a:schemeClr val="accent1"/>
-          </a:lnRef>
-          <a:fillRef idx="0">
-            <a:schemeClr val="accent1"/>
-          </a:fillRef>
-          <a:effectRef idx="0">
-            <a:schemeClr val="accent1"/>
-          </a:effectRef>
-          <a:fontRef idx="minor">
-            <a:schemeClr val="tx1"/>
-          </a:fontRef>
-        </p:style>
-      </p:cxnSp>
-      <p:cxnSp>
-        <p:nvCxnSpPr>
-          <p:cNvPr id="101" name="Elbow Connector 100">
-            <a:extLst>
-              <a:ext uri="{FF2B5EF4-FFF2-40B4-BE49-F238E27FC236}">
-                <a16:creationId xmlns:a16="http://schemas.microsoft.com/office/drawing/2014/main" id="{3AA120AA-F055-9042-95D2-E23FDD3428E5}"/>
-              </a:ext>
-            </a:extLst>
-          </p:cNvPr>
-          <p:cNvCxnSpPr>
-            <a:cxnSpLocks/>
-            <a:stCxn id="43" idx="3"/>
-            <a:endCxn id="47" idx="1"/>
-          </p:cNvCxnSpPr>
-          <p:nvPr/>
-        </p:nvCxnSpPr>
-        <p:spPr>
-          <a:xfrm flipV="1">
-            <a:off x="5257624" y="1855248"/>
-            <a:ext cx="322488" cy="360173"/>
-          </a:xfrm>
-          <a:prstGeom prst="bentConnector3">
-            <a:avLst>
-              <a:gd name="adj1" fmla="val 50000"/>
-            </a:avLst>
-          </a:prstGeom>
-          <a:ln w="12700">
-            <a:solidFill>
-              <a:schemeClr val="tx2"/>
-            </a:solidFill>
-            <a:tailEnd type="triangle"/>
-          </a:ln>
-        </p:spPr>
-        <p:style>
-          <a:lnRef idx="1">
-            <a:schemeClr val="accent1"/>
-          </a:lnRef>
-          <a:fillRef idx="0">
-            <a:schemeClr val="accent1"/>
-          </a:fillRef>
-          <a:effectRef idx="0">
-            <a:schemeClr val="accent1"/>
-          </a:effectRef>
-          <a:fontRef idx="minor">
-            <a:schemeClr val="tx1"/>
-          </a:fontRef>
-        </p:style>
-      </p:cxnSp>
-      <p:cxnSp>
-        <p:nvCxnSpPr>
-          <p:cNvPr id="112" name="Elbow Connector 111">
-            <a:extLst>
-              <a:ext uri="{FF2B5EF4-FFF2-40B4-BE49-F238E27FC236}">
-                <a16:creationId xmlns:a16="http://schemas.microsoft.com/office/drawing/2014/main" id="{4C537515-3F15-BD45-A433-8029E40357A6}"/>
-              </a:ext>
-            </a:extLst>
-          </p:cNvPr>
-          <p:cNvCxnSpPr>
-            <a:cxnSpLocks/>
-            <a:stCxn id="52" idx="3"/>
-            <a:endCxn id="55" idx="1"/>
-          </p:cNvCxnSpPr>
-          <p:nvPr/>
-        </p:nvCxnSpPr>
-        <p:spPr>
-          <a:xfrm flipV="1">
-            <a:off x="5257624" y="3439135"/>
-            <a:ext cx="322488" cy="1148839"/>
-          </a:xfrm>
-          <a:prstGeom prst="bentConnector3">
-            <a:avLst>
-              <a:gd name="adj1" fmla="val 50000"/>
-            </a:avLst>
-          </a:prstGeom>
-          <a:ln w="12700">
-            <a:solidFill>
-              <a:schemeClr val="tx2"/>
-            </a:solidFill>
-            <a:tailEnd type="triangle"/>
-          </a:ln>
-        </p:spPr>
-        <p:style>
-          <a:lnRef idx="1">
-            <a:schemeClr val="accent1"/>
-          </a:lnRef>
-          <a:fillRef idx="0">
-            <a:schemeClr val="accent1"/>
-          </a:fillRef>
-          <a:effectRef idx="0">
-            <a:schemeClr val="accent1"/>
-          </a:effectRef>
-          <a:fontRef idx="minor">
-            <a:schemeClr val="tx1"/>
-          </a:fontRef>
-        </p:style>
-      </p:cxnSp>
-      <p:cxnSp>
-        <p:nvCxnSpPr>
-          <p:cNvPr id="116" name="Elbow Connector 115">
-            <a:extLst>
-              <a:ext uri="{FF2B5EF4-FFF2-40B4-BE49-F238E27FC236}">
-                <a16:creationId xmlns:a16="http://schemas.microsoft.com/office/drawing/2014/main" id="{261624F5-707C-3643-84FD-3E86D0BD7B77}"/>
-              </a:ext>
-            </a:extLst>
-          </p:cNvPr>
-          <p:cNvCxnSpPr>
-            <a:cxnSpLocks/>
-            <a:stCxn id="52" idx="3"/>
-            <a:endCxn id="54" idx="1"/>
-          </p:cNvCxnSpPr>
-          <p:nvPr/>
-        </p:nvCxnSpPr>
-        <p:spPr>
-          <a:xfrm flipV="1">
-            <a:off x="5257624" y="4227801"/>
-            <a:ext cx="322488" cy="360173"/>
-          </a:xfrm>
-          <a:prstGeom prst="bentConnector3">
-            <a:avLst>
-              <a:gd name="adj1" fmla="val 50000"/>
-            </a:avLst>
-          </a:prstGeom>
-          <a:ln w="12700">
-            <a:solidFill>
-              <a:schemeClr val="tx2"/>
-            </a:solidFill>
-            <a:tailEnd type="triangle"/>
-          </a:ln>
-        </p:spPr>
-        <p:style>
-          <a:lnRef idx="1">
-            <a:schemeClr val="accent1"/>
-          </a:lnRef>
-          <a:fillRef idx="0">
-            <a:schemeClr val="accent1"/>
-          </a:fillRef>
-          <a:effectRef idx="0">
-            <a:schemeClr val="accent1"/>
-          </a:effectRef>
-          <a:fontRef idx="minor">
-            <a:schemeClr val="tx1"/>
-          </a:fontRef>
-        </p:style>
-      </p:cxnSp>
       <p:cxnSp>
         <p:nvCxnSpPr>
           <p:cNvPr id="119" name="Elbow Connector 118">
@@ -4926,7 +4218,7 @@
         </p:nvCxnSpPr>
         <p:spPr>
           <a:xfrm>
-            <a:off x="3384642" y="583107"/>
+            <a:off x="3254855" y="2412444"/>
             <a:ext cx="575290" cy="769796"/>
           </a:xfrm>
           <a:prstGeom prst="bentConnector3">
@@ -4957,55 +4249,6 @@
           </a:fontRef>
         </p:style>
       </p:cxnSp>
-      <p:cxnSp>
-        <p:nvCxnSpPr>
-          <p:cNvPr id="122" name="Elbow Connector 121">
-            <a:extLst>
-              <a:ext uri="{FF2B5EF4-FFF2-40B4-BE49-F238E27FC236}">
-                <a16:creationId xmlns:a16="http://schemas.microsoft.com/office/drawing/2014/main" id="{D72D80CD-23B8-214D-8063-FC202447577A}"/>
-              </a:ext>
-            </a:extLst>
-          </p:cNvPr>
-          <p:cNvCxnSpPr>
-            <a:cxnSpLocks/>
-            <a:stCxn id="95" idx="3"/>
-            <a:endCxn id="94" idx="1"/>
-          </p:cNvCxnSpPr>
-          <p:nvPr/>
-        </p:nvCxnSpPr>
-        <p:spPr>
-          <a:xfrm>
-            <a:off x="3384642" y="583107"/>
-            <a:ext cx="575290" cy="3144060"/>
-          </a:xfrm>
-          <a:prstGeom prst="bentConnector3">
-            <a:avLst>
-              <a:gd name="adj1" fmla="val 50000"/>
-            </a:avLst>
-          </a:prstGeom>
-          <a:ln w="12700">
-            <a:solidFill>
-              <a:schemeClr val="accent3"/>
-            </a:solidFill>
-            <a:prstDash val="solid"/>
-            <a:tailEnd type="triangle"/>
-          </a:ln>
-        </p:spPr>
-        <p:style>
-          <a:lnRef idx="1">
-            <a:schemeClr val="accent1"/>
-          </a:lnRef>
-          <a:fillRef idx="0">
-            <a:schemeClr val="accent1"/>
-          </a:fillRef>
-          <a:effectRef idx="0">
-            <a:schemeClr val="accent1"/>
-          </a:effectRef>
-          <a:fontRef idx="minor">
-            <a:schemeClr val="tx1"/>
-          </a:fontRef>
-        </p:style>
-      </p:cxnSp>
       <p:sp>
         <p:nvSpPr>
           <p:cNvPr id="125" name="사각형: 둥근 모서리 6">
@@ -5020,8 +4263,8 @@
         </p:nvSpPr>
         <p:spPr>
           <a:xfrm>
-            <a:off x="7390160" y="1353560"/>
-            <a:ext cx="1430312" cy="574486"/>
+            <a:off x="7260373" y="3182897"/>
+            <a:ext cx="1368152" cy="574486"/>
           </a:xfrm>
           <a:prstGeom prst="roundRect">
             <a:avLst>
@@ -5082,7 +4325,7 @@
         </p:nvCxnSpPr>
         <p:spPr>
           <a:xfrm rot="10800000" flipV="1">
-            <a:off x="6989192" y="1640803"/>
+            <a:off x="6859405" y="3470140"/>
             <a:ext cx="400968" cy="132"/>
           </a:xfrm>
           <a:prstGeom prst="bentConnector3">
@@ -5124,19 +4367,17 @@
           <p:cNvCxnSpPr>
             <a:cxnSpLocks/>
             <a:stCxn id="51" idx="0"/>
-            <a:endCxn id="96" idx="0"/>
+            <a:endCxn id="96" idx="1"/>
           </p:cNvCxnSpPr>
           <p:nvPr/>
         </p:nvCxnSpPr>
         <p:spPr>
-          <a:xfrm rot="16200000" flipH="1">
-            <a:off x="6762080" y="-672698"/>
-            <a:ext cx="1711" cy="2684760"/>
-          </a:xfrm>
-          <a:prstGeom prst="bentConnector3">
-            <a:avLst>
-              <a:gd name="adj1" fmla="val -13360608"/>
-            </a:avLst>
+          <a:xfrm rot="5400000" flipH="1" flipV="1">
+            <a:off x="5163680" y="2232751"/>
+            <a:ext cx="392502" cy="138324"/>
+          </a:xfrm>
+          <a:prstGeom prst="bentConnector2">
+            <a:avLst/>
           </a:prstGeom>
           <a:ln w="12700">
             <a:solidFill>
@@ -5163,10 +4404,10 @@
       </p:cxnSp>
       <p:sp>
         <p:nvSpPr>
-          <p:cNvPr id="140" name="사각형: 둥근 모서리 6">
-            <a:extLst>
-              <a:ext uri="{FF2B5EF4-FFF2-40B4-BE49-F238E27FC236}">
-                <a16:creationId xmlns:a16="http://schemas.microsoft.com/office/drawing/2014/main" id="{D63A3AD2-5DC3-024A-BE12-00EA5A73BF54}"/>
+          <p:cNvPr id="151" name="사각형: 둥근 모서리 6">
+            <a:extLst>
+              <a:ext uri="{FF2B5EF4-FFF2-40B4-BE49-F238E27FC236}">
+                <a16:creationId xmlns:a16="http://schemas.microsoft.com/office/drawing/2014/main" id="{C6467003-4EDA-A04D-A9C8-E773E381C101}"/>
               </a:ext>
             </a:extLst>
           </p:cNvPr>
@@ -5175,114 +4416,8 @@
         </p:nvSpPr>
         <p:spPr>
           <a:xfrm>
-            <a:off x="7390160" y="3038025"/>
-            <a:ext cx="1430312" cy="576064"/>
-          </a:xfrm>
-          <a:prstGeom prst="roundRect">
-            <a:avLst>
-              <a:gd name="adj" fmla="val 8348"/>
-            </a:avLst>
-          </a:prstGeom>
-          <a:ln w="12700"/>
-        </p:spPr>
-        <p:style>
-          <a:lnRef idx="2">
-            <a:schemeClr val="dk1"/>
-          </a:lnRef>
-          <a:fillRef idx="1">
-            <a:schemeClr val="lt1"/>
-          </a:fillRef>
-          <a:effectRef idx="0">
-            <a:schemeClr val="dk1"/>
-          </a:effectRef>
-          <a:fontRef idx="minor">
-            <a:schemeClr val="dk1"/>
-          </a:fontRef>
-        </p:style>
-        <p:txBody>
-          <a:bodyPr rtlCol="0" anchor="ctr"/>
-          <a:lstStyle/>
-          <a:p>
-            <a:pPr algn="ctr"/>
-            <a:r>
-              <a:rPr lang="en-US" altLang="ko-KR" sz="1000"/>
-              <a:t>Checkpoints</a:t>
-            </a:r>
-          </a:p>
-          <a:p>
-            <a:pPr algn="ctr"/>
-            <a:r>
-              <a:rPr lang="en-US" altLang="ko-KR" sz="1000"/>
-              <a:t>(Amazon S3)</a:t>
-            </a:r>
-          </a:p>
-        </p:txBody>
-      </p:sp>
-      <p:cxnSp>
-        <p:nvCxnSpPr>
-          <p:cNvPr id="142" name="Elbow Connector 141">
-            <a:extLst>
-              <a:ext uri="{FF2B5EF4-FFF2-40B4-BE49-F238E27FC236}">
-                <a16:creationId xmlns:a16="http://schemas.microsoft.com/office/drawing/2014/main" id="{739713E0-1624-4740-93AF-2D610D28C193}"/>
-              </a:ext>
-            </a:extLst>
-          </p:cNvPr>
-          <p:cNvCxnSpPr>
-            <a:cxnSpLocks/>
-            <a:stCxn id="58" idx="0"/>
-            <a:endCxn id="140" idx="0"/>
-          </p:cNvCxnSpPr>
-          <p:nvPr/>
-        </p:nvCxnSpPr>
-        <p:spPr>
-          <a:xfrm rot="5400000" flipH="1" flipV="1">
-            <a:off x="6761259" y="1697323"/>
-            <a:ext cx="3355" cy="2684760"/>
-          </a:xfrm>
-          <a:prstGeom prst="bentConnector3">
-            <a:avLst>
-              <a:gd name="adj1" fmla="val 6913711"/>
-            </a:avLst>
-          </a:prstGeom>
-          <a:ln w="12700">
-            <a:solidFill>
-              <a:srgbClr val="C00000"/>
-            </a:solidFill>
-            <a:prstDash val="solid"/>
-            <a:tailEnd type="triangle"/>
-          </a:ln>
-        </p:spPr>
-        <p:style>
-          <a:lnRef idx="1">
-            <a:schemeClr val="accent1"/>
-          </a:lnRef>
-          <a:fillRef idx="0">
-            <a:schemeClr val="accent1"/>
-          </a:fillRef>
-          <a:effectRef idx="0">
-            <a:schemeClr val="accent1"/>
-          </a:effectRef>
-          <a:fontRef idx="minor">
-            <a:schemeClr val="tx1"/>
-          </a:fontRef>
-        </p:style>
-      </p:cxnSp>
-      <p:sp>
-        <p:nvSpPr>
-          <p:cNvPr id="151" name="사각형: 둥근 모서리 6">
-            <a:extLst>
-              <a:ext uri="{FF2B5EF4-FFF2-40B4-BE49-F238E27FC236}">
-                <a16:creationId xmlns:a16="http://schemas.microsoft.com/office/drawing/2014/main" id="{C6467003-4EDA-A04D-A9C8-E773E381C101}"/>
-              </a:ext>
-            </a:extLst>
-          </p:cNvPr>
-          <p:cNvSpPr/>
-          <p:nvPr/>
-        </p:nvSpPr>
-        <p:spPr>
-          <a:xfrm>
-            <a:off x="7390160" y="2038557"/>
-            <a:ext cx="1430312" cy="574486"/>
+            <a:off x="7260373" y="3867894"/>
+            <a:ext cx="1368152" cy="574486"/>
           </a:xfrm>
           <a:prstGeom prst="roundRect">
             <a:avLst>
@@ -5343,7 +4478,7 @@
         </p:nvCxnSpPr>
         <p:spPr>
           <a:xfrm>
-            <a:off x="4608778" y="1640935"/>
+            <a:off x="4478991" y="3470272"/>
             <a:ext cx="0" cy="286454"/>
           </a:xfrm>
           <a:prstGeom prst="straightConnector1">
@@ -5373,24 +4508,115 @@
       </p:cxnSp>
       <p:cxnSp>
         <p:nvCxnSpPr>
-          <p:cNvPr id="166" name="Straight Arrow Connector 165">
-            <a:extLst>
-              <a:ext uri="{FF2B5EF4-FFF2-40B4-BE49-F238E27FC236}">
-                <a16:creationId xmlns:a16="http://schemas.microsoft.com/office/drawing/2014/main" id="{5F6FD7F3-A557-2B46-AF95-AAC0A05F7A16}"/>
+          <p:cNvPr id="209" name="Straight Arrow Connector 208">
+            <a:extLst>
+              <a:ext uri="{FF2B5EF4-FFF2-40B4-BE49-F238E27FC236}">
+                <a16:creationId xmlns:a16="http://schemas.microsoft.com/office/drawing/2014/main" id="{29059D06-115C-F943-A004-8B1E0AB2995E}"/>
               </a:ext>
             </a:extLst>
           </p:cNvPr>
           <p:cNvCxnSpPr>
             <a:cxnSpLocks/>
-            <a:stCxn id="94" idx="2"/>
-            <a:endCxn id="52" idx="0"/>
+            <a:endCxn id="151" idx="1"/>
           </p:cNvCxnSpPr>
           <p:nvPr/>
         </p:nvCxnSpPr>
         <p:spPr>
           <a:xfrm>
-            <a:off x="4608778" y="4015199"/>
-            <a:ext cx="0" cy="284743"/>
+            <a:off x="6859405" y="4155137"/>
+            <a:ext cx="400968" cy="0"/>
+          </a:xfrm>
+          <a:prstGeom prst="straightConnector1">
+            <a:avLst/>
+          </a:prstGeom>
+          <a:ln w="12700">
+            <a:solidFill>
+              <a:schemeClr val="accent6"/>
+            </a:solidFill>
+            <a:tailEnd type="triangle"/>
+          </a:ln>
+        </p:spPr>
+        <p:style>
+          <a:lnRef idx="1">
+            <a:schemeClr val="accent1"/>
+          </a:lnRef>
+          <a:fillRef idx="0">
+            <a:schemeClr val="accent1"/>
+          </a:fillRef>
+          <a:effectRef idx="0">
+            <a:schemeClr val="accent1"/>
+          </a:effectRef>
+          <a:fontRef idx="minor">
+            <a:schemeClr val="tx1"/>
+          </a:fontRef>
+        </p:style>
+      </p:cxnSp>
+      <p:cxnSp>
+        <p:nvCxnSpPr>
+          <p:cNvPr id="216" name="Elbow Connector 215">
+            <a:extLst>
+              <a:ext uri="{FF2B5EF4-FFF2-40B4-BE49-F238E27FC236}">
+                <a16:creationId xmlns:a16="http://schemas.microsoft.com/office/drawing/2014/main" id="{24449FCE-8D7E-8643-8903-1A587E3C12C5}"/>
+              </a:ext>
+            </a:extLst>
+          </p:cNvPr>
+          <p:cNvCxnSpPr>
+            <a:cxnSpLocks/>
+            <a:stCxn id="228" idx="2"/>
+            <a:endCxn id="78" idx="1"/>
+          </p:cNvCxnSpPr>
+          <p:nvPr/>
+        </p:nvCxnSpPr>
+        <p:spPr>
+          <a:xfrm rot="16200000" flipH="1">
+            <a:off x="997488" y="2813780"/>
+            <a:ext cx="732974" cy="976054"/>
+          </a:xfrm>
+          <a:prstGeom prst="bentConnector2">
+            <a:avLst/>
+          </a:prstGeom>
+          <a:ln w="12700">
+            <a:solidFill>
+              <a:schemeClr val="tx1"/>
+            </a:solidFill>
+            <a:tailEnd type="triangle"/>
+          </a:ln>
+        </p:spPr>
+        <p:style>
+          <a:lnRef idx="1">
+            <a:schemeClr val="accent1"/>
+          </a:lnRef>
+          <a:fillRef idx="0">
+            <a:schemeClr val="accent1"/>
+          </a:fillRef>
+          <a:effectRef idx="0">
+            <a:schemeClr val="accent1"/>
+          </a:effectRef>
+          <a:fontRef idx="minor">
+            <a:schemeClr val="tx1"/>
+          </a:fontRef>
+        </p:style>
+      </p:cxnSp>
+      <p:cxnSp>
+        <p:nvCxnSpPr>
+          <p:cNvPr id="225" name="Straight Arrow Connector 224">
+            <a:extLst>
+              <a:ext uri="{FF2B5EF4-FFF2-40B4-BE49-F238E27FC236}">
+                <a16:creationId xmlns:a16="http://schemas.microsoft.com/office/drawing/2014/main" id="{53CAE1E9-FF65-084A-9018-F6C917F150CD}"/>
+              </a:ext>
+            </a:extLst>
+          </p:cNvPr>
+          <p:cNvCxnSpPr>
+            <a:cxnSpLocks/>
+            <a:stCxn id="229" idx="3"/>
+            <a:endCxn id="95" idx="1"/>
+          </p:cNvCxnSpPr>
+          <p:nvPr/>
+        </p:nvCxnSpPr>
+        <p:spPr>
+          <a:xfrm>
+            <a:off x="1044555" y="2411453"/>
+            <a:ext cx="912608" cy="991"/>
           </a:xfrm>
           <a:prstGeom prst="straightConnector1">
             <a:avLst/>
@@ -5419,10 +4645,10 @@
       </p:cxnSp>
       <p:sp>
         <p:nvSpPr>
-          <p:cNvPr id="200" name="사각형: 둥근 모서리 6">
-            <a:extLst>
-              <a:ext uri="{FF2B5EF4-FFF2-40B4-BE49-F238E27FC236}">
-                <a16:creationId xmlns:a16="http://schemas.microsoft.com/office/drawing/2014/main" id="{7DC45A33-D044-384B-BF0B-866BCE12AF72}"/>
+          <p:cNvPr id="228" name="사각형: 둥근 모서리 38">
+            <a:extLst>
+              <a:ext uri="{FF2B5EF4-FFF2-40B4-BE49-F238E27FC236}">
+                <a16:creationId xmlns:a16="http://schemas.microsoft.com/office/drawing/2014/main" id="{40CE3D00-3737-614D-B49B-C332B65B20CF}"/>
               </a:ext>
             </a:extLst>
           </p:cNvPr>
@@ -5431,396 +4657,7 @@
         </p:nvSpPr>
         <p:spPr>
           <a:xfrm>
-            <a:off x="7390160" y="3726245"/>
-            <a:ext cx="1430312" cy="574486"/>
-          </a:xfrm>
-          <a:prstGeom prst="roundRect">
-            <a:avLst>
-              <a:gd name="adj" fmla="val 8348"/>
-            </a:avLst>
-          </a:prstGeom>
-          <a:ln w="12700"/>
-        </p:spPr>
-        <p:style>
-          <a:lnRef idx="2">
-            <a:schemeClr val="dk1"/>
-          </a:lnRef>
-          <a:fillRef idx="1">
-            <a:schemeClr val="lt1"/>
-          </a:fillRef>
-          <a:effectRef idx="0">
-            <a:schemeClr val="dk1"/>
-          </a:effectRef>
-          <a:fontRef idx="minor">
-            <a:schemeClr val="dk1"/>
-          </a:fontRef>
-        </p:style>
-        <p:txBody>
-          <a:bodyPr rtlCol="0" anchor="ctr"/>
-          <a:lstStyle/>
-          <a:p>
-            <a:pPr algn="ctr"/>
-            <a:r>
-              <a:rPr lang="en-US" altLang="ko-KR" sz="1000"/>
-              <a:t>Data Source</a:t>
-            </a:r>
-          </a:p>
-          <a:p>
-            <a:pPr algn="ctr"/>
-            <a:r>
-              <a:rPr lang="en-US" altLang="ko-KR" sz="1000"/>
-              <a:t>(Amazon MSK)</a:t>
-            </a:r>
-            <a:endParaRPr lang="ko-KR" altLang="en-US" sz="1000"/>
-          </a:p>
-        </p:txBody>
-      </p:sp>
-      <p:sp>
-        <p:nvSpPr>
-          <p:cNvPr id="201" name="사각형: 둥근 모서리 6">
-            <a:extLst>
-              <a:ext uri="{FF2B5EF4-FFF2-40B4-BE49-F238E27FC236}">
-                <a16:creationId xmlns:a16="http://schemas.microsoft.com/office/drawing/2014/main" id="{107AE182-DC25-7E4E-BF83-799B33F33E2B}"/>
-              </a:ext>
-            </a:extLst>
-          </p:cNvPr>
-          <p:cNvSpPr/>
-          <p:nvPr/>
-        </p:nvSpPr>
-        <p:spPr>
-          <a:xfrm>
-            <a:off x="7390160" y="4414798"/>
-            <a:ext cx="1430312" cy="574486"/>
-          </a:xfrm>
-          <a:prstGeom prst="roundRect">
-            <a:avLst>
-              <a:gd name="adj" fmla="val 8348"/>
-            </a:avLst>
-          </a:prstGeom>
-          <a:ln w="12700"/>
-        </p:spPr>
-        <p:style>
-          <a:lnRef idx="2">
-            <a:schemeClr val="dk1"/>
-          </a:lnRef>
-          <a:fillRef idx="1">
-            <a:schemeClr val="lt1"/>
-          </a:fillRef>
-          <a:effectRef idx="0">
-            <a:schemeClr val="dk1"/>
-          </a:effectRef>
-          <a:fontRef idx="minor">
-            <a:schemeClr val="dk1"/>
-          </a:fontRef>
-        </p:style>
-        <p:txBody>
-          <a:bodyPr rtlCol="0" anchor="ctr"/>
-          <a:lstStyle/>
-          <a:p>
-            <a:pPr algn="ctr"/>
-            <a:r>
-              <a:rPr lang="en-US" altLang="ko-KR" sz="1000"/>
-              <a:t>Data Destination</a:t>
-            </a:r>
-          </a:p>
-          <a:p>
-            <a:pPr algn="ctr"/>
-            <a:r>
-              <a:rPr lang="en-US" altLang="ko-KR" sz="1000"/>
-              <a:t>(Amazon MSK)</a:t>
-            </a:r>
-            <a:endParaRPr lang="ko-KR" altLang="en-US" sz="1000"/>
-          </a:p>
-        </p:txBody>
-      </p:sp>
-      <p:cxnSp>
-        <p:nvCxnSpPr>
-          <p:cNvPr id="209" name="Straight Arrow Connector 208">
-            <a:extLst>
-              <a:ext uri="{FF2B5EF4-FFF2-40B4-BE49-F238E27FC236}">
-                <a16:creationId xmlns:a16="http://schemas.microsoft.com/office/drawing/2014/main" id="{29059D06-115C-F943-A004-8B1E0AB2995E}"/>
-              </a:ext>
-            </a:extLst>
-          </p:cNvPr>
-          <p:cNvCxnSpPr>
-            <a:cxnSpLocks/>
-            <a:endCxn id="151" idx="1"/>
-          </p:cNvCxnSpPr>
-          <p:nvPr/>
-        </p:nvCxnSpPr>
-        <p:spPr>
-          <a:xfrm>
-            <a:off x="6989192" y="2325800"/>
-            <a:ext cx="400968" cy="0"/>
-          </a:xfrm>
-          <a:prstGeom prst="straightConnector1">
-            <a:avLst/>
-          </a:prstGeom>
-          <a:ln w="12700">
-            <a:solidFill>
-              <a:schemeClr val="accent6"/>
-            </a:solidFill>
-            <a:tailEnd type="triangle"/>
-          </a:ln>
-        </p:spPr>
-        <p:style>
-          <a:lnRef idx="1">
-            <a:schemeClr val="accent1"/>
-          </a:lnRef>
-          <a:fillRef idx="0">
-            <a:schemeClr val="accent1"/>
-          </a:fillRef>
-          <a:effectRef idx="0">
-            <a:schemeClr val="accent1"/>
-          </a:effectRef>
-          <a:fontRef idx="minor">
-            <a:schemeClr val="tx1"/>
-          </a:fontRef>
-        </p:style>
-      </p:cxnSp>
-      <p:cxnSp>
-        <p:nvCxnSpPr>
-          <p:cNvPr id="212" name="Elbow Connector 211">
-            <a:extLst>
-              <a:ext uri="{FF2B5EF4-FFF2-40B4-BE49-F238E27FC236}">
-                <a16:creationId xmlns:a16="http://schemas.microsoft.com/office/drawing/2014/main" id="{80C5AA94-9F13-6349-8693-D0A9CEB4535F}"/>
-              </a:ext>
-            </a:extLst>
-          </p:cNvPr>
-          <p:cNvCxnSpPr>
-            <a:cxnSpLocks/>
-          </p:cNvCxnSpPr>
-          <p:nvPr/>
-        </p:nvCxnSpPr>
-        <p:spPr>
-          <a:xfrm rot="10800000" flipV="1">
-            <a:off x="6989192" y="4021906"/>
-            <a:ext cx="400968" cy="132"/>
-          </a:xfrm>
-          <a:prstGeom prst="bentConnector3">
-            <a:avLst>
-              <a:gd name="adj1" fmla="val 50000"/>
-            </a:avLst>
-          </a:prstGeom>
-          <a:ln w="12700">
-            <a:solidFill>
-              <a:schemeClr val="accent6"/>
-            </a:solidFill>
-            <a:tailEnd type="triangle"/>
-          </a:ln>
-        </p:spPr>
-        <p:style>
-          <a:lnRef idx="1">
-            <a:schemeClr val="accent1"/>
-          </a:lnRef>
-          <a:fillRef idx="0">
-            <a:schemeClr val="accent1"/>
-          </a:fillRef>
-          <a:effectRef idx="0">
-            <a:schemeClr val="accent1"/>
-          </a:effectRef>
-          <a:fontRef idx="minor">
-            <a:schemeClr val="tx1"/>
-          </a:fontRef>
-        </p:style>
-      </p:cxnSp>
-      <p:cxnSp>
-        <p:nvCxnSpPr>
-          <p:cNvPr id="213" name="Straight Arrow Connector 212">
-            <a:extLst>
-              <a:ext uri="{FF2B5EF4-FFF2-40B4-BE49-F238E27FC236}">
-                <a16:creationId xmlns:a16="http://schemas.microsoft.com/office/drawing/2014/main" id="{AD54C8C7-4357-0144-B761-0597A08EA517}"/>
-              </a:ext>
-            </a:extLst>
-          </p:cNvPr>
-          <p:cNvCxnSpPr>
-            <a:cxnSpLocks/>
-          </p:cNvCxnSpPr>
-          <p:nvPr/>
-        </p:nvCxnSpPr>
-        <p:spPr>
-          <a:xfrm>
-            <a:off x="6989192" y="4706903"/>
-            <a:ext cx="400968" cy="0"/>
-          </a:xfrm>
-          <a:prstGeom prst="straightConnector1">
-            <a:avLst/>
-          </a:prstGeom>
-          <a:ln w="12700">
-            <a:solidFill>
-              <a:schemeClr val="accent6"/>
-            </a:solidFill>
-            <a:tailEnd type="triangle"/>
-          </a:ln>
-        </p:spPr>
-        <p:style>
-          <a:lnRef idx="1">
-            <a:schemeClr val="accent1"/>
-          </a:lnRef>
-          <a:fillRef idx="0">
-            <a:schemeClr val="accent1"/>
-          </a:fillRef>
-          <a:effectRef idx="0">
-            <a:schemeClr val="accent1"/>
-          </a:effectRef>
-          <a:fontRef idx="minor">
-            <a:schemeClr val="tx1"/>
-          </a:fontRef>
-        </p:style>
-      </p:cxnSp>
-      <p:cxnSp>
-        <p:nvCxnSpPr>
-          <p:cNvPr id="216" name="Elbow Connector 215">
-            <a:extLst>
-              <a:ext uri="{FF2B5EF4-FFF2-40B4-BE49-F238E27FC236}">
-                <a16:creationId xmlns:a16="http://schemas.microsoft.com/office/drawing/2014/main" id="{24449FCE-8D7E-8643-8903-1A587E3C12C5}"/>
-              </a:ext>
-            </a:extLst>
-          </p:cNvPr>
-          <p:cNvCxnSpPr>
-            <a:cxnSpLocks/>
-            <a:stCxn id="228" idx="2"/>
-            <a:endCxn id="38" idx="1"/>
-          </p:cNvCxnSpPr>
-          <p:nvPr/>
-        </p:nvCxnSpPr>
-        <p:spPr>
-          <a:xfrm rot="16200000" flipH="1">
-            <a:off x="1278866" y="832851"/>
-            <a:ext cx="534952" cy="1081215"/>
-          </a:xfrm>
-          <a:prstGeom prst="bentConnector2">
-            <a:avLst/>
-          </a:prstGeom>
-          <a:ln w="12700">
-            <a:solidFill>
-              <a:schemeClr val="tx2"/>
-            </a:solidFill>
-            <a:tailEnd type="triangle"/>
-          </a:ln>
-        </p:spPr>
-        <p:style>
-          <a:lnRef idx="1">
-            <a:schemeClr val="accent1"/>
-          </a:lnRef>
-          <a:fillRef idx="0">
-            <a:schemeClr val="accent1"/>
-          </a:fillRef>
-          <a:effectRef idx="0">
-            <a:schemeClr val="accent1"/>
-          </a:effectRef>
-          <a:fontRef idx="minor">
-            <a:schemeClr val="tx1"/>
-          </a:fontRef>
-        </p:style>
-      </p:cxnSp>
-      <p:cxnSp>
-        <p:nvCxnSpPr>
-          <p:cNvPr id="220" name="Elbow Connector 219">
-            <a:extLst>
-              <a:ext uri="{FF2B5EF4-FFF2-40B4-BE49-F238E27FC236}">
-                <a16:creationId xmlns:a16="http://schemas.microsoft.com/office/drawing/2014/main" id="{0DECE9F3-A4C1-034D-B45B-A3B0D8DF2FDA}"/>
-              </a:ext>
-            </a:extLst>
-          </p:cNvPr>
-          <p:cNvCxnSpPr>
-            <a:cxnSpLocks/>
-            <a:stCxn id="228" idx="2"/>
-            <a:endCxn id="39" idx="1"/>
-          </p:cNvCxnSpPr>
-          <p:nvPr/>
-        </p:nvCxnSpPr>
-        <p:spPr>
-          <a:xfrm rot="16200000" flipH="1">
-            <a:off x="92590" y="2019127"/>
-            <a:ext cx="2907505" cy="1081215"/>
-          </a:xfrm>
-          <a:prstGeom prst="bentConnector2">
-            <a:avLst/>
-          </a:prstGeom>
-          <a:ln w="12700">
-            <a:solidFill>
-              <a:schemeClr val="tx2"/>
-            </a:solidFill>
-            <a:tailEnd type="triangle"/>
-          </a:ln>
-        </p:spPr>
-        <p:style>
-          <a:lnRef idx="1">
-            <a:schemeClr val="accent1"/>
-          </a:lnRef>
-          <a:fillRef idx="0">
-            <a:schemeClr val="accent1"/>
-          </a:fillRef>
-          <a:effectRef idx="0">
-            <a:schemeClr val="accent1"/>
-          </a:effectRef>
-          <a:fontRef idx="minor">
-            <a:schemeClr val="tx1"/>
-          </a:fontRef>
-        </p:style>
-      </p:cxnSp>
-      <p:cxnSp>
-        <p:nvCxnSpPr>
-          <p:cNvPr id="225" name="Straight Arrow Connector 224">
-            <a:extLst>
-              <a:ext uri="{FF2B5EF4-FFF2-40B4-BE49-F238E27FC236}">
-                <a16:creationId xmlns:a16="http://schemas.microsoft.com/office/drawing/2014/main" id="{53CAE1E9-FF65-084A-9018-F6C917F150CD}"/>
-              </a:ext>
-            </a:extLst>
-          </p:cNvPr>
-          <p:cNvCxnSpPr>
-            <a:cxnSpLocks/>
-            <a:stCxn id="229" idx="3"/>
-            <a:endCxn id="95" idx="1"/>
-          </p:cNvCxnSpPr>
-          <p:nvPr/>
-        </p:nvCxnSpPr>
-        <p:spPr>
-          <a:xfrm>
-            <a:off x="1174342" y="582116"/>
-            <a:ext cx="912608" cy="991"/>
-          </a:xfrm>
-          <a:prstGeom prst="straightConnector1">
-            <a:avLst/>
-          </a:prstGeom>
-          <a:ln w="12700">
-            <a:solidFill>
-              <a:schemeClr val="accent3"/>
-            </a:solidFill>
-            <a:tailEnd type="triangle"/>
-          </a:ln>
-        </p:spPr>
-        <p:style>
-          <a:lnRef idx="1">
-            <a:schemeClr val="accent1"/>
-          </a:lnRef>
-          <a:fillRef idx="0">
-            <a:schemeClr val="accent1"/>
-          </a:fillRef>
-          <a:effectRef idx="0">
-            <a:schemeClr val="accent1"/>
-          </a:effectRef>
-          <a:fontRef idx="minor">
-            <a:schemeClr val="tx1"/>
-          </a:fontRef>
-        </p:style>
-      </p:cxnSp>
-      <p:sp>
-        <p:nvSpPr>
-          <p:cNvPr id="228" name="사각형: 둥근 모서리 38">
-            <a:extLst>
-              <a:ext uri="{FF2B5EF4-FFF2-40B4-BE49-F238E27FC236}">
-                <a16:creationId xmlns:a16="http://schemas.microsoft.com/office/drawing/2014/main" id="{40CE3D00-3737-614D-B49B-C332B65B20CF}"/>
-              </a:ext>
-            </a:extLst>
-          </p:cNvPr>
-          <p:cNvSpPr/>
-          <p:nvPr/>
-        </p:nvSpPr>
-        <p:spPr>
-          <a:xfrm>
-            <a:off x="573366" y="769762"/>
+            <a:off x="443579" y="2599099"/>
             <a:ext cx="864738" cy="336221"/>
           </a:xfrm>
           <a:prstGeom prst="roundRect">
@@ -5887,7 +4724,7 @@
         </p:blipFill>
         <p:spPr>
           <a:xfrm>
-            <a:off x="837128" y="413509"/>
+            <a:off x="707341" y="2242846"/>
             <a:ext cx="337214" cy="337214"/>
           </a:xfrm>
           <a:prstGeom prst="rect">
@@ -5906,23 +4743,25 @@
           </p:cNvPr>
           <p:cNvCxnSpPr>
             <a:cxnSpLocks/>
-            <a:stCxn id="37" idx="0"/>
+            <a:stCxn id="37" idx="1"/>
           </p:cNvCxnSpPr>
           <p:nvPr/>
         </p:nvCxnSpPr>
         <p:spPr>
-          <a:xfrm rot="5400000" flipH="1" flipV="1">
-            <a:off x="2805664" y="1386622"/>
-            <a:ext cx="210847" cy="1881666"/>
-          </a:xfrm>
-          <a:prstGeom prst="bentConnector2">
-            <a:avLst/>
+          <a:xfrm rot="10800000" flipV="1">
+            <a:off x="6859405" y="2446131"/>
+            <a:ext cx="400968" cy="298321"/>
+          </a:xfrm>
+          <a:prstGeom prst="bentConnector3">
+            <a:avLst>
+              <a:gd name="adj1" fmla="val 50000"/>
+            </a:avLst>
           </a:prstGeom>
           <a:ln w="12700">
             <a:solidFill>
               <a:schemeClr val="tx1"/>
             </a:solidFill>
-            <a:prstDash val="dash"/>
+            <a:prstDash val="solid"/>
             <a:tailEnd type="triangle"/>
           </a:ln>
         </p:spPr>
@@ -5941,25 +4780,79 @@
           </a:fontRef>
         </p:style>
       </p:cxnSp>
+      <p:sp>
+        <p:nvSpPr>
+          <p:cNvPr id="56" name="사각형: 둥근 모서리 6">
+            <a:extLst>
+              <a:ext uri="{FF2B5EF4-FFF2-40B4-BE49-F238E27FC236}">
+                <a16:creationId xmlns:a16="http://schemas.microsoft.com/office/drawing/2014/main" id="{ADC73D8E-7D71-6B4F-863A-FA326DFFC490}"/>
+              </a:ext>
+            </a:extLst>
+          </p:cNvPr>
+          <p:cNvSpPr/>
+          <p:nvPr/>
+        </p:nvSpPr>
+        <p:spPr>
+          <a:xfrm>
+            <a:off x="1259632" y="1713045"/>
+            <a:ext cx="5667632" cy="2808311"/>
+          </a:xfrm>
+          <a:prstGeom prst="roundRect">
+            <a:avLst>
+              <a:gd name="adj" fmla="val 1962"/>
+            </a:avLst>
+          </a:prstGeom>
+          <a:noFill/>
+          <a:ln w="12700">
+            <a:prstDash val="dash"/>
+          </a:ln>
+        </p:spPr>
+        <p:style>
+          <a:lnRef idx="2">
+            <a:schemeClr val="dk1"/>
+          </a:lnRef>
+          <a:fillRef idx="1">
+            <a:schemeClr val="lt1"/>
+          </a:fillRef>
+          <a:effectRef idx="0">
+            <a:schemeClr val="dk1"/>
+          </a:effectRef>
+          <a:fontRef idx="minor">
+            <a:schemeClr val="dk1"/>
+          </a:fontRef>
+        </p:style>
+        <p:txBody>
+          <a:bodyPr rtlCol="0" anchor="t"/>
+          <a:lstStyle/>
+          <a:p>
+            <a:pPr algn="ctr"/>
+            <a:r>
+              <a:rPr lang="en-US" altLang="ko-KR" sz="1000" b="1"/>
+              <a:t>Kontrol Flink Project (ArgoCD)</a:t>
+            </a:r>
+            <a:endParaRPr lang="ko-KR" altLang="en-US" sz="1000" b="1"/>
+          </a:p>
+        </p:txBody>
+      </p:sp>
       <p:cxnSp>
         <p:nvCxnSpPr>
-          <p:cNvPr id="258" name="Elbow Connector 257">
-            <a:extLst>
-              <a:ext uri="{FF2B5EF4-FFF2-40B4-BE49-F238E27FC236}">
-                <a16:creationId xmlns:a16="http://schemas.microsoft.com/office/drawing/2014/main" id="{FF05A9BA-2087-C644-B0B8-ACBA15440E14}"/>
+          <p:cNvPr id="57" name="Elbow Connector 56">
+            <a:extLst>
+              <a:ext uri="{FF2B5EF4-FFF2-40B4-BE49-F238E27FC236}">
+                <a16:creationId xmlns:a16="http://schemas.microsoft.com/office/drawing/2014/main" id="{DD8575DC-E596-704F-BC31-8B11DE65DF74}"/>
               </a:ext>
             </a:extLst>
           </p:cNvPr>
           <p:cNvCxnSpPr>
             <a:cxnSpLocks/>
-            <a:stCxn id="37" idx="2"/>
+            <a:stCxn id="229" idx="0"/>
           </p:cNvCxnSpPr>
           <p:nvPr/>
         </p:nvCxnSpPr>
         <p:spPr>
-          <a:xfrm rot="16200000" flipH="1">
-            <a:off x="2802292" y="2389506"/>
-            <a:ext cx="217591" cy="1881666"/>
+          <a:xfrm rot="5400000" flipH="1" flipV="1">
+            <a:off x="884617" y="1867833"/>
+            <a:ext cx="366345" cy="383683"/>
           </a:xfrm>
           <a:prstGeom prst="bentConnector2">
             <a:avLst/>
@@ -5968,7 +4861,7 @@
             <a:solidFill>
               <a:schemeClr val="tx1"/>
             </a:solidFill>
-            <a:prstDash val="dash"/>
+            <a:prstDash val="solid"/>
             <a:tailEnd type="triangle"/>
           </a:ln>
         </p:spPr>
@@ -5987,6 +4880,825 @@
           </a:fontRef>
         </p:style>
       </p:cxnSp>
+      <p:sp>
+        <p:nvSpPr>
+          <p:cNvPr id="61" name="Oval 60">
+            <a:extLst>
+              <a:ext uri="{FF2B5EF4-FFF2-40B4-BE49-F238E27FC236}">
+                <a16:creationId xmlns:a16="http://schemas.microsoft.com/office/drawing/2014/main" id="{CB49B9FD-CCBA-C54D-9C39-DDF8F4591421}"/>
+              </a:ext>
+            </a:extLst>
+          </p:cNvPr>
+          <p:cNvSpPr/>
+          <p:nvPr/>
+        </p:nvSpPr>
+        <p:spPr>
+          <a:xfrm>
+            <a:off x="920078" y="1768336"/>
+            <a:ext cx="209055" cy="209055"/>
+          </a:xfrm>
+          <a:prstGeom prst="ellipse">
+            <a:avLst/>
+          </a:prstGeom>
+          <a:solidFill>
+            <a:schemeClr val="bg1"/>
+          </a:solidFill>
+          <a:ln w="12700">
+            <a:solidFill>
+              <a:schemeClr val="tx1"/>
+            </a:solidFill>
+          </a:ln>
+        </p:spPr>
+        <p:style>
+          <a:lnRef idx="2">
+            <a:schemeClr val="accent1">
+              <a:shade val="50000"/>
+            </a:schemeClr>
+          </a:lnRef>
+          <a:fillRef idx="1">
+            <a:schemeClr val="accent1"/>
+          </a:fillRef>
+          <a:effectRef idx="0">
+            <a:schemeClr val="accent1"/>
+          </a:effectRef>
+          <a:fontRef idx="minor">
+            <a:schemeClr val="lt1"/>
+          </a:fontRef>
+        </p:style>
+        <p:txBody>
+          <a:bodyPr rtlCol="0" anchor="ctr"/>
+          <a:lstStyle/>
+          <a:p>
+            <a:pPr algn="ctr"/>
+            <a:r>
+              <a:rPr lang="en-KR" sz="900">
+                <a:solidFill>
+                  <a:schemeClr val="tx1"/>
+                </a:solidFill>
+              </a:rPr>
+              <a:t>1</a:t>
+            </a:r>
+          </a:p>
+        </p:txBody>
+      </p:sp>
+      <p:sp>
+        <p:nvSpPr>
+          <p:cNvPr id="68" name="사각형: 둥근 모서리 6">
+            <a:extLst>
+              <a:ext uri="{FF2B5EF4-FFF2-40B4-BE49-F238E27FC236}">
+                <a16:creationId xmlns:a16="http://schemas.microsoft.com/office/drawing/2014/main" id="{C7BEFBA3-9D72-8B48-9A81-CEE4D3733A60}"/>
+              </a:ext>
+            </a:extLst>
+          </p:cNvPr>
+          <p:cNvSpPr/>
+          <p:nvPr/>
+        </p:nvSpPr>
+        <p:spPr>
+          <a:xfrm>
+            <a:off x="2216320" y="755123"/>
+            <a:ext cx="1297692" cy="574486"/>
+          </a:xfrm>
+          <a:prstGeom prst="roundRect">
+            <a:avLst>
+              <a:gd name="adj" fmla="val 8348"/>
+            </a:avLst>
+          </a:prstGeom>
+          <a:ln w="12700"/>
+        </p:spPr>
+        <p:style>
+          <a:lnRef idx="2">
+            <a:schemeClr val="dk1"/>
+          </a:lnRef>
+          <a:fillRef idx="1">
+            <a:schemeClr val="lt1"/>
+          </a:fillRef>
+          <a:effectRef idx="0">
+            <a:schemeClr val="dk1"/>
+          </a:effectRef>
+          <a:fontRef idx="minor">
+            <a:schemeClr val="dk1"/>
+          </a:fontRef>
+        </p:style>
+        <p:txBody>
+          <a:bodyPr rtlCol="0" anchor="ctr"/>
+          <a:lstStyle/>
+          <a:p>
+            <a:pPr algn="ctr"/>
+            <a:r>
+              <a:rPr lang="en-US" altLang="ko-KR" sz="1000"/>
+              <a:t>Flink Cluster </a:t>
+            </a:r>
+          </a:p>
+          <a:p>
+            <a:pPr algn="ctr"/>
+            <a:r>
+              <a:rPr lang="en-US" altLang="ko-KR" sz="1000"/>
+              <a:t>IAM Role (IRSA)</a:t>
+            </a:r>
+            <a:endParaRPr lang="ko-KR" altLang="en-US" sz="1000"/>
+          </a:p>
+        </p:txBody>
+      </p:sp>
+      <p:sp>
+        <p:nvSpPr>
+          <p:cNvPr id="75" name="사각형: 둥근 모서리 6">
+            <a:extLst>
+              <a:ext uri="{FF2B5EF4-FFF2-40B4-BE49-F238E27FC236}">
+                <a16:creationId xmlns:a16="http://schemas.microsoft.com/office/drawing/2014/main" id="{5F20B811-908F-D641-ABE7-BEA6B327FBF6}"/>
+              </a:ext>
+            </a:extLst>
+          </p:cNvPr>
+          <p:cNvSpPr/>
+          <p:nvPr/>
+        </p:nvSpPr>
+        <p:spPr>
+          <a:xfrm>
+            <a:off x="1957163" y="3751334"/>
+            <a:ext cx="1297692" cy="562124"/>
+          </a:xfrm>
+          <a:prstGeom prst="roundRect">
+            <a:avLst>
+              <a:gd name="adj" fmla="val 8348"/>
+            </a:avLst>
+          </a:prstGeom>
+          <a:ln w="12700"/>
+        </p:spPr>
+        <p:style>
+          <a:lnRef idx="2">
+            <a:schemeClr val="dk1"/>
+          </a:lnRef>
+          <a:fillRef idx="1">
+            <a:schemeClr val="lt1"/>
+          </a:fillRef>
+          <a:effectRef idx="0">
+            <a:schemeClr val="dk1"/>
+          </a:effectRef>
+          <a:fontRef idx="minor">
+            <a:schemeClr val="dk1"/>
+          </a:fontRef>
+        </p:style>
+        <p:txBody>
+          <a:bodyPr rtlCol="0" anchor="ctr"/>
+          <a:lstStyle/>
+          <a:p>
+            <a:pPr algn="ctr"/>
+            <a:r>
+              <a:rPr lang="en-US" altLang="ko-KR" sz="1000" b="1"/>
+              <a:t>ServiceAccount</a:t>
+            </a:r>
+          </a:p>
+          <a:p>
+            <a:pPr algn="ctr"/>
+            <a:r>
+              <a:rPr lang="en-US" altLang="ko-KR" sz="1000" b="1"/>
+              <a:t>(IRSA)</a:t>
+            </a:r>
+          </a:p>
+        </p:txBody>
+      </p:sp>
+      <p:sp>
+        <p:nvSpPr>
+          <p:cNvPr id="78" name="사각형: 둥근 모서리 6">
+            <a:extLst>
+              <a:ext uri="{FF2B5EF4-FFF2-40B4-BE49-F238E27FC236}">
+                <a16:creationId xmlns:a16="http://schemas.microsoft.com/office/drawing/2014/main" id="{273BB0A1-6838-CF41-B02F-97B8A81AFFB2}"/>
+              </a:ext>
+            </a:extLst>
+          </p:cNvPr>
+          <p:cNvSpPr/>
+          <p:nvPr/>
+        </p:nvSpPr>
+        <p:spPr>
+          <a:xfrm>
+            <a:off x="1852002" y="2894208"/>
+            <a:ext cx="1509015" cy="1548172"/>
+          </a:xfrm>
+          <a:prstGeom prst="roundRect">
+            <a:avLst>
+              <a:gd name="adj" fmla="val 5246"/>
+            </a:avLst>
+          </a:prstGeom>
+          <a:noFill/>
+          <a:ln w="12700">
+            <a:prstDash val="dash"/>
+          </a:ln>
+        </p:spPr>
+        <p:style>
+          <a:lnRef idx="2">
+            <a:schemeClr val="dk1"/>
+          </a:lnRef>
+          <a:fillRef idx="1">
+            <a:schemeClr val="lt1"/>
+          </a:fillRef>
+          <a:effectRef idx="0">
+            <a:schemeClr val="dk1"/>
+          </a:effectRef>
+          <a:fontRef idx="minor">
+            <a:schemeClr val="dk1"/>
+          </a:fontRef>
+        </p:style>
+        <p:txBody>
+          <a:bodyPr rtlCol="0" anchor="t"/>
+          <a:lstStyle/>
+          <a:p>
+            <a:r>
+              <a:rPr lang="en-US" altLang="ko-KR" sz="1000"/>
+              <a:t>hoian-eks</a:t>
+            </a:r>
+            <a:endParaRPr lang="ko-KR" altLang="en-US" sz="1000"/>
+          </a:p>
+        </p:txBody>
+      </p:sp>
+      <p:cxnSp>
+        <p:nvCxnSpPr>
+          <p:cNvPr id="82" name="Elbow Connector 81">
+            <a:extLst>
+              <a:ext uri="{FF2B5EF4-FFF2-40B4-BE49-F238E27FC236}">
+                <a16:creationId xmlns:a16="http://schemas.microsoft.com/office/drawing/2014/main" id="{0349D1E3-3FE7-4C4F-9B34-C52FB5CD33A4}"/>
+              </a:ext>
+            </a:extLst>
+          </p:cNvPr>
+          <p:cNvCxnSpPr>
+            <a:cxnSpLocks/>
+            <a:stCxn id="78" idx="3"/>
+            <a:endCxn id="51" idx="1"/>
+          </p:cNvCxnSpPr>
+          <p:nvPr/>
+        </p:nvCxnSpPr>
+        <p:spPr>
+          <a:xfrm flipV="1">
+            <a:off x="3361017" y="3470272"/>
+            <a:ext cx="361116" cy="198022"/>
+          </a:xfrm>
+          <a:prstGeom prst="bentConnector3">
+            <a:avLst>
+              <a:gd name="adj1" fmla="val 50000"/>
+            </a:avLst>
+          </a:prstGeom>
+          <a:ln w="12700">
+            <a:solidFill>
+              <a:schemeClr val="tx1"/>
+            </a:solidFill>
+            <a:tailEnd type="triangle"/>
+          </a:ln>
+        </p:spPr>
+        <p:style>
+          <a:lnRef idx="1">
+            <a:schemeClr val="accent1"/>
+          </a:lnRef>
+          <a:fillRef idx="0">
+            <a:schemeClr val="accent1"/>
+          </a:fillRef>
+          <a:effectRef idx="0">
+            <a:schemeClr val="accent1"/>
+          </a:effectRef>
+          <a:fontRef idx="minor">
+            <a:schemeClr val="tx1"/>
+          </a:fontRef>
+        </p:style>
+      </p:cxnSp>
+      <p:sp>
+        <p:nvSpPr>
+          <p:cNvPr id="88" name="사각형: 둥근 모서리 38">
+            <a:extLst>
+              <a:ext uri="{FF2B5EF4-FFF2-40B4-BE49-F238E27FC236}">
+                <a16:creationId xmlns:a16="http://schemas.microsoft.com/office/drawing/2014/main" id="{60D9B8ED-38CC-D642-BEFB-9A1C5827EA30}"/>
+              </a:ext>
+            </a:extLst>
+          </p:cNvPr>
+          <p:cNvSpPr/>
+          <p:nvPr/>
+        </p:nvSpPr>
+        <p:spPr>
+          <a:xfrm>
+            <a:off x="702736" y="1230014"/>
+            <a:ext cx="864738" cy="248102"/>
+          </a:xfrm>
+          <a:prstGeom prst="roundRect">
+            <a:avLst>
+              <a:gd name="adj" fmla="val 15249"/>
+            </a:avLst>
+          </a:prstGeom>
+          <a:noFill/>
+          <a:ln>
+            <a:noFill/>
+          </a:ln>
+        </p:spPr>
+        <p:style>
+          <a:lnRef idx="2">
+            <a:schemeClr val="dk1"/>
+          </a:lnRef>
+          <a:fillRef idx="1">
+            <a:schemeClr val="lt1"/>
+          </a:fillRef>
+          <a:effectRef idx="0">
+            <a:schemeClr val="dk1"/>
+          </a:effectRef>
+          <a:fontRef idx="minor">
+            <a:schemeClr val="dk1"/>
+          </a:fontRef>
+        </p:style>
+        <p:txBody>
+          <a:bodyPr rtlCol="0" anchor="ctr"/>
+          <a:lstStyle/>
+          <a:p>
+            <a:pPr algn="ctr"/>
+            <a:r>
+              <a:rPr lang="en-US" altLang="ko-KR" sz="1000"/>
+              <a:t>SRE Team</a:t>
+            </a:r>
+          </a:p>
+        </p:txBody>
+      </p:sp>
+      <p:pic>
+        <p:nvPicPr>
+          <p:cNvPr id="89" name="Picture 88">
+            <a:extLst>
+              <a:ext uri="{FF2B5EF4-FFF2-40B4-BE49-F238E27FC236}">
+                <a16:creationId xmlns:a16="http://schemas.microsoft.com/office/drawing/2014/main" id="{19745C55-D74F-A440-AA40-E22601FF2681}"/>
+              </a:ext>
+            </a:extLst>
+          </p:cNvPr>
+          <p:cNvPicPr>
+            <a:picLocks noChangeAspect="1"/>
+          </p:cNvPicPr>
+          <p:nvPr/>
+        </p:nvPicPr>
+        <p:blipFill>
+          <a:blip r:embed="rId2">
+            <a:extLst>
+              <a:ext uri="{28A0092B-C50C-407E-A947-70E740481C1C}">
+                <a14:useLocalDpi xmlns:a14="http://schemas.microsoft.com/office/drawing/2010/main" val="0"/>
+              </a:ext>
+            </a:extLst>
+          </a:blip>
+          <a:stretch>
+            <a:fillRect/>
+          </a:stretch>
+        </p:blipFill>
+        <p:spPr>
+          <a:xfrm>
+            <a:off x="966498" y="873760"/>
+            <a:ext cx="337214" cy="337214"/>
+          </a:xfrm>
+          <a:prstGeom prst="rect">
+            <a:avLst/>
+          </a:prstGeom>
+        </p:spPr>
+      </p:pic>
+      <p:cxnSp>
+        <p:nvCxnSpPr>
+          <p:cNvPr id="92" name="Straight Arrow Connector 91">
+            <a:extLst>
+              <a:ext uri="{FF2B5EF4-FFF2-40B4-BE49-F238E27FC236}">
+                <a16:creationId xmlns:a16="http://schemas.microsoft.com/office/drawing/2014/main" id="{D81C9920-1D6F-9544-8E67-F542EE17CE36}"/>
+              </a:ext>
+            </a:extLst>
+          </p:cNvPr>
+          <p:cNvCxnSpPr>
+            <a:cxnSpLocks/>
+            <a:stCxn id="89" idx="3"/>
+            <a:endCxn id="68" idx="1"/>
+          </p:cNvCxnSpPr>
+          <p:nvPr/>
+        </p:nvCxnSpPr>
+        <p:spPr>
+          <a:xfrm flipV="1">
+            <a:off x="1303712" y="1042366"/>
+            <a:ext cx="912608" cy="1"/>
+          </a:xfrm>
+          <a:prstGeom prst="straightConnector1">
+            <a:avLst/>
+          </a:prstGeom>
+          <a:ln w="12700">
+            <a:solidFill>
+              <a:schemeClr val="tx1"/>
+            </a:solidFill>
+            <a:tailEnd type="triangle"/>
+          </a:ln>
+        </p:spPr>
+        <p:style>
+          <a:lnRef idx="1">
+            <a:schemeClr val="accent1"/>
+          </a:lnRef>
+          <a:fillRef idx="0">
+            <a:schemeClr val="accent1"/>
+          </a:fillRef>
+          <a:effectRef idx="0">
+            <a:schemeClr val="accent1"/>
+          </a:effectRef>
+          <a:fontRef idx="minor">
+            <a:schemeClr val="tx1"/>
+          </a:fontRef>
+        </p:style>
+      </p:cxnSp>
+      <p:sp>
+        <p:nvSpPr>
+          <p:cNvPr id="97" name="Oval 96">
+            <a:extLst>
+              <a:ext uri="{FF2B5EF4-FFF2-40B4-BE49-F238E27FC236}">
+                <a16:creationId xmlns:a16="http://schemas.microsoft.com/office/drawing/2014/main" id="{73316CA6-ABD5-6F4E-82A1-94C298DD3C1F}"/>
+              </a:ext>
+            </a:extLst>
+          </p:cNvPr>
+          <p:cNvSpPr/>
+          <p:nvPr/>
+        </p:nvSpPr>
+        <p:spPr>
+          <a:xfrm>
+            <a:off x="1869433" y="937839"/>
+            <a:ext cx="209055" cy="209055"/>
+          </a:xfrm>
+          <a:prstGeom prst="ellipse">
+            <a:avLst/>
+          </a:prstGeom>
+          <a:solidFill>
+            <a:schemeClr val="bg1"/>
+          </a:solidFill>
+          <a:ln w="12700">
+            <a:solidFill>
+              <a:schemeClr val="tx1"/>
+            </a:solidFill>
+          </a:ln>
+        </p:spPr>
+        <p:style>
+          <a:lnRef idx="2">
+            <a:schemeClr val="accent1">
+              <a:shade val="50000"/>
+            </a:schemeClr>
+          </a:lnRef>
+          <a:fillRef idx="1">
+            <a:schemeClr val="accent1"/>
+          </a:fillRef>
+          <a:effectRef idx="0">
+            <a:schemeClr val="accent1"/>
+          </a:effectRef>
+          <a:fontRef idx="minor">
+            <a:schemeClr val="lt1"/>
+          </a:fontRef>
+        </p:style>
+        <p:txBody>
+          <a:bodyPr rtlCol="0" anchor="ctr"/>
+          <a:lstStyle/>
+          <a:p>
+            <a:pPr algn="ctr"/>
+            <a:r>
+              <a:rPr lang="en-KR" sz="900">
+                <a:solidFill>
+                  <a:schemeClr val="tx1"/>
+                </a:solidFill>
+              </a:rPr>
+              <a:t>3</a:t>
+            </a:r>
+          </a:p>
+        </p:txBody>
+      </p:sp>
+      <p:cxnSp>
+        <p:nvCxnSpPr>
+          <p:cNvPr id="99" name="Elbow Connector 98">
+            <a:extLst>
+              <a:ext uri="{FF2B5EF4-FFF2-40B4-BE49-F238E27FC236}">
+                <a16:creationId xmlns:a16="http://schemas.microsoft.com/office/drawing/2014/main" id="{5A30C65D-2B12-8F4E-9FDF-8518CCD858DC}"/>
+              </a:ext>
+            </a:extLst>
+          </p:cNvPr>
+          <p:cNvCxnSpPr>
+            <a:cxnSpLocks/>
+            <a:stCxn id="229" idx="0"/>
+            <a:endCxn id="96" idx="0"/>
+          </p:cNvCxnSpPr>
+          <p:nvPr/>
+        </p:nvCxnSpPr>
+        <p:spPr>
+          <a:xfrm rot="5400000" flipH="1" flipV="1">
+            <a:off x="3269643" y="-576065"/>
+            <a:ext cx="425216" cy="5212607"/>
+          </a:xfrm>
+          <a:prstGeom prst="bentConnector3">
+            <a:avLst>
+              <a:gd name="adj1" fmla="val 153761"/>
+            </a:avLst>
+          </a:prstGeom>
+          <a:ln w="12700">
+            <a:solidFill>
+              <a:schemeClr val="tx1"/>
+            </a:solidFill>
+            <a:prstDash val="solid"/>
+            <a:tailEnd type="triangle"/>
+          </a:ln>
+        </p:spPr>
+        <p:style>
+          <a:lnRef idx="1">
+            <a:schemeClr val="accent1"/>
+          </a:lnRef>
+          <a:fillRef idx="0">
+            <a:schemeClr val="accent1"/>
+          </a:fillRef>
+          <a:effectRef idx="0">
+            <a:schemeClr val="accent1"/>
+          </a:effectRef>
+          <a:fontRef idx="minor">
+            <a:schemeClr val="tx1"/>
+          </a:fontRef>
+        </p:style>
+      </p:cxnSp>
+      <p:sp>
+        <p:nvSpPr>
+          <p:cNvPr id="102" name="Oval 101">
+            <a:extLst>
+              <a:ext uri="{FF2B5EF4-FFF2-40B4-BE49-F238E27FC236}">
+                <a16:creationId xmlns:a16="http://schemas.microsoft.com/office/drawing/2014/main" id="{623BBCEC-7508-574B-A3F0-534D76896ED5}"/>
+              </a:ext>
+            </a:extLst>
+          </p:cNvPr>
+          <p:cNvSpPr/>
+          <p:nvPr/>
+        </p:nvSpPr>
+        <p:spPr>
+          <a:xfrm>
+            <a:off x="5984027" y="1470489"/>
+            <a:ext cx="209055" cy="209055"/>
+          </a:xfrm>
+          <a:prstGeom prst="ellipse">
+            <a:avLst/>
+          </a:prstGeom>
+          <a:solidFill>
+            <a:schemeClr val="bg1"/>
+          </a:solidFill>
+          <a:ln w="12700">
+            <a:solidFill>
+              <a:schemeClr val="tx1"/>
+            </a:solidFill>
+          </a:ln>
+        </p:spPr>
+        <p:style>
+          <a:lnRef idx="2">
+            <a:schemeClr val="accent1">
+              <a:shade val="50000"/>
+            </a:schemeClr>
+          </a:lnRef>
+          <a:fillRef idx="1">
+            <a:schemeClr val="accent1"/>
+          </a:fillRef>
+          <a:effectRef idx="0">
+            <a:schemeClr val="accent1"/>
+          </a:effectRef>
+          <a:fontRef idx="minor">
+            <a:schemeClr val="lt1"/>
+          </a:fontRef>
+        </p:style>
+        <p:txBody>
+          <a:bodyPr rtlCol="0" anchor="ctr"/>
+          <a:lstStyle/>
+          <a:p>
+            <a:pPr algn="ctr"/>
+            <a:r>
+              <a:rPr lang="en-KR" sz="900">
+                <a:solidFill>
+                  <a:schemeClr val="tx1"/>
+                </a:solidFill>
+              </a:rPr>
+              <a:t>2</a:t>
+            </a:r>
+          </a:p>
+        </p:txBody>
+      </p:sp>
+      <p:sp>
+        <p:nvSpPr>
+          <p:cNvPr id="103" name="Oval 102">
+            <a:extLst>
+              <a:ext uri="{FF2B5EF4-FFF2-40B4-BE49-F238E27FC236}">
+                <a16:creationId xmlns:a16="http://schemas.microsoft.com/office/drawing/2014/main" id="{511AE4E8-85CA-A84B-9521-684C9DF207B6}"/>
+              </a:ext>
+            </a:extLst>
+          </p:cNvPr>
+          <p:cNvSpPr/>
+          <p:nvPr/>
+        </p:nvSpPr>
+        <p:spPr>
+          <a:xfrm>
+            <a:off x="1475656" y="3569283"/>
+            <a:ext cx="209055" cy="209055"/>
+          </a:xfrm>
+          <a:prstGeom prst="ellipse">
+            <a:avLst/>
+          </a:prstGeom>
+          <a:solidFill>
+            <a:schemeClr val="bg1"/>
+          </a:solidFill>
+          <a:ln w="12700">
+            <a:solidFill>
+              <a:schemeClr val="tx1"/>
+            </a:solidFill>
+          </a:ln>
+        </p:spPr>
+        <p:style>
+          <a:lnRef idx="2">
+            <a:schemeClr val="accent1">
+              <a:shade val="50000"/>
+            </a:schemeClr>
+          </a:lnRef>
+          <a:fillRef idx="1">
+            <a:schemeClr val="accent1"/>
+          </a:fillRef>
+          <a:effectRef idx="0">
+            <a:schemeClr val="accent1"/>
+          </a:effectRef>
+          <a:fontRef idx="minor">
+            <a:schemeClr val="lt1"/>
+          </a:fontRef>
+        </p:style>
+        <p:txBody>
+          <a:bodyPr rtlCol="0" anchor="ctr"/>
+          <a:lstStyle/>
+          <a:p>
+            <a:pPr algn="ctr"/>
+            <a:r>
+              <a:rPr lang="en-KR" sz="900">
+                <a:solidFill>
+                  <a:schemeClr val="tx1"/>
+                </a:solidFill>
+              </a:rPr>
+              <a:t>4</a:t>
+            </a:r>
+          </a:p>
+        </p:txBody>
+      </p:sp>
+      <p:sp>
+        <p:nvSpPr>
+          <p:cNvPr id="120" name="사각형: 둥근 모서리 6">
+            <a:extLst>
+              <a:ext uri="{FF2B5EF4-FFF2-40B4-BE49-F238E27FC236}">
+                <a16:creationId xmlns:a16="http://schemas.microsoft.com/office/drawing/2014/main" id="{CA3A62D2-0012-9A43-8B82-6BF35CDD9E8C}"/>
+              </a:ext>
+            </a:extLst>
+          </p:cNvPr>
+          <p:cNvSpPr/>
+          <p:nvPr/>
+        </p:nvSpPr>
+        <p:spPr>
+          <a:xfrm>
+            <a:off x="3777774" y="755123"/>
+            <a:ext cx="1297692" cy="574486"/>
+          </a:xfrm>
+          <a:prstGeom prst="roundRect">
+            <a:avLst>
+              <a:gd name="adj" fmla="val 8348"/>
+            </a:avLst>
+          </a:prstGeom>
+          <a:ln w="12700"/>
+        </p:spPr>
+        <p:style>
+          <a:lnRef idx="2">
+            <a:schemeClr val="dk1"/>
+          </a:lnRef>
+          <a:fillRef idx="1">
+            <a:schemeClr val="lt1"/>
+          </a:fillRef>
+          <a:effectRef idx="0">
+            <a:schemeClr val="dk1"/>
+          </a:effectRef>
+          <a:fontRef idx="minor">
+            <a:schemeClr val="dk1"/>
+          </a:fontRef>
+        </p:style>
+        <p:txBody>
+          <a:bodyPr rtlCol="0" anchor="ctr"/>
+          <a:lstStyle/>
+          <a:p>
+            <a:pPr algn="ctr"/>
+            <a:r>
+              <a:rPr lang="en-US" altLang="ko-KR" sz="1000"/>
+              <a:t>Route 53</a:t>
+            </a:r>
+          </a:p>
+          <a:p>
+            <a:pPr algn="ctr"/>
+            <a:r>
+              <a:rPr lang="en-US" altLang="ko-KR" sz="1000"/>
+              <a:t>Flink JobManager</a:t>
+            </a:r>
+          </a:p>
+          <a:p>
+            <a:pPr algn="ctr"/>
+            <a:r>
+              <a:rPr lang="en-US" altLang="ko-KR" sz="1000"/>
+              <a:t>Ingress</a:t>
+            </a:r>
+            <a:endParaRPr lang="ko-KR" altLang="en-US" sz="1000"/>
+          </a:p>
+        </p:txBody>
+      </p:sp>
+      <p:cxnSp>
+        <p:nvCxnSpPr>
+          <p:cNvPr id="121" name="Elbow Connector 120">
+            <a:extLst>
+              <a:ext uri="{FF2B5EF4-FFF2-40B4-BE49-F238E27FC236}">
+                <a16:creationId xmlns:a16="http://schemas.microsoft.com/office/drawing/2014/main" id="{9A75BBE6-A730-9D42-98B3-1E7AA3E9B82C}"/>
+              </a:ext>
+            </a:extLst>
+          </p:cNvPr>
+          <p:cNvCxnSpPr>
+            <a:cxnSpLocks/>
+            <a:stCxn id="89" idx="0"/>
+            <a:endCxn id="120" idx="0"/>
+          </p:cNvCxnSpPr>
+          <p:nvPr/>
+        </p:nvCxnSpPr>
+        <p:spPr>
+          <a:xfrm rot="5400000" flipH="1" flipV="1">
+            <a:off x="2721544" y="-831315"/>
+            <a:ext cx="118637" cy="3291515"/>
+          </a:xfrm>
+          <a:prstGeom prst="bentConnector3">
+            <a:avLst>
+              <a:gd name="adj1" fmla="val 292689"/>
+            </a:avLst>
+          </a:prstGeom>
+          <a:ln w="12700">
+            <a:solidFill>
+              <a:schemeClr val="tx1"/>
+            </a:solidFill>
+            <a:prstDash val="solid"/>
+            <a:tailEnd type="triangle"/>
+          </a:ln>
+        </p:spPr>
+        <p:style>
+          <a:lnRef idx="1">
+            <a:schemeClr val="accent1"/>
+          </a:lnRef>
+          <a:fillRef idx="0">
+            <a:schemeClr val="accent1"/>
+          </a:fillRef>
+          <a:effectRef idx="0">
+            <a:schemeClr val="accent1"/>
+          </a:effectRef>
+          <a:fontRef idx="minor">
+            <a:schemeClr val="tx1"/>
+          </a:fontRef>
+        </p:style>
+      </p:cxnSp>
+      <p:sp>
+        <p:nvSpPr>
+          <p:cNvPr id="124" name="Oval 123">
+            <a:extLst>
+              <a:ext uri="{FF2B5EF4-FFF2-40B4-BE49-F238E27FC236}">
+                <a16:creationId xmlns:a16="http://schemas.microsoft.com/office/drawing/2014/main" id="{59EA5146-ABE1-F44A-BD6A-D9948E874C17}"/>
+              </a:ext>
+            </a:extLst>
+          </p:cNvPr>
+          <p:cNvSpPr/>
+          <p:nvPr/>
+        </p:nvSpPr>
+        <p:spPr>
+          <a:xfrm>
+            <a:off x="4322092" y="424790"/>
+            <a:ext cx="209055" cy="209055"/>
+          </a:xfrm>
+          <a:prstGeom prst="ellipse">
+            <a:avLst/>
+          </a:prstGeom>
+          <a:solidFill>
+            <a:schemeClr val="bg1"/>
+          </a:solidFill>
+          <a:ln w="12700">
+            <a:solidFill>
+              <a:schemeClr val="tx1"/>
+            </a:solidFill>
+          </a:ln>
+        </p:spPr>
+        <p:style>
+          <a:lnRef idx="2">
+            <a:schemeClr val="accent1">
+              <a:shade val="50000"/>
+            </a:schemeClr>
+          </a:lnRef>
+          <a:fillRef idx="1">
+            <a:schemeClr val="accent1"/>
+          </a:fillRef>
+          <a:effectRef idx="0">
+            <a:schemeClr val="accent1"/>
+          </a:effectRef>
+          <a:fontRef idx="minor">
+            <a:schemeClr val="lt1"/>
+          </a:fontRef>
+        </p:style>
+        <p:txBody>
+          <a:bodyPr rtlCol="0" anchor="ctr"/>
+          <a:lstStyle/>
+          <a:p>
+            <a:pPr algn="ctr"/>
+            <a:r>
+              <a:rPr lang="en-KR" sz="900">
+                <a:solidFill>
+                  <a:schemeClr val="tx1"/>
+                </a:solidFill>
+              </a:rPr>
+              <a:t>5</a:t>
+            </a:r>
+          </a:p>
+        </p:txBody>
+      </p:sp>
     </p:spTree>
     <p:extLst>
       <p:ext uri="{BB962C8B-B14F-4D97-AF65-F5344CB8AC3E}">
@@ -6049,6 +5761,2602 @@
       </p:grpSpPr>
       <p:sp>
         <p:nvSpPr>
+          <p:cNvPr id="37" name="사각형: 둥근 모서리 6">
+            <a:extLst>
+              <a:ext uri="{FF2B5EF4-FFF2-40B4-BE49-F238E27FC236}">
+                <a16:creationId xmlns:a16="http://schemas.microsoft.com/office/drawing/2014/main" id="{E2A8A808-057F-9942-B9BC-8CBC004533FE}"/>
+              </a:ext>
+            </a:extLst>
+          </p:cNvPr>
+          <p:cNvSpPr/>
+          <p:nvPr/>
+        </p:nvSpPr>
+        <p:spPr>
+          <a:xfrm>
+            <a:off x="1286178" y="2432878"/>
+            <a:ext cx="1368152" cy="788666"/>
+          </a:xfrm>
+          <a:prstGeom prst="roundRect">
+            <a:avLst>
+              <a:gd name="adj" fmla="val 8348"/>
+            </a:avLst>
+          </a:prstGeom>
+          <a:ln w="12700"/>
+        </p:spPr>
+        <p:style>
+          <a:lnRef idx="2">
+            <a:schemeClr val="dk1"/>
+          </a:lnRef>
+          <a:fillRef idx="1">
+            <a:schemeClr val="lt1"/>
+          </a:fillRef>
+          <a:effectRef idx="0">
+            <a:schemeClr val="dk1"/>
+          </a:effectRef>
+          <a:fontRef idx="minor">
+            <a:schemeClr val="dk1"/>
+          </a:fontRef>
+        </p:style>
+        <p:txBody>
+          <a:bodyPr rtlCol="0" anchor="ctr"/>
+          <a:lstStyle/>
+          <a:p>
+            <a:pPr algn="ctr"/>
+            <a:r>
+              <a:rPr lang="en-US" altLang="ko-KR" sz="1000" b="1"/>
+              <a:t>Flink Operator</a:t>
+            </a:r>
+          </a:p>
+          <a:p>
+            <a:pPr algn="ctr"/>
+            <a:r>
+              <a:rPr lang="en-US" altLang="ko-KR" sz="1000" b="1"/>
+              <a:t>Pod</a:t>
+            </a:r>
+          </a:p>
+          <a:p>
+            <a:pPr algn="ctr"/>
+            <a:r>
+              <a:rPr lang="en-US" altLang="ko-KR" sz="1000"/>
+              <a:t>(Ops Node Group)</a:t>
+            </a:r>
+            <a:endParaRPr lang="ko-KR" altLang="en-US" sz="1000"/>
+          </a:p>
+        </p:txBody>
+      </p:sp>
+      <p:sp>
+        <p:nvSpPr>
+          <p:cNvPr id="38" name="사각형: 둥근 모서리 6">
+            <a:extLst>
+              <a:ext uri="{FF2B5EF4-FFF2-40B4-BE49-F238E27FC236}">
+                <a16:creationId xmlns:a16="http://schemas.microsoft.com/office/drawing/2014/main" id="{E2FE0F29-DCBB-234B-A0A9-497A07C2791B}"/>
+              </a:ext>
+            </a:extLst>
+          </p:cNvPr>
+          <p:cNvSpPr/>
+          <p:nvPr/>
+        </p:nvSpPr>
+        <p:spPr>
+          <a:xfrm>
+            <a:off x="2086950" y="1286184"/>
+            <a:ext cx="1297692" cy="709502"/>
+          </a:xfrm>
+          <a:prstGeom prst="roundRect">
+            <a:avLst>
+              <a:gd name="adj" fmla="val 8348"/>
+            </a:avLst>
+          </a:prstGeom>
+          <a:ln w="12700"/>
+        </p:spPr>
+        <p:style>
+          <a:lnRef idx="2">
+            <a:schemeClr val="dk1"/>
+          </a:lnRef>
+          <a:fillRef idx="1">
+            <a:schemeClr val="lt1"/>
+          </a:fillRef>
+          <a:effectRef idx="0">
+            <a:schemeClr val="dk1"/>
+          </a:effectRef>
+          <a:fontRef idx="minor">
+            <a:schemeClr val="dk1"/>
+          </a:fontRef>
+        </p:style>
+        <p:txBody>
+          <a:bodyPr rtlCol="0" anchor="ctr"/>
+          <a:lstStyle/>
+          <a:p>
+            <a:pPr algn="ctr"/>
+            <a:r>
+              <a:rPr lang="en-US" altLang="ko-KR" sz="1000" b="1"/>
+              <a:t>Flink Deployment</a:t>
+            </a:r>
+          </a:p>
+          <a:p>
+            <a:pPr algn="ctr"/>
+            <a:r>
+              <a:rPr lang="en-US" altLang="ko-KR" sz="1000" b="1"/>
+              <a:t>CR A</a:t>
+            </a:r>
+            <a:endParaRPr lang="ko-KR" altLang="en-US" sz="1000" b="1"/>
+          </a:p>
+        </p:txBody>
+      </p:sp>
+      <p:sp>
+        <p:nvSpPr>
+          <p:cNvPr id="39" name="사각형: 둥근 모서리 6">
+            <a:extLst>
+              <a:ext uri="{FF2B5EF4-FFF2-40B4-BE49-F238E27FC236}">
+                <a16:creationId xmlns:a16="http://schemas.microsoft.com/office/drawing/2014/main" id="{A7A76A56-E692-794E-8020-A7D16C488D9D}"/>
+              </a:ext>
+            </a:extLst>
+          </p:cNvPr>
+          <p:cNvSpPr/>
+          <p:nvPr/>
+        </p:nvSpPr>
+        <p:spPr>
+          <a:xfrm>
+            <a:off x="2086950" y="3658737"/>
+            <a:ext cx="1297692" cy="709502"/>
+          </a:xfrm>
+          <a:prstGeom prst="roundRect">
+            <a:avLst>
+              <a:gd name="adj" fmla="val 8348"/>
+            </a:avLst>
+          </a:prstGeom>
+          <a:ln w="12700"/>
+        </p:spPr>
+        <p:style>
+          <a:lnRef idx="2">
+            <a:schemeClr val="dk1"/>
+          </a:lnRef>
+          <a:fillRef idx="1">
+            <a:schemeClr val="lt1"/>
+          </a:fillRef>
+          <a:effectRef idx="0">
+            <a:schemeClr val="dk1"/>
+          </a:effectRef>
+          <a:fontRef idx="minor">
+            <a:schemeClr val="dk1"/>
+          </a:fontRef>
+        </p:style>
+        <p:txBody>
+          <a:bodyPr rtlCol="0" anchor="ctr"/>
+          <a:lstStyle/>
+          <a:p>
+            <a:pPr algn="ctr"/>
+            <a:r>
+              <a:rPr lang="en-US" altLang="ko-KR" sz="1000" b="1"/>
+              <a:t>Flink Deployment</a:t>
+            </a:r>
+          </a:p>
+          <a:p>
+            <a:pPr algn="ctr"/>
+            <a:r>
+              <a:rPr lang="en-US" altLang="ko-KR" sz="1000" b="1"/>
+              <a:t>CR B</a:t>
+            </a:r>
+            <a:endParaRPr lang="ko-KR" altLang="en-US" sz="1000" b="1"/>
+          </a:p>
+        </p:txBody>
+      </p:sp>
+      <p:sp>
+        <p:nvSpPr>
+          <p:cNvPr id="43" name="사각형: 둥근 모서리 6">
+            <a:extLst>
+              <a:ext uri="{FF2B5EF4-FFF2-40B4-BE49-F238E27FC236}">
+                <a16:creationId xmlns:a16="http://schemas.microsoft.com/office/drawing/2014/main" id="{7C8DFDAC-F574-874D-883D-63B115D5CD3C}"/>
+              </a:ext>
+            </a:extLst>
+          </p:cNvPr>
+          <p:cNvSpPr/>
+          <p:nvPr/>
+        </p:nvSpPr>
+        <p:spPr>
+          <a:xfrm>
+            <a:off x="3959932" y="1927389"/>
+            <a:ext cx="1297692" cy="576064"/>
+          </a:xfrm>
+          <a:prstGeom prst="roundRect">
+            <a:avLst>
+              <a:gd name="adj" fmla="val 8348"/>
+            </a:avLst>
+          </a:prstGeom>
+          <a:ln w="12700"/>
+        </p:spPr>
+        <p:style>
+          <a:lnRef idx="2">
+            <a:schemeClr val="dk1"/>
+          </a:lnRef>
+          <a:fillRef idx="1">
+            <a:schemeClr val="lt1"/>
+          </a:fillRef>
+          <a:effectRef idx="0">
+            <a:schemeClr val="dk1"/>
+          </a:effectRef>
+          <a:fontRef idx="minor">
+            <a:schemeClr val="dk1"/>
+          </a:fontRef>
+        </p:style>
+        <p:txBody>
+          <a:bodyPr rtlCol="0" anchor="ctr"/>
+          <a:lstStyle/>
+          <a:p>
+            <a:pPr algn="ctr"/>
+            <a:r>
+              <a:rPr lang="en-US" altLang="ko-KR" sz="1000"/>
+              <a:t>Flink JobManager</a:t>
+            </a:r>
+          </a:p>
+          <a:p>
+            <a:pPr algn="ctr"/>
+            <a:r>
+              <a:rPr lang="en-US" altLang="ko-KR" sz="1000"/>
+              <a:t>Pod</a:t>
+            </a:r>
+            <a:endParaRPr lang="ko-KR" altLang="en-US" sz="1000"/>
+          </a:p>
+        </p:txBody>
+      </p:sp>
+      <p:sp>
+        <p:nvSpPr>
+          <p:cNvPr id="47" name="사각형: 둥근 모서리 6">
+            <a:extLst>
+              <a:ext uri="{FF2B5EF4-FFF2-40B4-BE49-F238E27FC236}">
+                <a16:creationId xmlns:a16="http://schemas.microsoft.com/office/drawing/2014/main" id="{00248746-D06A-F74A-8C12-41C451D126EE}"/>
+              </a:ext>
+            </a:extLst>
+          </p:cNvPr>
+          <p:cNvSpPr/>
+          <p:nvPr/>
+        </p:nvSpPr>
+        <p:spPr>
+          <a:xfrm>
+            <a:off x="5580112" y="1567216"/>
+            <a:ext cx="1297692" cy="576064"/>
+          </a:xfrm>
+          <a:prstGeom prst="roundRect">
+            <a:avLst>
+              <a:gd name="adj" fmla="val 8348"/>
+            </a:avLst>
+          </a:prstGeom>
+          <a:ln w="12700"/>
+        </p:spPr>
+        <p:style>
+          <a:lnRef idx="2">
+            <a:schemeClr val="dk1"/>
+          </a:lnRef>
+          <a:fillRef idx="1">
+            <a:schemeClr val="lt1"/>
+          </a:fillRef>
+          <a:effectRef idx="0">
+            <a:schemeClr val="dk1"/>
+          </a:effectRef>
+          <a:fontRef idx="minor">
+            <a:schemeClr val="dk1"/>
+          </a:fontRef>
+        </p:style>
+        <p:txBody>
+          <a:bodyPr rtlCol="0" anchor="ctr"/>
+          <a:lstStyle/>
+          <a:p>
+            <a:pPr algn="ctr"/>
+            <a:r>
+              <a:rPr lang="en-US" altLang="ko-KR" sz="1000"/>
+              <a:t>Flink</a:t>
+            </a:r>
+          </a:p>
+          <a:p>
+            <a:pPr algn="ctr"/>
+            <a:r>
+              <a:rPr lang="en-US" altLang="ko-KR" sz="1000"/>
+              <a:t>TaskManager B</a:t>
+            </a:r>
+          </a:p>
+          <a:p>
+            <a:pPr algn="ctr"/>
+            <a:r>
+              <a:rPr lang="en-US" altLang="ko-KR" sz="1000"/>
+              <a:t>Pod</a:t>
+            </a:r>
+            <a:endParaRPr lang="ko-KR" altLang="en-US" sz="1000"/>
+          </a:p>
+        </p:txBody>
+      </p:sp>
+      <p:sp>
+        <p:nvSpPr>
+          <p:cNvPr id="48" name="사각형: 둥근 모서리 6">
+            <a:extLst>
+              <a:ext uri="{FF2B5EF4-FFF2-40B4-BE49-F238E27FC236}">
+                <a16:creationId xmlns:a16="http://schemas.microsoft.com/office/drawing/2014/main" id="{1DC26FEC-E20B-BB4F-BC4E-255CF6C59C36}"/>
+              </a:ext>
+            </a:extLst>
+          </p:cNvPr>
+          <p:cNvSpPr/>
+          <p:nvPr/>
+        </p:nvSpPr>
+        <p:spPr>
+          <a:xfrm>
+            <a:off x="5580112" y="778550"/>
+            <a:ext cx="1297692" cy="576064"/>
+          </a:xfrm>
+          <a:prstGeom prst="roundRect">
+            <a:avLst>
+              <a:gd name="adj" fmla="val 8348"/>
+            </a:avLst>
+          </a:prstGeom>
+          <a:ln w="12700"/>
+        </p:spPr>
+        <p:style>
+          <a:lnRef idx="2">
+            <a:schemeClr val="dk1"/>
+          </a:lnRef>
+          <a:fillRef idx="1">
+            <a:schemeClr val="lt1"/>
+          </a:fillRef>
+          <a:effectRef idx="0">
+            <a:schemeClr val="dk1"/>
+          </a:effectRef>
+          <a:fontRef idx="minor">
+            <a:schemeClr val="dk1"/>
+          </a:fontRef>
+        </p:style>
+        <p:txBody>
+          <a:bodyPr rtlCol="0" anchor="ctr"/>
+          <a:lstStyle/>
+          <a:p>
+            <a:pPr algn="ctr"/>
+            <a:r>
+              <a:rPr lang="en-US" altLang="ko-KR" sz="1000"/>
+              <a:t>Flink</a:t>
+            </a:r>
+          </a:p>
+          <a:p>
+            <a:pPr algn="ctr"/>
+            <a:r>
+              <a:rPr lang="en-US" altLang="ko-KR" sz="1000"/>
+              <a:t>TaskManager A</a:t>
+            </a:r>
+          </a:p>
+          <a:p>
+            <a:pPr algn="ctr"/>
+            <a:r>
+              <a:rPr lang="en-US" altLang="ko-KR" sz="1000"/>
+              <a:t>Pod</a:t>
+            </a:r>
+            <a:endParaRPr lang="ko-KR" altLang="en-US" sz="1000"/>
+          </a:p>
+        </p:txBody>
+      </p:sp>
+      <p:sp>
+        <p:nvSpPr>
+          <p:cNvPr id="51" name="사각형: 둥근 모서리 6">
+            <a:extLst>
+              <a:ext uri="{FF2B5EF4-FFF2-40B4-BE49-F238E27FC236}">
+                <a16:creationId xmlns:a16="http://schemas.microsoft.com/office/drawing/2014/main" id="{6B17914B-11FF-0B49-B155-D3717A91BA9C}"/>
+              </a:ext>
+            </a:extLst>
+          </p:cNvPr>
+          <p:cNvSpPr/>
+          <p:nvPr/>
+        </p:nvSpPr>
+        <p:spPr>
+          <a:xfrm>
+            <a:off x="3851920" y="668827"/>
+            <a:ext cx="3137272" cy="1944216"/>
+          </a:xfrm>
+          <a:prstGeom prst="roundRect">
+            <a:avLst>
+              <a:gd name="adj" fmla="val 5246"/>
+            </a:avLst>
+          </a:prstGeom>
+          <a:noFill/>
+          <a:ln w="12700">
+            <a:prstDash val="dash"/>
+          </a:ln>
+        </p:spPr>
+        <p:style>
+          <a:lnRef idx="2">
+            <a:schemeClr val="dk1"/>
+          </a:lnRef>
+          <a:fillRef idx="1">
+            <a:schemeClr val="lt1"/>
+          </a:fillRef>
+          <a:effectRef idx="0">
+            <a:schemeClr val="dk1"/>
+          </a:effectRef>
+          <a:fontRef idx="minor">
+            <a:schemeClr val="dk1"/>
+          </a:fontRef>
+        </p:style>
+        <p:txBody>
+          <a:bodyPr rtlCol="0" anchor="t"/>
+          <a:lstStyle/>
+          <a:p>
+            <a:r>
+              <a:rPr lang="en-US" altLang="ko-KR" sz="1000" b="1"/>
+              <a:t>Flink Cluster A</a:t>
+            </a:r>
+            <a:endParaRPr lang="ko-KR" altLang="en-US" sz="1000" b="1"/>
+          </a:p>
+        </p:txBody>
+      </p:sp>
+      <p:sp>
+        <p:nvSpPr>
+          <p:cNvPr id="52" name="사각형: 둥근 모서리 6">
+            <a:extLst>
+              <a:ext uri="{FF2B5EF4-FFF2-40B4-BE49-F238E27FC236}">
+                <a16:creationId xmlns:a16="http://schemas.microsoft.com/office/drawing/2014/main" id="{D1EE85DB-C768-9040-83A7-06946F92CEDD}"/>
+              </a:ext>
+            </a:extLst>
+          </p:cNvPr>
+          <p:cNvSpPr/>
+          <p:nvPr/>
+        </p:nvSpPr>
+        <p:spPr>
+          <a:xfrm>
+            <a:off x="3959932" y="4299942"/>
+            <a:ext cx="1297692" cy="576064"/>
+          </a:xfrm>
+          <a:prstGeom prst="roundRect">
+            <a:avLst>
+              <a:gd name="adj" fmla="val 8348"/>
+            </a:avLst>
+          </a:prstGeom>
+          <a:ln w="12700"/>
+        </p:spPr>
+        <p:style>
+          <a:lnRef idx="2">
+            <a:schemeClr val="dk1"/>
+          </a:lnRef>
+          <a:fillRef idx="1">
+            <a:schemeClr val="lt1"/>
+          </a:fillRef>
+          <a:effectRef idx="0">
+            <a:schemeClr val="dk1"/>
+          </a:effectRef>
+          <a:fontRef idx="minor">
+            <a:schemeClr val="dk1"/>
+          </a:fontRef>
+        </p:style>
+        <p:txBody>
+          <a:bodyPr rtlCol="0" anchor="ctr"/>
+          <a:lstStyle/>
+          <a:p>
+            <a:pPr algn="ctr"/>
+            <a:r>
+              <a:rPr lang="en-US" altLang="ko-KR" sz="1000"/>
+              <a:t>Flink JobManager</a:t>
+            </a:r>
+          </a:p>
+          <a:p>
+            <a:pPr algn="ctr"/>
+            <a:r>
+              <a:rPr lang="en-US" altLang="ko-KR" sz="1000"/>
+              <a:t>Pod</a:t>
+            </a:r>
+            <a:endParaRPr lang="ko-KR" altLang="en-US" sz="1000"/>
+          </a:p>
+        </p:txBody>
+      </p:sp>
+      <p:sp>
+        <p:nvSpPr>
+          <p:cNvPr id="54" name="사각형: 둥근 모서리 6">
+            <a:extLst>
+              <a:ext uri="{FF2B5EF4-FFF2-40B4-BE49-F238E27FC236}">
+                <a16:creationId xmlns:a16="http://schemas.microsoft.com/office/drawing/2014/main" id="{AB402692-D931-F145-9395-FD8477989A9A}"/>
+              </a:ext>
+            </a:extLst>
+          </p:cNvPr>
+          <p:cNvSpPr/>
+          <p:nvPr/>
+        </p:nvSpPr>
+        <p:spPr>
+          <a:xfrm>
+            <a:off x="5580112" y="3939769"/>
+            <a:ext cx="1297692" cy="576064"/>
+          </a:xfrm>
+          <a:prstGeom prst="roundRect">
+            <a:avLst>
+              <a:gd name="adj" fmla="val 8348"/>
+            </a:avLst>
+          </a:prstGeom>
+          <a:ln w="12700"/>
+        </p:spPr>
+        <p:style>
+          <a:lnRef idx="2">
+            <a:schemeClr val="dk1"/>
+          </a:lnRef>
+          <a:fillRef idx="1">
+            <a:schemeClr val="lt1"/>
+          </a:fillRef>
+          <a:effectRef idx="0">
+            <a:schemeClr val="dk1"/>
+          </a:effectRef>
+          <a:fontRef idx="minor">
+            <a:schemeClr val="dk1"/>
+          </a:fontRef>
+        </p:style>
+        <p:txBody>
+          <a:bodyPr rtlCol="0" anchor="ctr"/>
+          <a:lstStyle/>
+          <a:p>
+            <a:pPr algn="ctr"/>
+            <a:r>
+              <a:rPr lang="en-US" altLang="ko-KR" sz="1000"/>
+              <a:t>Flink</a:t>
+            </a:r>
+          </a:p>
+          <a:p>
+            <a:pPr algn="ctr"/>
+            <a:r>
+              <a:rPr lang="en-US" altLang="ko-KR" sz="1000"/>
+              <a:t>TaskManager B</a:t>
+            </a:r>
+          </a:p>
+          <a:p>
+            <a:pPr algn="ctr"/>
+            <a:r>
+              <a:rPr lang="en-US" altLang="ko-KR" sz="1000"/>
+              <a:t>Pod</a:t>
+            </a:r>
+            <a:endParaRPr lang="ko-KR" altLang="en-US" sz="1000"/>
+          </a:p>
+        </p:txBody>
+      </p:sp>
+      <p:sp>
+        <p:nvSpPr>
+          <p:cNvPr id="55" name="사각형: 둥근 모서리 6">
+            <a:extLst>
+              <a:ext uri="{FF2B5EF4-FFF2-40B4-BE49-F238E27FC236}">
+                <a16:creationId xmlns:a16="http://schemas.microsoft.com/office/drawing/2014/main" id="{EF73DC61-932A-0C49-983D-580156F26039}"/>
+              </a:ext>
+            </a:extLst>
+          </p:cNvPr>
+          <p:cNvSpPr/>
+          <p:nvPr/>
+        </p:nvSpPr>
+        <p:spPr>
+          <a:xfrm>
+            <a:off x="5580112" y="3151103"/>
+            <a:ext cx="1297692" cy="576064"/>
+          </a:xfrm>
+          <a:prstGeom prst="roundRect">
+            <a:avLst>
+              <a:gd name="adj" fmla="val 8348"/>
+            </a:avLst>
+          </a:prstGeom>
+          <a:ln w="12700"/>
+        </p:spPr>
+        <p:style>
+          <a:lnRef idx="2">
+            <a:schemeClr val="dk1"/>
+          </a:lnRef>
+          <a:fillRef idx="1">
+            <a:schemeClr val="lt1"/>
+          </a:fillRef>
+          <a:effectRef idx="0">
+            <a:schemeClr val="dk1"/>
+          </a:effectRef>
+          <a:fontRef idx="minor">
+            <a:schemeClr val="dk1"/>
+          </a:fontRef>
+        </p:style>
+        <p:txBody>
+          <a:bodyPr rtlCol="0" anchor="ctr"/>
+          <a:lstStyle/>
+          <a:p>
+            <a:pPr algn="ctr"/>
+            <a:r>
+              <a:rPr lang="en-US" altLang="ko-KR" sz="1000"/>
+              <a:t>Flink</a:t>
+            </a:r>
+          </a:p>
+          <a:p>
+            <a:pPr algn="ctr"/>
+            <a:r>
+              <a:rPr lang="en-US" altLang="ko-KR" sz="1000"/>
+              <a:t>TaskManager A</a:t>
+            </a:r>
+          </a:p>
+          <a:p>
+            <a:pPr algn="ctr"/>
+            <a:r>
+              <a:rPr lang="en-US" altLang="ko-KR" sz="1000"/>
+              <a:t>Pod</a:t>
+            </a:r>
+            <a:endParaRPr lang="ko-KR" altLang="en-US" sz="1000"/>
+          </a:p>
+        </p:txBody>
+      </p:sp>
+      <p:sp>
+        <p:nvSpPr>
+          <p:cNvPr id="58" name="사각형: 둥근 모서리 6">
+            <a:extLst>
+              <a:ext uri="{FF2B5EF4-FFF2-40B4-BE49-F238E27FC236}">
+                <a16:creationId xmlns:a16="http://schemas.microsoft.com/office/drawing/2014/main" id="{60AE0417-EB6C-A14F-BCF3-799EA6984B2F}"/>
+              </a:ext>
+            </a:extLst>
+          </p:cNvPr>
+          <p:cNvSpPr/>
+          <p:nvPr/>
+        </p:nvSpPr>
+        <p:spPr>
+          <a:xfrm>
+            <a:off x="3851920" y="3041380"/>
+            <a:ext cx="3137272" cy="1944216"/>
+          </a:xfrm>
+          <a:prstGeom prst="roundRect">
+            <a:avLst>
+              <a:gd name="adj" fmla="val 5246"/>
+            </a:avLst>
+          </a:prstGeom>
+          <a:noFill/>
+          <a:ln w="12700">
+            <a:prstDash val="dash"/>
+          </a:ln>
+        </p:spPr>
+        <p:style>
+          <a:lnRef idx="2">
+            <a:schemeClr val="dk1"/>
+          </a:lnRef>
+          <a:fillRef idx="1">
+            <a:schemeClr val="lt1"/>
+          </a:fillRef>
+          <a:effectRef idx="0">
+            <a:schemeClr val="dk1"/>
+          </a:effectRef>
+          <a:fontRef idx="minor">
+            <a:schemeClr val="dk1"/>
+          </a:fontRef>
+        </p:style>
+        <p:txBody>
+          <a:bodyPr rtlCol="0" anchor="t"/>
+          <a:lstStyle/>
+          <a:p>
+            <a:r>
+              <a:rPr lang="en-US" altLang="ko-KR" sz="1000" b="1"/>
+              <a:t>Flink Cluster B</a:t>
+            </a:r>
+            <a:endParaRPr lang="ko-KR" altLang="en-US" sz="1000" b="1"/>
+          </a:p>
+        </p:txBody>
+      </p:sp>
+      <p:sp>
+        <p:nvSpPr>
+          <p:cNvPr id="5" name="Oval 4">
+            <a:extLst>
+              <a:ext uri="{FF2B5EF4-FFF2-40B4-BE49-F238E27FC236}">
+                <a16:creationId xmlns:a16="http://schemas.microsoft.com/office/drawing/2014/main" id="{5B2E8AFF-4626-2B48-A390-8AEDA105F734}"/>
+              </a:ext>
+            </a:extLst>
+          </p:cNvPr>
+          <p:cNvSpPr/>
+          <p:nvPr/>
+        </p:nvSpPr>
+        <p:spPr>
+          <a:xfrm flipH="1" flipV="1">
+            <a:off x="6228184" y="2222031"/>
+            <a:ext cx="70935" cy="70935"/>
+          </a:xfrm>
+          <a:prstGeom prst="ellipse">
+            <a:avLst/>
+          </a:prstGeom>
+          <a:solidFill>
+            <a:schemeClr val="tx1"/>
+          </a:solidFill>
+          <a:ln>
+            <a:noFill/>
+          </a:ln>
+        </p:spPr>
+        <p:style>
+          <a:lnRef idx="2">
+            <a:schemeClr val="accent1">
+              <a:shade val="50000"/>
+            </a:schemeClr>
+          </a:lnRef>
+          <a:fillRef idx="1">
+            <a:schemeClr val="accent1"/>
+          </a:fillRef>
+          <a:effectRef idx="0">
+            <a:schemeClr val="accent1"/>
+          </a:effectRef>
+          <a:fontRef idx="minor">
+            <a:schemeClr val="lt1"/>
+          </a:fontRef>
+        </p:style>
+        <p:txBody>
+          <a:bodyPr rtlCol="0" anchor="ctr"/>
+          <a:lstStyle/>
+          <a:p>
+            <a:pPr algn="ctr"/>
+            <a:endParaRPr lang="en-KR" sz="1400"/>
+          </a:p>
+        </p:txBody>
+      </p:sp>
+      <p:sp>
+        <p:nvSpPr>
+          <p:cNvPr id="62" name="Oval 61">
+            <a:extLst>
+              <a:ext uri="{FF2B5EF4-FFF2-40B4-BE49-F238E27FC236}">
+                <a16:creationId xmlns:a16="http://schemas.microsoft.com/office/drawing/2014/main" id="{AD8E8614-A057-7148-BE5C-858AB7966889}"/>
+              </a:ext>
+            </a:extLst>
+          </p:cNvPr>
+          <p:cNvSpPr/>
+          <p:nvPr/>
+        </p:nvSpPr>
+        <p:spPr>
+          <a:xfrm flipH="1" flipV="1">
+            <a:off x="6228184" y="2347625"/>
+            <a:ext cx="70935" cy="70935"/>
+          </a:xfrm>
+          <a:prstGeom prst="ellipse">
+            <a:avLst/>
+          </a:prstGeom>
+          <a:solidFill>
+            <a:schemeClr val="tx1"/>
+          </a:solidFill>
+          <a:ln>
+            <a:noFill/>
+          </a:ln>
+        </p:spPr>
+        <p:style>
+          <a:lnRef idx="2">
+            <a:schemeClr val="accent1">
+              <a:shade val="50000"/>
+            </a:schemeClr>
+          </a:lnRef>
+          <a:fillRef idx="1">
+            <a:schemeClr val="accent1"/>
+          </a:fillRef>
+          <a:effectRef idx="0">
+            <a:schemeClr val="accent1"/>
+          </a:effectRef>
+          <a:fontRef idx="minor">
+            <a:schemeClr val="lt1"/>
+          </a:fontRef>
+        </p:style>
+        <p:txBody>
+          <a:bodyPr rtlCol="0" anchor="ctr"/>
+          <a:lstStyle/>
+          <a:p>
+            <a:pPr algn="ctr"/>
+            <a:endParaRPr lang="en-KR" sz="1400"/>
+          </a:p>
+        </p:txBody>
+      </p:sp>
+      <p:sp>
+        <p:nvSpPr>
+          <p:cNvPr id="63" name="Oval 62">
+            <a:extLst>
+              <a:ext uri="{FF2B5EF4-FFF2-40B4-BE49-F238E27FC236}">
+                <a16:creationId xmlns:a16="http://schemas.microsoft.com/office/drawing/2014/main" id="{AF1BAD1B-CED4-5A46-9609-899F8B0947AD}"/>
+              </a:ext>
+            </a:extLst>
+          </p:cNvPr>
+          <p:cNvSpPr/>
+          <p:nvPr/>
+        </p:nvSpPr>
+        <p:spPr>
+          <a:xfrm flipH="1" flipV="1">
+            <a:off x="6228184" y="2470100"/>
+            <a:ext cx="70935" cy="70935"/>
+          </a:xfrm>
+          <a:prstGeom prst="ellipse">
+            <a:avLst/>
+          </a:prstGeom>
+          <a:solidFill>
+            <a:schemeClr val="tx1"/>
+          </a:solidFill>
+          <a:ln>
+            <a:noFill/>
+          </a:ln>
+        </p:spPr>
+        <p:style>
+          <a:lnRef idx="2">
+            <a:schemeClr val="accent1">
+              <a:shade val="50000"/>
+            </a:schemeClr>
+          </a:lnRef>
+          <a:fillRef idx="1">
+            <a:schemeClr val="accent1"/>
+          </a:fillRef>
+          <a:effectRef idx="0">
+            <a:schemeClr val="accent1"/>
+          </a:effectRef>
+          <a:fontRef idx="minor">
+            <a:schemeClr val="lt1"/>
+          </a:fontRef>
+        </p:style>
+        <p:txBody>
+          <a:bodyPr rtlCol="0" anchor="ctr"/>
+          <a:lstStyle/>
+          <a:p>
+            <a:pPr algn="ctr"/>
+            <a:endParaRPr lang="en-KR" sz="1400"/>
+          </a:p>
+        </p:txBody>
+      </p:sp>
+      <p:sp>
+        <p:nvSpPr>
+          <p:cNvPr id="64" name="Oval 63">
+            <a:extLst>
+              <a:ext uri="{FF2B5EF4-FFF2-40B4-BE49-F238E27FC236}">
+                <a16:creationId xmlns:a16="http://schemas.microsoft.com/office/drawing/2014/main" id="{5DA1CE40-2055-8A4F-9C3C-BE09D786CEFE}"/>
+              </a:ext>
+            </a:extLst>
+          </p:cNvPr>
+          <p:cNvSpPr/>
+          <p:nvPr/>
+        </p:nvSpPr>
+        <p:spPr>
+          <a:xfrm flipH="1" flipV="1">
+            <a:off x="6228184" y="4591212"/>
+            <a:ext cx="70935" cy="70935"/>
+          </a:xfrm>
+          <a:prstGeom prst="ellipse">
+            <a:avLst/>
+          </a:prstGeom>
+          <a:solidFill>
+            <a:schemeClr val="tx1"/>
+          </a:solidFill>
+          <a:ln>
+            <a:noFill/>
+          </a:ln>
+        </p:spPr>
+        <p:style>
+          <a:lnRef idx="2">
+            <a:schemeClr val="accent1">
+              <a:shade val="50000"/>
+            </a:schemeClr>
+          </a:lnRef>
+          <a:fillRef idx="1">
+            <a:schemeClr val="accent1"/>
+          </a:fillRef>
+          <a:effectRef idx="0">
+            <a:schemeClr val="accent1"/>
+          </a:effectRef>
+          <a:fontRef idx="minor">
+            <a:schemeClr val="lt1"/>
+          </a:fontRef>
+        </p:style>
+        <p:txBody>
+          <a:bodyPr rtlCol="0" anchor="ctr"/>
+          <a:lstStyle/>
+          <a:p>
+            <a:pPr algn="ctr"/>
+            <a:endParaRPr lang="en-KR" sz="1400"/>
+          </a:p>
+        </p:txBody>
+      </p:sp>
+      <p:sp>
+        <p:nvSpPr>
+          <p:cNvPr id="65" name="Oval 64">
+            <a:extLst>
+              <a:ext uri="{FF2B5EF4-FFF2-40B4-BE49-F238E27FC236}">
+                <a16:creationId xmlns:a16="http://schemas.microsoft.com/office/drawing/2014/main" id="{D116E352-D6C9-D24C-97D0-FA8C05DC6E41}"/>
+              </a:ext>
+            </a:extLst>
+          </p:cNvPr>
+          <p:cNvSpPr/>
+          <p:nvPr/>
+        </p:nvSpPr>
+        <p:spPr>
+          <a:xfrm flipH="1" flipV="1">
+            <a:off x="6228184" y="4716806"/>
+            <a:ext cx="70935" cy="70935"/>
+          </a:xfrm>
+          <a:prstGeom prst="ellipse">
+            <a:avLst/>
+          </a:prstGeom>
+          <a:solidFill>
+            <a:schemeClr val="tx1"/>
+          </a:solidFill>
+          <a:ln>
+            <a:noFill/>
+          </a:ln>
+        </p:spPr>
+        <p:style>
+          <a:lnRef idx="2">
+            <a:schemeClr val="accent1">
+              <a:shade val="50000"/>
+            </a:schemeClr>
+          </a:lnRef>
+          <a:fillRef idx="1">
+            <a:schemeClr val="accent1"/>
+          </a:fillRef>
+          <a:effectRef idx="0">
+            <a:schemeClr val="accent1"/>
+          </a:effectRef>
+          <a:fontRef idx="minor">
+            <a:schemeClr val="lt1"/>
+          </a:fontRef>
+        </p:style>
+        <p:txBody>
+          <a:bodyPr rtlCol="0" anchor="ctr"/>
+          <a:lstStyle/>
+          <a:p>
+            <a:pPr algn="ctr"/>
+            <a:endParaRPr lang="en-KR" sz="1400"/>
+          </a:p>
+        </p:txBody>
+      </p:sp>
+      <p:sp>
+        <p:nvSpPr>
+          <p:cNvPr id="66" name="Oval 65">
+            <a:extLst>
+              <a:ext uri="{FF2B5EF4-FFF2-40B4-BE49-F238E27FC236}">
+                <a16:creationId xmlns:a16="http://schemas.microsoft.com/office/drawing/2014/main" id="{D94CF14D-A9FA-4C4A-9BF6-951BDB7B99D0}"/>
+              </a:ext>
+            </a:extLst>
+          </p:cNvPr>
+          <p:cNvSpPr/>
+          <p:nvPr/>
+        </p:nvSpPr>
+        <p:spPr>
+          <a:xfrm flipH="1" flipV="1">
+            <a:off x="6228184" y="4839281"/>
+            <a:ext cx="70935" cy="70935"/>
+          </a:xfrm>
+          <a:prstGeom prst="ellipse">
+            <a:avLst/>
+          </a:prstGeom>
+          <a:solidFill>
+            <a:schemeClr val="tx1"/>
+          </a:solidFill>
+          <a:ln>
+            <a:noFill/>
+          </a:ln>
+        </p:spPr>
+        <p:style>
+          <a:lnRef idx="2">
+            <a:schemeClr val="accent1">
+              <a:shade val="50000"/>
+            </a:schemeClr>
+          </a:lnRef>
+          <a:fillRef idx="1">
+            <a:schemeClr val="accent1"/>
+          </a:fillRef>
+          <a:effectRef idx="0">
+            <a:schemeClr val="accent1"/>
+          </a:effectRef>
+          <a:fontRef idx="minor">
+            <a:schemeClr val="lt1"/>
+          </a:fontRef>
+        </p:style>
+        <p:txBody>
+          <a:bodyPr rtlCol="0" anchor="ctr"/>
+          <a:lstStyle/>
+          <a:p>
+            <a:pPr algn="ctr"/>
+            <a:endParaRPr lang="en-KR" sz="1400"/>
+          </a:p>
+        </p:txBody>
+      </p:sp>
+      <p:cxnSp>
+        <p:nvCxnSpPr>
+          <p:cNvPr id="69" name="Straight Arrow Connector 68">
+            <a:extLst>
+              <a:ext uri="{FF2B5EF4-FFF2-40B4-BE49-F238E27FC236}">
+                <a16:creationId xmlns:a16="http://schemas.microsoft.com/office/drawing/2014/main" id="{15DEFDE2-FF77-764F-8319-D224B0AB9112}"/>
+              </a:ext>
+            </a:extLst>
+          </p:cNvPr>
+          <p:cNvCxnSpPr>
+            <a:cxnSpLocks/>
+            <a:stCxn id="38" idx="3"/>
+            <a:endCxn id="51" idx="1"/>
+          </p:cNvCxnSpPr>
+          <p:nvPr/>
+        </p:nvCxnSpPr>
+        <p:spPr>
+          <a:xfrm>
+            <a:off x="3384642" y="1640935"/>
+            <a:ext cx="467278" cy="0"/>
+          </a:xfrm>
+          <a:prstGeom prst="straightConnector1">
+            <a:avLst/>
+          </a:prstGeom>
+          <a:ln w="12700">
+            <a:solidFill>
+              <a:schemeClr val="tx2"/>
+            </a:solidFill>
+            <a:tailEnd type="triangle"/>
+          </a:ln>
+        </p:spPr>
+        <p:style>
+          <a:lnRef idx="1">
+            <a:schemeClr val="accent1"/>
+          </a:lnRef>
+          <a:fillRef idx="0">
+            <a:schemeClr val="accent1"/>
+          </a:fillRef>
+          <a:effectRef idx="0">
+            <a:schemeClr val="accent1"/>
+          </a:effectRef>
+          <a:fontRef idx="minor">
+            <a:schemeClr val="tx1"/>
+          </a:fontRef>
+        </p:style>
+      </p:cxnSp>
+      <p:cxnSp>
+        <p:nvCxnSpPr>
+          <p:cNvPr id="74" name="Straight Arrow Connector 73">
+            <a:extLst>
+              <a:ext uri="{FF2B5EF4-FFF2-40B4-BE49-F238E27FC236}">
+                <a16:creationId xmlns:a16="http://schemas.microsoft.com/office/drawing/2014/main" id="{877D60E3-127F-6349-8B6F-31452E465CA8}"/>
+              </a:ext>
+            </a:extLst>
+          </p:cNvPr>
+          <p:cNvCxnSpPr>
+            <a:cxnSpLocks/>
+            <a:stCxn id="39" idx="3"/>
+            <a:endCxn id="58" idx="1"/>
+          </p:cNvCxnSpPr>
+          <p:nvPr/>
+        </p:nvCxnSpPr>
+        <p:spPr>
+          <a:xfrm>
+            <a:off x="3384642" y="4013488"/>
+            <a:ext cx="467278" cy="0"/>
+          </a:xfrm>
+          <a:prstGeom prst="straightConnector1">
+            <a:avLst/>
+          </a:prstGeom>
+          <a:ln w="12700">
+            <a:solidFill>
+              <a:schemeClr val="tx2"/>
+            </a:solidFill>
+            <a:tailEnd type="triangle"/>
+          </a:ln>
+        </p:spPr>
+        <p:style>
+          <a:lnRef idx="1">
+            <a:schemeClr val="accent1"/>
+          </a:lnRef>
+          <a:fillRef idx="0">
+            <a:schemeClr val="accent1"/>
+          </a:fillRef>
+          <a:effectRef idx="0">
+            <a:schemeClr val="accent1"/>
+          </a:effectRef>
+          <a:fontRef idx="minor">
+            <a:schemeClr val="tx1"/>
+          </a:fontRef>
+        </p:style>
+      </p:cxnSp>
+      <p:sp>
+        <p:nvSpPr>
+          <p:cNvPr id="81" name="사각형: 둥근 모서리 6">
+            <a:extLst>
+              <a:ext uri="{FF2B5EF4-FFF2-40B4-BE49-F238E27FC236}">
+                <a16:creationId xmlns:a16="http://schemas.microsoft.com/office/drawing/2014/main" id="{6A3043C8-96F2-B149-BDD9-70FCEBDDC97D}"/>
+              </a:ext>
+            </a:extLst>
+          </p:cNvPr>
+          <p:cNvSpPr/>
+          <p:nvPr/>
+        </p:nvSpPr>
+        <p:spPr>
+          <a:xfrm>
+            <a:off x="3959932" y="1064871"/>
+            <a:ext cx="1297692" cy="576064"/>
+          </a:xfrm>
+          <a:prstGeom prst="roundRect">
+            <a:avLst>
+              <a:gd name="adj" fmla="val 8348"/>
+            </a:avLst>
+          </a:prstGeom>
+          <a:ln w="12700"/>
+        </p:spPr>
+        <p:style>
+          <a:lnRef idx="2">
+            <a:schemeClr val="dk1"/>
+          </a:lnRef>
+          <a:fillRef idx="1">
+            <a:schemeClr val="lt1"/>
+          </a:fillRef>
+          <a:effectRef idx="0">
+            <a:schemeClr val="dk1"/>
+          </a:effectRef>
+          <a:fontRef idx="minor">
+            <a:schemeClr val="dk1"/>
+          </a:fontRef>
+        </p:style>
+        <p:txBody>
+          <a:bodyPr rtlCol="0" anchor="ctr"/>
+          <a:lstStyle/>
+          <a:p>
+            <a:pPr algn="ctr"/>
+            <a:r>
+              <a:rPr lang="en-US" altLang="ko-KR" sz="1000"/>
+              <a:t>JobManager</a:t>
+            </a:r>
+          </a:p>
+          <a:p>
+            <a:pPr algn="ctr"/>
+            <a:r>
+              <a:rPr lang="en-US" altLang="ko-KR" sz="1000"/>
+              <a:t>Ingress</a:t>
+            </a:r>
+            <a:endParaRPr lang="ko-KR" altLang="en-US" sz="1000"/>
+          </a:p>
+        </p:txBody>
+      </p:sp>
+      <p:sp>
+        <p:nvSpPr>
+          <p:cNvPr id="94" name="사각형: 둥근 모서리 6">
+            <a:extLst>
+              <a:ext uri="{FF2B5EF4-FFF2-40B4-BE49-F238E27FC236}">
+                <a16:creationId xmlns:a16="http://schemas.microsoft.com/office/drawing/2014/main" id="{F43D5C21-0BFD-7247-B7A6-0EDC3EBD1385}"/>
+              </a:ext>
+            </a:extLst>
+          </p:cNvPr>
+          <p:cNvSpPr/>
+          <p:nvPr/>
+        </p:nvSpPr>
+        <p:spPr>
+          <a:xfrm>
+            <a:off x="3959932" y="3439135"/>
+            <a:ext cx="1297692" cy="576064"/>
+          </a:xfrm>
+          <a:prstGeom prst="roundRect">
+            <a:avLst>
+              <a:gd name="adj" fmla="val 8348"/>
+            </a:avLst>
+          </a:prstGeom>
+          <a:ln w="12700"/>
+        </p:spPr>
+        <p:style>
+          <a:lnRef idx="2">
+            <a:schemeClr val="dk1"/>
+          </a:lnRef>
+          <a:fillRef idx="1">
+            <a:schemeClr val="lt1"/>
+          </a:fillRef>
+          <a:effectRef idx="0">
+            <a:schemeClr val="dk1"/>
+          </a:effectRef>
+          <a:fontRef idx="minor">
+            <a:schemeClr val="dk1"/>
+          </a:fontRef>
+        </p:style>
+        <p:txBody>
+          <a:bodyPr rtlCol="0" anchor="ctr"/>
+          <a:lstStyle/>
+          <a:p>
+            <a:pPr algn="ctr"/>
+            <a:r>
+              <a:rPr lang="en-US" altLang="ko-KR" sz="1000"/>
+              <a:t>JobManager</a:t>
+            </a:r>
+          </a:p>
+          <a:p>
+            <a:pPr algn="ctr"/>
+            <a:r>
+              <a:rPr lang="en-US" altLang="ko-KR" sz="1000"/>
+              <a:t>Ingress</a:t>
+            </a:r>
+            <a:endParaRPr lang="ko-KR" altLang="en-US" sz="1000"/>
+          </a:p>
+        </p:txBody>
+      </p:sp>
+      <p:sp>
+        <p:nvSpPr>
+          <p:cNvPr id="95" name="사각형: 둥근 모서리 6">
+            <a:extLst>
+              <a:ext uri="{FF2B5EF4-FFF2-40B4-BE49-F238E27FC236}">
+                <a16:creationId xmlns:a16="http://schemas.microsoft.com/office/drawing/2014/main" id="{E68558E9-C12C-2B40-9CAF-938AB62D3E83}"/>
+              </a:ext>
+            </a:extLst>
+          </p:cNvPr>
+          <p:cNvSpPr/>
+          <p:nvPr/>
+        </p:nvSpPr>
+        <p:spPr>
+          <a:xfrm>
+            <a:off x="2086950" y="295075"/>
+            <a:ext cx="1297692" cy="576064"/>
+          </a:xfrm>
+          <a:prstGeom prst="roundRect">
+            <a:avLst>
+              <a:gd name="adj" fmla="val 8348"/>
+            </a:avLst>
+          </a:prstGeom>
+          <a:ln w="12700"/>
+        </p:spPr>
+        <p:style>
+          <a:lnRef idx="2">
+            <a:schemeClr val="dk1"/>
+          </a:lnRef>
+          <a:fillRef idx="1">
+            <a:schemeClr val="lt1"/>
+          </a:fillRef>
+          <a:effectRef idx="0">
+            <a:schemeClr val="dk1"/>
+          </a:effectRef>
+          <a:fontRef idx="minor">
+            <a:schemeClr val="dk1"/>
+          </a:fontRef>
+        </p:style>
+        <p:txBody>
+          <a:bodyPr rtlCol="0" anchor="ctr"/>
+          <a:lstStyle/>
+          <a:p>
+            <a:pPr algn="ctr"/>
+            <a:r>
+              <a:rPr lang="en-US" altLang="ko-KR" sz="1000"/>
+              <a:t>Ingress Nginx</a:t>
+            </a:r>
+          </a:p>
+          <a:p>
+            <a:pPr algn="ctr"/>
+            <a:r>
+              <a:rPr lang="en-US" altLang="ko-KR" sz="1000"/>
+              <a:t>Pod</a:t>
+            </a:r>
+            <a:endParaRPr lang="ko-KR" altLang="en-US" sz="1000"/>
+          </a:p>
+        </p:txBody>
+      </p:sp>
+      <p:sp>
+        <p:nvSpPr>
+          <p:cNvPr id="96" name="사각형: 둥근 모서리 6">
+            <a:extLst>
+              <a:ext uri="{FF2B5EF4-FFF2-40B4-BE49-F238E27FC236}">
+                <a16:creationId xmlns:a16="http://schemas.microsoft.com/office/drawing/2014/main" id="{9A86344E-A57E-CD4A-BF69-549F4299F250}"/>
+              </a:ext>
+            </a:extLst>
+          </p:cNvPr>
+          <p:cNvSpPr/>
+          <p:nvPr/>
+        </p:nvSpPr>
+        <p:spPr>
+          <a:xfrm>
+            <a:off x="7390160" y="670538"/>
+            <a:ext cx="1430312" cy="576064"/>
+          </a:xfrm>
+          <a:prstGeom prst="roundRect">
+            <a:avLst>
+              <a:gd name="adj" fmla="val 8348"/>
+            </a:avLst>
+          </a:prstGeom>
+          <a:ln w="12700"/>
+        </p:spPr>
+        <p:style>
+          <a:lnRef idx="2">
+            <a:schemeClr val="dk1"/>
+          </a:lnRef>
+          <a:fillRef idx="1">
+            <a:schemeClr val="lt1"/>
+          </a:fillRef>
+          <a:effectRef idx="0">
+            <a:schemeClr val="dk1"/>
+          </a:effectRef>
+          <a:fontRef idx="minor">
+            <a:schemeClr val="dk1"/>
+          </a:fontRef>
+        </p:style>
+        <p:txBody>
+          <a:bodyPr rtlCol="0" anchor="ctr"/>
+          <a:lstStyle/>
+          <a:p>
+            <a:pPr algn="ctr"/>
+            <a:r>
+              <a:rPr lang="en-US" altLang="ko-KR" sz="1000"/>
+              <a:t>Checkpoints</a:t>
+            </a:r>
+          </a:p>
+          <a:p>
+            <a:pPr algn="ctr"/>
+            <a:r>
+              <a:rPr lang="en-US" altLang="ko-KR" sz="1000"/>
+              <a:t>(Amazon S3)</a:t>
+            </a:r>
+          </a:p>
+        </p:txBody>
+      </p:sp>
+      <p:cxnSp>
+        <p:nvCxnSpPr>
+          <p:cNvPr id="90" name="Elbow Connector 89">
+            <a:extLst>
+              <a:ext uri="{FF2B5EF4-FFF2-40B4-BE49-F238E27FC236}">
+                <a16:creationId xmlns:a16="http://schemas.microsoft.com/office/drawing/2014/main" id="{2421C055-C3D6-E847-986D-0A025ED8FD86}"/>
+              </a:ext>
+            </a:extLst>
+          </p:cNvPr>
+          <p:cNvCxnSpPr>
+            <a:stCxn id="43" idx="3"/>
+            <a:endCxn id="48" idx="1"/>
+          </p:cNvCxnSpPr>
+          <p:nvPr/>
+        </p:nvCxnSpPr>
+        <p:spPr>
+          <a:xfrm flipV="1">
+            <a:off x="5257624" y="1066582"/>
+            <a:ext cx="322488" cy="1148839"/>
+          </a:xfrm>
+          <a:prstGeom prst="bentConnector3">
+            <a:avLst/>
+          </a:prstGeom>
+          <a:ln w="12700">
+            <a:solidFill>
+              <a:schemeClr val="tx2"/>
+            </a:solidFill>
+            <a:tailEnd type="triangle"/>
+          </a:ln>
+        </p:spPr>
+        <p:style>
+          <a:lnRef idx="1">
+            <a:schemeClr val="accent1"/>
+          </a:lnRef>
+          <a:fillRef idx="0">
+            <a:schemeClr val="accent1"/>
+          </a:fillRef>
+          <a:effectRef idx="0">
+            <a:schemeClr val="accent1"/>
+          </a:effectRef>
+          <a:fontRef idx="minor">
+            <a:schemeClr val="tx1"/>
+          </a:fontRef>
+        </p:style>
+      </p:cxnSp>
+      <p:cxnSp>
+        <p:nvCxnSpPr>
+          <p:cNvPr id="101" name="Elbow Connector 100">
+            <a:extLst>
+              <a:ext uri="{FF2B5EF4-FFF2-40B4-BE49-F238E27FC236}">
+                <a16:creationId xmlns:a16="http://schemas.microsoft.com/office/drawing/2014/main" id="{3AA120AA-F055-9042-95D2-E23FDD3428E5}"/>
+              </a:ext>
+            </a:extLst>
+          </p:cNvPr>
+          <p:cNvCxnSpPr>
+            <a:cxnSpLocks/>
+            <a:stCxn id="43" idx="3"/>
+            <a:endCxn id="47" idx="1"/>
+          </p:cNvCxnSpPr>
+          <p:nvPr/>
+        </p:nvCxnSpPr>
+        <p:spPr>
+          <a:xfrm flipV="1">
+            <a:off x="5257624" y="1855248"/>
+            <a:ext cx="322488" cy="360173"/>
+          </a:xfrm>
+          <a:prstGeom prst="bentConnector3">
+            <a:avLst>
+              <a:gd name="adj1" fmla="val 50000"/>
+            </a:avLst>
+          </a:prstGeom>
+          <a:ln w="12700">
+            <a:solidFill>
+              <a:schemeClr val="tx2"/>
+            </a:solidFill>
+            <a:tailEnd type="triangle"/>
+          </a:ln>
+        </p:spPr>
+        <p:style>
+          <a:lnRef idx="1">
+            <a:schemeClr val="accent1"/>
+          </a:lnRef>
+          <a:fillRef idx="0">
+            <a:schemeClr val="accent1"/>
+          </a:fillRef>
+          <a:effectRef idx="0">
+            <a:schemeClr val="accent1"/>
+          </a:effectRef>
+          <a:fontRef idx="minor">
+            <a:schemeClr val="tx1"/>
+          </a:fontRef>
+        </p:style>
+      </p:cxnSp>
+      <p:cxnSp>
+        <p:nvCxnSpPr>
+          <p:cNvPr id="112" name="Elbow Connector 111">
+            <a:extLst>
+              <a:ext uri="{FF2B5EF4-FFF2-40B4-BE49-F238E27FC236}">
+                <a16:creationId xmlns:a16="http://schemas.microsoft.com/office/drawing/2014/main" id="{4C537515-3F15-BD45-A433-8029E40357A6}"/>
+              </a:ext>
+            </a:extLst>
+          </p:cNvPr>
+          <p:cNvCxnSpPr>
+            <a:cxnSpLocks/>
+            <a:stCxn id="52" idx="3"/>
+            <a:endCxn id="55" idx="1"/>
+          </p:cNvCxnSpPr>
+          <p:nvPr/>
+        </p:nvCxnSpPr>
+        <p:spPr>
+          <a:xfrm flipV="1">
+            <a:off x="5257624" y="3439135"/>
+            <a:ext cx="322488" cy="1148839"/>
+          </a:xfrm>
+          <a:prstGeom prst="bentConnector3">
+            <a:avLst>
+              <a:gd name="adj1" fmla="val 50000"/>
+            </a:avLst>
+          </a:prstGeom>
+          <a:ln w="12700">
+            <a:solidFill>
+              <a:schemeClr val="tx2"/>
+            </a:solidFill>
+            <a:tailEnd type="triangle"/>
+          </a:ln>
+        </p:spPr>
+        <p:style>
+          <a:lnRef idx="1">
+            <a:schemeClr val="accent1"/>
+          </a:lnRef>
+          <a:fillRef idx="0">
+            <a:schemeClr val="accent1"/>
+          </a:fillRef>
+          <a:effectRef idx="0">
+            <a:schemeClr val="accent1"/>
+          </a:effectRef>
+          <a:fontRef idx="minor">
+            <a:schemeClr val="tx1"/>
+          </a:fontRef>
+        </p:style>
+      </p:cxnSp>
+      <p:cxnSp>
+        <p:nvCxnSpPr>
+          <p:cNvPr id="116" name="Elbow Connector 115">
+            <a:extLst>
+              <a:ext uri="{FF2B5EF4-FFF2-40B4-BE49-F238E27FC236}">
+                <a16:creationId xmlns:a16="http://schemas.microsoft.com/office/drawing/2014/main" id="{261624F5-707C-3643-84FD-3E86D0BD7B77}"/>
+              </a:ext>
+            </a:extLst>
+          </p:cNvPr>
+          <p:cNvCxnSpPr>
+            <a:cxnSpLocks/>
+            <a:stCxn id="52" idx="3"/>
+            <a:endCxn id="54" idx="1"/>
+          </p:cNvCxnSpPr>
+          <p:nvPr/>
+        </p:nvCxnSpPr>
+        <p:spPr>
+          <a:xfrm flipV="1">
+            <a:off x="5257624" y="4227801"/>
+            <a:ext cx="322488" cy="360173"/>
+          </a:xfrm>
+          <a:prstGeom prst="bentConnector3">
+            <a:avLst>
+              <a:gd name="adj1" fmla="val 50000"/>
+            </a:avLst>
+          </a:prstGeom>
+          <a:ln w="12700">
+            <a:solidFill>
+              <a:schemeClr val="tx2"/>
+            </a:solidFill>
+            <a:tailEnd type="triangle"/>
+          </a:ln>
+        </p:spPr>
+        <p:style>
+          <a:lnRef idx="1">
+            <a:schemeClr val="accent1"/>
+          </a:lnRef>
+          <a:fillRef idx="0">
+            <a:schemeClr val="accent1"/>
+          </a:fillRef>
+          <a:effectRef idx="0">
+            <a:schemeClr val="accent1"/>
+          </a:effectRef>
+          <a:fontRef idx="minor">
+            <a:schemeClr val="tx1"/>
+          </a:fontRef>
+        </p:style>
+      </p:cxnSp>
+      <p:cxnSp>
+        <p:nvCxnSpPr>
+          <p:cNvPr id="119" name="Elbow Connector 118">
+            <a:extLst>
+              <a:ext uri="{FF2B5EF4-FFF2-40B4-BE49-F238E27FC236}">
+                <a16:creationId xmlns:a16="http://schemas.microsoft.com/office/drawing/2014/main" id="{514B2151-88BE-3E4A-8DA8-D23AF145D6D1}"/>
+              </a:ext>
+            </a:extLst>
+          </p:cNvPr>
+          <p:cNvCxnSpPr>
+            <a:cxnSpLocks/>
+            <a:stCxn id="95" idx="3"/>
+            <a:endCxn id="81" idx="1"/>
+          </p:cNvCxnSpPr>
+          <p:nvPr/>
+        </p:nvCxnSpPr>
+        <p:spPr>
+          <a:xfrm>
+            <a:off x="3384642" y="583107"/>
+            <a:ext cx="575290" cy="769796"/>
+          </a:xfrm>
+          <a:prstGeom prst="bentConnector3">
+            <a:avLst>
+              <a:gd name="adj1" fmla="val 50000"/>
+            </a:avLst>
+          </a:prstGeom>
+          <a:ln w="12700">
+            <a:solidFill>
+              <a:schemeClr val="accent3"/>
+            </a:solidFill>
+            <a:prstDash val="solid"/>
+            <a:tailEnd type="triangle"/>
+          </a:ln>
+        </p:spPr>
+        <p:style>
+          <a:lnRef idx="1">
+            <a:schemeClr val="accent1"/>
+          </a:lnRef>
+          <a:fillRef idx="0">
+            <a:schemeClr val="accent1"/>
+          </a:fillRef>
+          <a:effectRef idx="0">
+            <a:schemeClr val="accent1"/>
+          </a:effectRef>
+          <a:fontRef idx="minor">
+            <a:schemeClr val="tx1"/>
+          </a:fontRef>
+        </p:style>
+      </p:cxnSp>
+      <p:cxnSp>
+        <p:nvCxnSpPr>
+          <p:cNvPr id="122" name="Elbow Connector 121">
+            <a:extLst>
+              <a:ext uri="{FF2B5EF4-FFF2-40B4-BE49-F238E27FC236}">
+                <a16:creationId xmlns:a16="http://schemas.microsoft.com/office/drawing/2014/main" id="{D72D80CD-23B8-214D-8063-FC202447577A}"/>
+              </a:ext>
+            </a:extLst>
+          </p:cNvPr>
+          <p:cNvCxnSpPr>
+            <a:cxnSpLocks/>
+            <a:stCxn id="95" idx="3"/>
+            <a:endCxn id="94" idx="1"/>
+          </p:cNvCxnSpPr>
+          <p:nvPr/>
+        </p:nvCxnSpPr>
+        <p:spPr>
+          <a:xfrm>
+            <a:off x="3384642" y="583107"/>
+            <a:ext cx="575290" cy="3144060"/>
+          </a:xfrm>
+          <a:prstGeom prst="bentConnector3">
+            <a:avLst>
+              <a:gd name="adj1" fmla="val 50000"/>
+            </a:avLst>
+          </a:prstGeom>
+          <a:ln w="12700">
+            <a:solidFill>
+              <a:schemeClr val="accent3"/>
+            </a:solidFill>
+            <a:prstDash val="solid"/>
+            <a:tailEnd type="triangle"/>
+          </a:ln>
+        </p:spPr>
+        <p:style>
+          <a:lnRef idx="1">
+            <a:schemeClr val="accent1"/>
+          </a:lnRef>
+          <a:fillRef idx="0">
+            <a:schemeClr val="accent1"/>
+          </a:fillRef>
+          <a:effectRef idx="0">
+            <a:schemeClr val="accent1"/>
+          </a:effectRef>
+          <a:fontRef idx="minor">
+            <a:schemeClr val="tx1"/>
+          </a:fontRef>
+        </p:style>
+      </p:cxnSp>
+      <p:sp>
+        <p:nvSpPr>
+          <p:cNvPr id="125" name="사각형: 둥근 모서리 6">
+            <a:extLst>
+              <a:ext uri="{FF2B5EF4-FFF2-40B4-BE49-F238E27FC236}">
+                <a16:creationId xmlns:a16="http://schemas.microsoft.com/office/drawing/2014/main" id="{F59A3251-6B1C-7B4D-9A57-BB3D1631375B}"/>
+              </a:ext>
+            </a:extLst>
+          </p:cNvPr>
+          <p:cNvSpPr/>
+          <p:nvPr/>
+        </p:nvSpPr>
+        <p:spPr>
+          <a:xfrm>
+            <a:off x="7390160" y="1353560"/>
+            <a:ext cx="1430312" cy="574486"/>
+          </a:xfrm>
+          <a:prstGeom prst="roundRect">
+            <a:avLst>
+              <a:gd name="adj" fmla="val 8348"/>
+            </a:avLst>
+          </a:prstGeom>
+          <a:ln w="12700"/>
+        </p:spPr>
+        <p:style>
+          <a:lnRef idx="2">
+            <a:schemeClr val="dk1"/>
+          </a:lnRef>
+          <a:fillRef idx="1">
+            <a:schemeClr val="lt1"/>
+          </a:fillRef>
+          <a:effectRef idx="0">
+            <a:schemeClr val="dk1"/>
+          </a:effectRef>
+          <a:fontRef idx="minor">
+            <a:schemeClr val="dk1"/>
+          </a:fontRef>
+        </p:style>
+        <p:txBody>
+          <a:bodyPr rtlCol="0" anchor="ctr"/>
+          <a:lstStyle/>
+          <a:p>
+            <a:pPr algn="ctr"/>
+            <a:r>
+              <a:rPr lang="en-US" altLang="ko-KR" sz="1000"/>
+              <a:t>Data Source</a:t>
+            </a:r>
+          </a:p>
+          <a:p>
+            <a:pPr algn="ctr"/>
+            <a:r>
+              <a:rPr lang="en-US" altLang="ko-KR" sz="1000"/>
+              <a:t>(Amazon MSK)</a:t>
+            </a:r>
+            <a:endParaRPr lang="ko-KR" altLang="en-US" sz="1000"/>
+          </a:p>
+        </p:txBody>
+      </p:sp>
+      <p:cxnSp>
+        <p:nvCxnSpPr>
+          <p:cNvPr id="129" name="Elbow Connector 128">
+            <a:extLst>
+              <a:ext uri="{FF2B5EF4-FFF2-40B4-BE49-F238E27FC236}">
+                <a16:creationId xmlns:a16="http://schemas.microsoft.com/office/drawing/2014/main" id="{F20D1246-6439-E941-A847-77FE21B23E5F}"/>
+              </a:ext>
+            </a:extLst>
+          </p:cNvPr>
+          <p:cNvCxnSpPr>
+            <a:cxnSpLocks/>
+            <a:stCxn id="125" idx="1"/>
+            <a:endCxn id="51" idx="3"/>
+          </p:cNvCxnSpPr>
+          <p:nvPr/>
+        </p:nvCxnSpPr>
+        <p:spPr>
+          <a:xfrm rot="10800000" flipV="1">
+            <a:off x="6989192" y="1640803"/>
+            <a:ext cx="400968" cy="132"/>
+          </a:xfrm>
+          <a:prstGeom prst="bentConnector3">
+            <a:avLst>
+              <a:gd name="adj1" fmla="val 50000"/>
+            </a:avLst>
+          </a:prstGeom>
+          <a:ln w="12700">
+            <a:solidFill>
+              <a:schemeClr val="accent6"/>
+            </a:solidFill>
+            <a:tailEnd type="triangle"/>
+          </a:ln>
+        </p:spPr>
+        <p:style>
+          <a:lnRef idx="1">
+            <a:schemeClr val="accent1"/>
+          </a:lnRef>
+          <a:fillRef idx="0">
+            <a:schemeClr val="accent1"/>
+          </a:fillRef>
+          <a:effectRef idx="0">
+            <a:schemeClr val="accent1"/>
+          </a:effectRef>
+          <a:fontRef idx="minor">
+            <a:schemeClr val="tx1"/>
+          </a:fontRef>
+        </p:style>
+      </p:cxnSp>
+      <p:cxnSp>
+        <p:nvCxnSpPr>
+          <p:cNvPr id="136" name="Elbow Connector 135">
+            <a:extLst>
+              <a:ext uri="{FF2B5EF4-FFF2-40B4-BE49-F238E27FC236}">
+                <a16:creationId xmlns:a16="http://schemas.microsoft.com/office/drawing/2014/main" id="{94AF8D9C-B339-1F43-9D89-8AE63BBAA775}"/>
+              </a:ext>
+            </a:extLst>
+          </p:cNvPr>
+          <p:cNvCxnSpPr>
+            <a:cxnSpLocks/>
+            <a:stCxn id="51" idx="0"/>
+            <a:endCxn id="96" idx="0"/>
+          </p:cNvCxnSpPr>
+          <p:nvPr/>
+        </p:nvCxnSpPr>
+        <p:spPr>
+          <a:xfrm rot="16200000" flipH="1">
+            <a:off x="6762080" y="-672698"/>
+            <a:ext cx="1711" cy="2684760"/>
+          </a:xfrm>
+          <a:prstGeom prst="bentConnector3">
+            <a:avLst>
+              <a:gd name="adj1" fmla="val -13360608"/>
+            </a:avLst>
+          </a:prstGeom>
+          <a:ln w="12700">
+            <a:solidFill>
+              <a:srgbClr val="C00000"/>
+            </a:solidFill>
+            <a:prstDash val="solid"/>
+            <a:tailEnd type="triangle"/>
+          </a:ln>
+        </p:spPr>
+        <p:style>
+          <a:lnRef idx="1">
+            <a:schemeClr val="accent1"/>
+          </a:lnRef>
+          <a:fillRef idx="0">
+            <a:schemeClr val="accent1"/>
+          </a:fillRef>
+          <a:effectRef idx="0">
+            <a:schemeClr val="accent1"/>
+          </a:effectRef>
+          <a:fontRef idx="minor">
+            <a:schemeClr val="tx1"/>
+          </a:fontRef>
+        </p:style>
+      </p:cxnSp>
+      <p:sp>
+        <p:nvSpPr>
+          <p:cNvPr id="140" name="사각형: 둥근 모서리 6">
+            <a:extLst>
+              <a:ext uri="{FF2B5EF4-FFF2-40B4-BE49-F238E27FC236}">
+                <a16:creationId xmlns:a16="http://schemas.microsoft.com/office/drawing/2014/main" id="{D63A3AD2-5DC3-024A-BE12-00EA5A73BF54}"/>
+              </a:ext>
+            </a:extLst>
+          </p:cNvPr>
+          <p:cNvSpPr/>
+          <p:nvPr/>
+        </p:nvSpPr>
+        <p:spPr>
+          <a:xfrm>
+            <a:off x="7390160" y="3038025"/>
+            <a:ext cx="1430312" cy="576064"/>
+          </a:xfrm>
+          <a:prstGeom prst="roundRect">
+            <a:avLst>
+              <a:gd name="adj" fmla="val 8348"/>
+            </a:avLst>
+          </a:prstGeom>
+          <a:ln w="12700"/>
+        </p:spPr>
+        <p:style>
+          <a:lnRef idx="2">
+            <a:schemeClr val="dk1"/>
+          </a:lnRef>
+          <a:fillRef idx="1">
+            <a:schemeClr val="lt1"/>
+          </a:fillRef>
+          <a:effectRef idx="0">
+            <a:schemeClr val="dk1"/>
+          </a:effectRef>
+          <a:fontRef idx="minor">
+            <a:schemeClr val="dk1"/>
+          </a:fontRef>
+        </p:style>
+        <p:txBody>
+          <a:bodyPr rtlCol="0" anchor="ctr"/>
+          <a:lstStyle/>
+          <a:p>
+            <a:pPr algn="ctr"/>
+            <a:r>
+              <a:rPr lang="en-US" altLang="ko-KR" sz="1000"/>
+              <a:t>Checkpoints</a:t>
+            </a:r>
+          </a:p>
+          <a:p>
+            <a:pPr algn="ctr"/>
+            <a:r>
+              <a:rPr lang="en-US" altLang="ko-KR" sz="1000"/>
+              <a:t>(Amazon S3)</a:t>
+            </a:r>
+          </a:p>
+        </p:txBody>
+      </p:sp>
+      <p:cxnSp>
+        <p:nvCxnSpPr>
+          <p:cNvPr id="142" name="Elbow Connector 141">
+            <a:extLst>
+              <a:ext uri="{FF2B5EF4-FFF2-40B4-BE49-F238E27FC236}">
+                <a16:creationId xmlns:a16="http://schemas.microsoft.com/office/drawing/2014/main" id="{739713E0-1624-4740-93AF-2D610D28C193}"/>
+              </a:ext>
+            </a:extLst>
+          </p:cNvPr>
+          <p:cNvCxnSpPr>
+            <a:cxnSpLocks/>
+            <a:stCxn id="58" idx="0"/>
+            <a:endCxn id="140" idx="0"/>
+          </p:cNvCxnSpPr>
+          <p:nvPr/>
+        </p:nvCxnSpPr>
+        <p:spPr>
+          <a:xfrm rot="5400000" flipH="1" flipV="1">
+            <a:off x="6761259" y="1697323"/>
+            <a:ext cx="3355" cy="2684760"/>
+          </a:xfrm>
+          <a:prstGeom prst="bentConnector3">
+            <a:avLst>
+              <a:gd name="adj1" fmla="val 6913711"/>
+            </a:avLst>
+          </a:prstGeom>
+          <a:ln w="12700">
+            <a:solidFill>
+              <a:srgbClr val="C00000"/>
+            </a:solidFill>
+            <a:prstDash val="solid"/>
+            <a:tailEnd type="triangle"/>
+          </a:ln>
+        </p:spPr>
+        <p:style>
+          <a:lnRef idx="1">
+            <a:schemeClr val="accent1"/>
+          </a:lnRef>
+          <a:fillRef idx="0">
+            <a:schemeClr val="accent1"/>
+          </a:fillRef>
+          <a:effectRef idx="0">
+            <a:schemeClr val="accent1"/>
+          </a:effectRef>
+          <a:fontRef idx="minor">
+            <a:schemeClr val="tx1"/>
+          </a:fontRef>
+        </p:style>
+      </p:cxnSp>
+      <p:sp>
+        <p:nvSpPr>
+          <p:cNvPr id="151" name="사각형: 둥근 모서리 6">
+            <a:extLst>
+              <a:ext uri="{FF2B5EF4-FFF2-40B4-BE49-F238E27FC236}">
+                <a16:creationId xmlns:a16="http://schemas.microsoft.com/office/drawing/2014/main" id="{C6467003-4EDA-A04D-A9C8-E773E381C101}"/>
+              </a:ext>
+            </a:extLst>
+          </p:cNvPr>
+          <p:cNvSpPr/>
+          <p:nvPr/>
+        </p:nvSpPr>
+        <p:spPr>
+          <a:xfrm>
+            <a:off x="7390160" y="2038557"/>
+            <a:ext cx="1430312" cy="574486"/>
+          </a:xfrm>
+          <a:prstGeom prst="roundRect">
+            <a:avLst>
+              <a:gd name="adj" fmla="val 8348"/>
+            </a:avLst>
+          </a:prstGeom>
+          <a:ln w="12700"/>
+        </p:spPr>
+        <p:style>
+          <a:lnRef idx="2">
+            <a:schemeClr val="dk1"/>
+          </a:lnRef>
+          <a:fillRef idx="1">
+            <a:schemeClr val="lt1"/>
+          </a:fillRef>
+          <a:effectRef idx="0">
+            <a:schemeClr val="dk1"/>
+          </a:effectRef>
+          <a:fontRef idx="minor">
+            <a:schemeClr val="dk1"/>
+          </a:fontRef>
+        </p:style>
+        <p:txBody>
+          <a:bodyPr rtlCol="0" anchor="ctr"/>
+          <a:lstStyle/>
+          <a:p>
+            <a:pPr algn="ctr"/>
+            <a:r>
+              <a:rPr lang="en-US" altLang="ko-KR" sz="1000"/>
+              <a:t>Data Destination</a:t>
+            </a:r>
+          </a:p>
+          <a:p>
+            <a:pPr algn="ctr"/>
+            <a:r>
+              <a:rPr lang="en-US" altLang="ko-KR" sz="1000"/>
+              <a:t>(Amazon MSK)</a:t>
+            </a:r>
+            <a:endParaRPr lang="ko-KR" altLang="en-US" sz="1000"/>
+          </a:p>
+        </p:txBody>
+      </p:sp>
+      <p:cxnSp>
+        <p:nvCxnSpPr>
+          <p:cNvPr id="163" name="Straight Arrow Connector 162">
+            <a:extLst>
+              <a:ext uri="{FF2B5EF4-FFF2-40B4-BE49-F238E27FC236}">
+                <a16:creationId xmlns:a16="http://schemas.microsoft.com/office/drawing/2014/main" id="{E089B796-47B4-F64C-8CF2-068B115CC921}"/>
+              </a:ext>
+            </a:extLst>
+          </p:cNvPr>
+          <p:cNvCxnSpPr>
+            <a:cxnSpLocks/>
+            <a:stCxn id="81" idx="2"/>
+            <a:endCxn id="43" idx="0"/>
+          </p:cNvCxnSpPr>
+          <p:nvPr/>
+        </p:nvCxnSpPr>
+        <p:spPr>
+          <a:xfrm>
+            <a:off x="4608778" y="1640935"/>
+            <a:ext cx="0" cy="286454"/>
+          </a:xfrm>
+          <a:prstGeom prst="straightConnector1">
+            <a:avLst/>
+          </a:prstGeom>
+          <a:ln w="12700">
+            <a:solidFill>
+              <a:schemeClr val="accent3"/>
+            </a:solidFill>
+            <a:tailEnd type="triangle"/>
+          </a:ln>
+        </p:spPr>
+        <p:style>
+          <a:lnRef idx="1">
+            <a:schemeClr val="accent1"/>
+          </a:lnRef>
+          <a:fillRef idx="0">
+            <a:schemeClr val="accent1"/>
+          </a:fillRef>
+          <a:effectRef idx="0">
+            <a:schemeClr val="accent1"/>
+          </a:effectRef>
+          <a:fontRef idx="minor">
+            <a:schemeClr val="tx1"/>
+          </a:fontRef>
+        </p:style>
+      </p:cxnSp>
+      <p:cxnSp>
+        <p:nvCxnSpPr>
+          <p:cNvPr id="166" name="Straight Arrow Connector 165">
+            <a:extLst>
+              <a:ext uri="{FF2B5EF4-FFF2-40B4-BE49-F238E27FC236}">
+                <a16:creationId xmlns:a16="http://schemas.microsoft.com/office/drawing/2014/main" id="{5F6FD7F3-A557-2B46-AF95-AAC0A05F7A16}"/>
+              </a:ext>
+            </a:extLst>
+          </p:cNvPr>
+          <p:cNvCxnSpPr>
+            <a:cxnSpLocks/>
+            <a:stCxn id="94" idx="2"/>
+            <a:endCxn id="52" idx="0"/>
+          </p:cNvCxnSpPr>
+          <p:nvPr/>
+        </p:nvCxnSpPr>
+        <p:spPr>
+          <a:xfrm>
+            <a:off x="4608778" y="4015199"/>
+            <a:ext cx="0" cy="284743"/>
+          </a:xfrm>
+          <a:prstGeom prst="straightConnector1">
+            <a:avLst/>
+          </a:prstGeom>
+          <a:ln w="12700">
+            <a:solidFill>
+              <a:schemeClr val="accent3"/>
+            </a:solidFill>
+            <a:tailEnd type="triangle"/>
+          </a:ln>
+        </p:spPr>
+        <p:style>
+          <a:lnRef idx="1">
+            <a:schemeClr val="accent1"/>
+          </a:lnRef>
+          <a:fillRef idx="0">
+            <a:schemeClr val="accent1"/>
+          </a:fillRef>
+          <a:effectRef idx="0">
+            <a:schemeClr val="accent1"/>
+          </a:effectRef>
+          <a:fontRef idx="minor">
+            <a:schemeClr val="tx1"/>
+          </a:fontRef>
+        </p:style>
+      </p:cxnSp>
+      <p:sp>
+        <p:nvSpPr>
+          <p:cNvPr id="200" name="사각형: 둥근 모서리 6">
+            <a:extLst>
+              <a:ext uri="{FF2B5EF4-FFF2-40B4-BE49-F238E27FC236}">
+                <a16:creationId xmlns:a16="http://schemas.microsoft.com/office/drawing/2014/main" id="{7DC45A33-D044-384B-BF0B-866BCE12AF72}"/>
+              </a:ext>
+            </a:extLst>
+          </p:cNvPr>
+          <p:cNvSpPr/>
+          <p:nvPr/>
+        </p:nvSpPr>
+        <p:spPr>
+          <a:xfrm>
+            <a:off x="7390160" y="3726245"/>
+            <a:ext cx="1430312" cy="574486"/>
+          </a:xfrm>
+          <a:prstGeom prst="roundRect">
+            <a:avLst>
+              <a:gd name="adj" fmla="val 8348"/>
+            </a:avLst>
+          </a:prstGeom>
+          <a:ln w="12700"/>
+        </p:spPr>
+        <p:style>
+          <a:lnRef idx="2">
+            <a:schemeClr val="dk1"/>
+          </a:lnRef>
+          <a:fillRef idx="1">
+            <a:schemeClr val="lt1"/>
+          </a:fillRef>
+          <a:effectRef idx="0">
+            <a:schemeClr val="dk1"/>
+          </a:effectRef>
+          <a:fontRef idx="minor">
+            <a:schemeClr val="dk1"/>
+          </a:fontRef>
+        </p:style>
+        <p:txBody>
+          <a:bodyPr rtlCol="0" anchor="ctr"/>
+          <a:lstStyle/>
+          <a:p>
+            <a:pPr algn="ctr"/>
+            <a:r>
+              <a:rPr lang="en-US" altLang="ko-KR" sz="1000"/>
+              <a:t>Data Source</a:t>
+            </a:r>
+          </a:p>
+          <a:p>
+            <a:pPr algn="ctr"/>
+            <a:r>
+              <a:rPr lang="en-US" altLang="ko-KR" sz="1000"/>
+              <a:t>(Amazon MSK)</a:t>
+            </a:r>
+            <a:endParaRPr lang="ko-KR" altLang="en-US" sz="1000"/>
+          </a:p>
+        </p:txBody>
+      </p:sp>
+      <p:sp>
+        <p:nvSpPr>
+          <p:cNvPr id="201" name="사각형: 둥근 모서리 6">
+            <a:extLst>
+              <a:ext uri="{FF2B5EF4-FFF2-40B4-BE49-F238E27FC236}">
+                <a16:creationId xmlns:a16="http://schemas.microsoft.com/office/drawing/2014/main" id="{107AE182-DC25-7E4E-BF83-799B33F33E2B}"/>
+              </a:ext>
+            </a:extLst>
+          </p:cNvPr>
+          <p:cNvSpPr/>
+          <p:nvPr/>
+        </p:nvSpPr>
+        <p:spPr>
+          <a:xfrm>
+            <a:off x="7390160" y="4414798"/>
+            <a:ext cx="1430312" cy="574486"/>
+          </a:xfrm>
+          <a:prstGeom prst="roundRect">
+            <a:avLst>
+              <a:gd name="adj" fmla="val 8348"/>
+            </a:avLst>
+          </a:prstGeom>
+          <a:ln w="12700"/>
+        </p:spPr>
+        <p:style>
+          <a:lnRef idx="2">
+            <a:schemeClr val="dk1"/>
+          </a:lnRef>
+          <a:fillRef idx="1">
+            <a:schemeClr val="lt1"/>
+          </a:fillRef>
+          <a:effectRef idx="0">
+            <a:schemeClr val="dk1"/>
+          </a:effectRef>
+          <a:fontRef idx="minor">
+            <a:schemeClr val="dk1"/>
+          </a:fontRef>
+        </p:style>
+        <p:txBody>
+          <a:bodyPr rtlCol="0" anchor="ctr"/>
+          <a:lstStyle/>
+          <a:p>
+            <a:pPr algn="ctr"/>
+            <a:r>
+              <a:rPr lang="en-US" altLang="ko-KR" sz="1000"/>
+              <a:t>Data Destination</a:t>
+            </a:r>
+          </a:p>
+          <a:p>
+            <a:pPr algn="ctr"/>
+            <a:r>
+              <a:rPr lang="en-US" altLang="ko-KR" sz="1000"/>
+              <a:t>(Amazon MSK)</a:t>
+            </a:r>
+            <a:endParaRPr lang="ko-KR" altLang="en-US" sz="1000"/>
+          </a:p>
+        </p:txBody>
+      </p:sp>
+      <p:cxnSp>
+        <p:nvCxnSpPr>
+          <p:cNvPr id="209" name="Straight Arrow Connector 208">
+            <a:extLst>
+              <a:ext uri="{FF2B5EF4-FFF2-40B4-BE49-F238E27FC236}">
+                <a16:creationId xmlns:a16="http://schemas.microsoft.com/office/drawing/2014/main" id="{29059D06-115C-F943-A004-8B1E0AB2995E}"/>
+              </a:ext>
+            </a:extLst>
+          </p:cNvPr>
+          <p:cNvCxnSpPr>
+            <a:cxnSpLocks/>
+            <a:endCxn id="151" idx="1"/>
+          </p:cNvCxnSpPr>
+          <p:nvPr/>
+        </p:nvCxnSpPr>
+        <p:spPr>
+          <a:xfrm>
+            <a:off x="6989192" y="2325800"/>
+            <a:ext cx="400968" cy="0"/>
+          </a:xfrm>
+          <a:prstGeom prst="straightConnector1">
+            <a:avLst/>
+          </a:prstGeom>
+          <a:ln w="12700">
+            <a:solidFill>
+              <a:schemeClr val="accent6"/>
+            </a:solidFill>
+            <a:tailEnd type="triangle"/>
+          </a:ln>
+        </p:spPr>
+        <p:style>
+          <a:lnRef idx="1">
+            <a:schemeClr val="accent1"/>
+          </a:lnRef>
+          <a:fillRef idx="0">
+            <a:schemeClr val="accent1"/>
+          </a:fillRef>
+          <a:effectRef idx="0">
+            <a:schemeClr val="accent1"/>
+          </a:effectRef>
+          <a:fontRef idx="minor">
+            <a:schemeClr val="tx1"/>
+          </a:fontRef>
+        </p:style>
+      </p:cxnSp>
+      <p:cxnSp>
+        <p:nvCxnSpPr>
+          <p:cNvPr id="212" name="Elbow Connector 211">
+            <a:extLst>
+              <a:ext uri="{FF2B5EF4-FFF2-40B4-BE49-F238E27FC236}">
+                <a16:creationId xmlns:a16="http://schemas.microsoft.com/office/drawing/2014/main" id="{80C5AA94-9F13-6349-8693-D0A9CEB4535F}"/>
+              </a:ext>
+            </a:extLst>
+          </p:cNvPr>
+          <p:cNvCxnSpPr>
+            <a:cxnSpLocks/>
+          </p:cNvCxnSpPr>
+          <p:nvPr/>
+        </p:nvCxnSpPr>
+        <p:spPr>
+          <a:xfrm rot="10800000" flipV="1">
+            <a:off x="6989192" y="4021906"/>
+            <a:ext cx="400968" cy="132"/>
+          </a:xfrm>
+          <a:prstGeom prst="bentConnector3">
+            <a:avLst>
+              <a:gd name="adj1" fmla="val 50000"/>
+            </a:avLst>
+          </a:prstGeom>
+          <a:ln w="12700">
+            <a:solidFill>
+              <a:schemeClr val="accent6"/>
+            </a:solidFill>
+            <a:tailEnd type="triangle"/>
+          </a:ln>
+        </p:spPr>
+        <p:style>
+          <a:lnRef idx="1">
+            <a:schemeClr val="accent1"/>
+          </a:lnRef>
+          <a:fillRef idx="0">
+            <a:schemeClr val="accent1"/>
+          </a:fillRef>
+          <a:effectRef idx="0">
+            <a:schemeClr val="accent1"/>
+          </a:effectRef>
+          <a:fontRef idx="minor">
+            <a:schemeClr val="tx1"/>
+          </a:fontRef>
+        </p:style>
+      </p:cxnSp>
+      <p:cxnSp>
+        <p:nvCxnSpPr>
+          <p:cNvPr id="213" name="Straight Arrow Connector 212">
+            <a:extLst>
+              <a:ext uri="{FF2B5EF4-FFF2-40B4-BE49-F238E27FC236}">
+                <a16:creationId xmlns:a16="http://schemas.microsoft.com/office/drawing/2014/main" id="{AD54C8C7-4357-0144-B761-0597A08EA517}"/>
+              </a:ext>
+            </a:extLst>
+          </p:cNvPr>
+          <p:cNvCxnSpPr>
+            <a:cxnSpLocks/>
+          </p:cNvCxnSpPr>
+          <p:nvPr/>
+        </p:nvCxnSpPr>
+        <p:spPr>
+          <a:xfrm>
+            <a:off x="6989192" y="4706903"/>
+            <a:ext cx="400968" cy="0"/>
+          </a:xfrm>
+          <a:prstGeom prst="straightConnector1">
+            <a:avLst/>
+          </a:prstGeom>
+          <a:ln w="12700">
+            <a:solidFill>
+              <a:schemeClr val="accent6"/>
+            </a:solidFill>
+            <a:tailEnd type="triangle"/>
+          </a:ln>
+        </p:spPr>
+        <p:style>
+          <a:lnRef idx="1">
+            <a:schemeClr val="accent1"/>
+          </a:lnRef>
+          <a:fillRef idx="0">
+            <a:schemeClr val="accent1"/>
+          </a:fillRef>
+          <a:effectRef idx="0">
+            <a:schemeClr val="accent1"/>
+          </a:effectRef>
+          <a:fontRef idx="minor">
+            <a:schemeClr val="tx1"/>
+          </a:fontRef>
+        </p:style>
+      </p:cxnSp>
+      <p:cxnSp>
+        <p:nvCxnSpPr>
+          <p:cNvPr id="216" name="Elbow Connector 215">
+            <a:extLst>
+              <a:ext uri="{FF2B5EF4-FFF2-40B4-BE49-F238E27FC236}">
+                <a16:creationId xmlns:a16="http://schemas.microsoft.com/office/drawing/2014/main" id="{24449FCE-8D7E-8643-8903-1A587E3C12C5}"/>
+              </a:ext>
+            </a:extLst>
+          </p:cNvPr>
+          <p:cNvCxnSpPr>
+            <a:cxnSpLocks/>
+            <a:stCxn id="228" idx="2"/>
+            <a:endCxn id="38" idx="1"/>
+          </p:cNvCxnSpPr>
+          <p:nvPr/>
+        </p:nvCxnSpPr>
+        <p:spPr>
+          <a:xfrm rot="16200000" flipH="1">
+            <a:off x="1278866" y="832851"/>
+            <a:ext cx="534952" cy="1081215"/>
+          </a:xfrm>
+          <a:prstGeom prst="bentConnector2">
+            <a:avLst/>
+          </a:prstGeom>
+          <a:ln w="12700">
+            <a:solidFill>
+              <a:schemeClr val="tx2"/>
+            </a:solidFill>
+            <a:tailEnd type="triangle"/>
+          </a:ln>
+        </p:spPr>
+        <p:style>
+          <a:lnRef idx="1">
+            <a:schemeClr val="accent1"/>
+          </a:lnRef>
+          <a:fillRef idx="0">
+            <a:schemeClr val="accent1"/>
+          </a:fillRef>
+          <a:effectRef idx="0">
+            <a:schemeClr val="accent1"/>
+          </a:effectRef>
+          <a:fontRef idx="minor">
+            <a:schemeClr val="tx1"/>
+          </a:fontRef>
+        </p:style>
+      </p:cxnSp>
+      <p:cxnSp>
+        <p:nvCxnSpPr>
+          <p:cNvPr id="220" name="Elbow Connector 219">
+            <a:extLst>
+              <a:ext uri="{FF2B5EF4-FFF2-40B4-BE49-F238E27FC236}">
+                <a16:creationId xmlns:a16="http://schemas.microsoft.com/office/drawing/2014/main" id="{0DECE9F3-A4C1-034D-B45B-A3B0D8DF2FDA}"/>
+              </a:ext>
+            </a:extLst>
+          </p:cNvPr>
+          <p:cNvCxnSpPr>
+            <a:cxnSpLocks/>
+            <a:stCxn id="228" idx="2"/>
+            <a:endCxn id="39" idx="1"/>
+          </p:cNvCxnSpPr>
+          <p:nvPr/>
+        </p:nvCxnSpPr>
+        <p:spPr>
+          <a:xfrm rot="16200000" flipH="1">
+            <a:off x="92590" y="2019127"/>
+            <a:ext cx="2907505" cy="1081215"/>
+          </a:xfrm>
+          <a:prstGeom prst="bentConnector2">
+            <a:avLst/>
+          </a:prstGeom>
+          <a:ln w="12700">
+            <a:solidFill>
+              <a:schemeClr val="tx2"/>
+            </a:solidFill>
+            <a:tailEnd type="triangle"/>
+          </a:ln>
+        </p:spPr>
+        <p:style>
+          <a:lnRef idx="1">
+            <a:schemeClr val="accent1"/>
+          </a:lnRef>
+          <a:fillRef idx="0">
+            <a:schemeClr val="accent1"/>
+          </a:fillRef>
+          <a:effectRef idx="0">
+            <a:schemeClr val="accent1"/>
+          </a:effectRef>
+          <a:fontRef idx="minor">
+            <a:schemeClr val="tx1"/>
+          </a:fontRef>
+        </p:style>
+      </p:cxnSp>
+      <p:cxnSp>
+        <p:nvCxnSpPr>
+          <p:cNvPr id="225" name="Straight Arrow Connector 224">
+            <a:extLst>
+              <a:ext uri="{FF2B5EF4-FFF2-40B4-BE49-F238E27FC236}">
+                <a16:creationId xmlns:a16="http://schemas.microsoft.com/office/drawing/2014/main" id="{53CAE1E9-FF65-084A-9018-F6C917F150CD}"/>
+              </a:ext>
+            </a:extLst>
+          </p:cNvPr>
+          <p:cNvCxnSpPr>
+            <a:cxnSpLocks/>
+            <a:stCxn id="229" idx="3"/>
+            <a:endCxn id="95" idx="1"/>
+          </p:cNvCxnSpPr>
+          <p:nvPr/>
+        </p:nvCxnSpPr>
+        <p:spPr>
+          <a:xfrm>
+            <a:off x="1174342" y="582116"/>
+            <a:ext cx="912608" cy="991"/>
+          </a:xfrm>
+          <a:prstGeom prst="straightConnector1">
+            <a:avLst/>
+          </a:prstGeom>
+          <a:ln w="12700">
+            <a:solidFill>
+              <a:schemeClr val="accent3"/>
+            </a:solidFill>
+            <a:tailEnd type="triangle"/>
+          </a:ln>
+        </p:spPr>
+        <p:style>
+          <a:lnRef idx="1">
+            <a:schemeClr val="accent1"/>
+          </a:lnRef>
+          <a:fillRef idx="0">
+            <a:schemeClr val="accent1"/>
+          </a:fillRef>
+          <a:effectRef idx="0">
+            <a:schemeClr val="accent1"/>
+          </a:effectRef>
+          <a:fontRef idx="minor">
+            <a:schemeClr val="tx1"/>
+          </a:fontRef>
+        </p:style>
+      </p:cxnSp>
+      <p:sp>
+        <p:nvSpPr>
+          <p:cNvPr id="228" name="사각형: 둥근 모서리 38">
+            <a:extLst>
+              <a:ext uri="{FF2B5EF4-FFF2-40B4-BE49-F238E27FC236}">
+                <a16:creationId xmlns:a16="http://schemas.microsoft.com/office/drawing/2014/main" id="{40CE3D00-3737-614D-B49B-C332B65B20CF}"/>
+              </a:ext>
+            </a:extLst>
+          </p:cNvPr>
+          <p:cNvSpPr/>
+          <p:nvPr/>
+        </p:nvSpPr>
+        <p:spPr>
+          <a:xfrm>
+            <a:off x="573366" y="769762"/>
+            <a:ext cx="864738" cy="336221"/>
+          </a:xfrm>
+          <a:prstGeom prst="roundRect">
+            <a:avLst>
+              <a:gd name="adj" fmla="val 15249"/>
+            </a:avLst>
+          </a:prstGeom>
+          <a:noFill/>
+          <a:ln>
+            <a:noFill/>
+          </a:ln>
+        </p:spPr>
+        <p:style>
+          <a:lnRef idx="2">
+            <a:schemeClr val="dk1"/>
+          </a:lnRef>
+          <a:fillRef idx="1">
+            <a:schemeClr val="lt1"/>
+          </a:fillRef>
+          <a:effectRef idx="0">
+            <a:schemeClr val="dk1"/>
+          </a:effectRef>
+          <a:fontRef idx="minor">
+            <a:schemeClr val="dk1"/>
+          </a:fontRef>
+        </p:style>
+        <p:txBody>
+          <a:bodyPr rtlCol="0" anchor="ctr"/>
+          <a:lstStyle/>
+          <a:p>
+            <a:pPr algn="ctr"/>
+            <a:r>
+              <a:rPr lang="en-US" altLang="ko-KR" sz="1000"/>
+              <a:t>Service Team</a:t>
+            </a:r>
+          </a:p>
+        </p:txBody>
+      </p:sp>
+      <p:pic>
+        <p:nvPicPr>
+          <p:cNvPr id="229" name="Picture 228">
+            <a:extLst>
+              <a:ext uri="{FF2B5EF4-FFF2-40B4-BE49-F238E27FC236}">
+                <a16:creationId xmlns:a16="http://schemas.microsoft.com/office/drawing/2014/main" id="{E8E869AF-FB1F-AC40-BE29-3E993EE5A5E2}"/>
+              </a:ext>
+            </a:extLst>
+          </p:cNvPr>
+          <p:cNvPicPr>
+            <a:picLocks noChangeAspect="1"/>
+          </p:cNvPicPr>
+          <p:nvPr/>
+        </p:nvPicPr>
+        <p:blipFill>
+          <a:blip r:embed="rId2">
+            <a:extLst>
+              <a:ext uri="{28A0092B-C50C-407E-A947-70E740481C1C}">
+                <a14:useLocalDpi xmlns:a14="http://schemas.microsoft.com/office/drawing/2010/main" val="0"/>
+              </a:ext>
+            </a:extLst>
+          </a:blip>
+          <a:stretch>
+            <a:fillRect/>
+          </a:stretch>
+        </p:blipFill>
+        <p:spPr>
+          <a:xfrm>
+            <a:off x="837128" y="413509"/>
+            <a:ext cx="337214" cy="337214"/>
+          </a:xfrm>
+          <a:prstGeom prst="rect">
+            <a:avLst/>
+          </a:prstGeom>
+        </p:spPr>
+      </p:pic>
+      <p:cxnSp>
+        <p:nvCxnSpPr>
+          <p:cNvPr id="255" name="Elbow Connector 254">
+            <a:extLst>
+              <a:ext uri="{FF2B5EF4-FFF2-40B4-BE49-F238E27FC236}">
+                <a16:creationId xmlns:a16="http://schemas.microsoft.com/office/drawing/2014/main" id="{1A3A9F8A-5829-AD4F-8A3D-B1EFA698C075}"/>
+              </a:ext>
+            </a:extLst>
+          </p:cNvPr>
+          <p:cNvCxnSpPr>
+            <a:cxnSpLocks/>
+            <a:stCxn id="37" idx="0"/>
+          </p:cNvCxnSpPr>
+          <p:nvPr/>
+        </p:nvCxnSpPr>
+        <p:spPr>
+          <a:xfrm rot="5400000" flipH="1" flipV="1">
+            <a:off x="2805664" y="1386622"/>
+            <a:ext cx="210847" cy="1881666"/>
+          </a:xfrm>
+          <a:prstGeom prst="bentConnector2">
+            <a:avLst/>
+          </a:prstGeom>
+          <a:ln w="12700">
+            <a:solidFill>
+              <a:schemeClr val="tx1"/>
+            </a:solidFill>
+            <a:prstDash val="dash"/>
+            <a:tailEnd type="triangle"/>
+          </a:ln>
+        </p:spPr>
+        <p:style>
+          <a:lnRef idx="1">
+            <a:schemeClr val="accent1"/>
+          </a:lnRef>
+          <a:fillRef idx="0">
+            <a:schemeClr val="accent1"/>
+          </a:fillRef>
+          <a:effectRef idx="0">
+            <a:schemeClr val="accent1"/>
+          </a:effectRef>
+          <a:fontRef idx="minor">
+            <a:schemeClr val="tx1"/>
+          </a:fontRef>
+        </p:style>
+      </p:cxnSp>
+      <p:cxnSp>
+        <p:nvCxnSpPr>
+          <p:cNvPr id="258" name="Elbow Connector 257">
+            <a:extLst>
+              <a:ext uri="{FF2B5EF4-FFF2-40B4-BE49-F238E27FC236}">
+                <a16:creationId xmlns:a16="http://schemas.microsoft.com/office/drawing/2014/main" id="{FF05A9BA-2087-C644-B0B8-ACBA15440E14}"/>
+              </a:ext>
+            </a:extLst>
+          </p:cNvPr>
+          <p:cNvCxnSpPr>
+            <a:cxnSpLocks/>
+            <a:stCxn id="37" idx="2"/>
+          </p:cNvCxnSpPr>
+          <p:nvPr/>
+        </p:nvCxnSpPr>
+        <p:spPr>
+          <a:xfrm rot="16200000" flipH="1">
+            <a:off x="2802292" y="2389506"/>
+            <a:ext cx="217591" cy="1881666"/>
+          </a:xfrm>
+          <a:prstGeom prst="bentConnector2">
+            <a:avLst/>
+          </a:prstGeom>
+          <a:ln w="12700">
+            <a:solidFill>
+              <a:schemeClr val="tx1"/>
+            </a:solidFill>
+            <a:prstDash val="dash"/>
+            <a:tailEnd type="triangle"/>
+          </a:ln>
+        </p:spPr>
+        <p:style>
+          <a:lnRef idx="1">
+            <a:schemeClr val="accent1"/>
+          </a:lnRef>
+          <a:fillRef idx="0">
+            <a:schemeClr val="accent1"/>
+          </a:fillRef>
+          <a:effectRef idx="0">
+            <a:schemeClr val="accent1"/>
+          </a:effectRef>
+          <a:fontRef idx="minor">
+            <a:schemeClr val="tx1"/>
+          </a:fontRef>
+        </p:style>
+      </p:cxnSp>
+    </p:spTree>
+    <p:extLst>
+      <p:ext uri="{BB962C8B-B14F-4D97-AF65-F5344CB8AC3E}">
+        <p14:creationId xmlns:p14="http://schemas.microsoft.com/office/powerpoint/2010/main" val="3968852541"/>
+      </p:ext>
+    </p:extLst>
+  </p:cSld>
+  <p:clrMapOvr>
+    <a:masterClrMapping/>
+  </p:clrMapOvr>
+</p:sld>
+</file>
+
+<file path=ppt/slides/slide5.xml><?xml version="1.0" encoding="utf-8"?>
+<p:sld xmlns:a="http://schemas.openxmlformats.org/drawingml/2006/main" xmlns:r="http://schemas.openxmlformats.org/officeDocument/2006/relationships" xmlns:p="http://schemas.openxmlformats.org/presentationml/2006/main">
+  <p:cSld>
+    <p:spTree>
+      <p:nvGrpSpPr>
+        <p:cNvPr id="1" name=""/>
+        <p:cNvGrpSpPr/>
+        <p:nvPr/>
+      </p:nvGrpSpPr>
+      <p:grpSpPr>
+        <a:xfrm>
+          <a:off x="0" y="0"/>
+          <a:ext cx="0" cy="0"/>
+          <a:chOff x="0" y="0"/>
+          <a:chExt cx="0" cy="0"/>
+        </a:xfrm>
+      </p:grpSpPr>
+      <p:sp>
+        <p:nvSpPr>
           <p:cNvPr id="2" name="Title 1">
             <a:extLst>
               <a:ext uri="{FF2B5EF4-FFF2-40B4-BE49-F238E27FC236}">
@@ -7735,7 +10043,7 @@
 </p:sld>
 </file>
 
-<file path=ppt/slides/slide5.xml><?xml version="1.0" encoding="utf-8"?>
+<file path=ppt/slides/slide6.xml><?xml version="1.0" encoding="utf-8"?>
 <p:sld xmlns:a="http://schemas.openxmlformats.org/drawingml/2006/main" xmlns:r="http://schemas.openxmlformats.org/officeDocument/2006/relationships" xmlns:p="http://schemas.openxmlformats.org/presentationml/2006/main">
   <p:cSld>
     <p:spTree>
